--- a/Inception Deck - Workflow23.pptx
+++ b/Inception Deck - Workflow23.pptx
@@ -76,8 +76,9 @@
             <a:noAutofit/>
           </a:bodyPr>
           <a:p>
-            <a:r>
-              <a:rPr b="0" lang="en-AU" sz="1400" spc="-1" strike="noStrike">
+            <a:pPr algn="ctr"/>
+            <a:r>
+              <a:rPr b="0" lang="en-AU" sz="4400" spc="-1" strike="noStrike">
                 <a:solidFill>
                   <a:srgbClr val="000000"/>
                 </a:solidFill>
@@ -85,7 +86,7 @@
               </a:rPr>
               <a:t>Click to move the slide</a:t>
             </a:r>
-            <a:endParaRPr b="0" lang="en-AU" sz="1400" spc="-1" strike="noStrike">
+            <a:endParaRPr b="0" lang="en-AU" sz="4400" spc="-1" strike="noStrike">
               <a:solidFill>
                 <a:srgbClr val="000000"/>
               </a:solidFill>
@@ -354,7 +355,7 @@
             <a:pPr indent="0" algn="r">
               <a:buNone/>
             </a:pPr>
-            <a:fld id="{3404554C-24C7-42A7-9189-697AF3F2254E}" type="slidenum">
+            <a:fld id="{ECA3EB57-380E-48C3-8408-AC0CFD5E65C7}" type="slidenum">
               <a:rPr b="0" lang="en-AU" sz="1400" spc="-1" strike="noStrike">
                 <a:solidFill>
                   <a:srgbClr val="000000"/>
@@ -408,7 +409,7 @@
         <p:spPr>
           <a:xfrm>
             <a:off x="381240" y="685800"/>
-            <a:ext cx="6095520" cy="3428640"/>
+            <a:ext cx="6095160" cy="3428280"/>
           </a:xfrm>
           <a:prstGeom prst="rect">
             <a:avLst/>
@@ -431,22 +432,22 @@
         <p:spPr>
           <a:xfrm>
             <a:off x="685800" y="4343400"/>
-            <a:ext cx="5486040" cy="4114440"/>
-          </a:xfrm>
-          <a:prstGeom prst="rect">
-            <a:avLst/>
-          </a:prstGeom>
-          <a:noFill/>
-          <a:ln w="0">
-            <a:noFill/>
-          </a:ln>
-        </p:spPr>
-        <p:txBody>
-          <a:bodyPr tIns="91440" bIns="91440" anchor="t">
+            <a:ext cx="5485680" cy="4114080"/>
+          </a:xfrm>
+          <a:prstGeom prst="rect">
+            <a:avLst/>
+          </a:prstGeom>
+          <a:noFill/>
+          <a:ln w="0">
+            <a:noFill/>
+          </a:ln>
+        </p:spPr>
+        <p:txBody>
+          <a:bodyPr lIns="0" rIns="0" tIns="91440" bIns="91440" anchor="t">
             <a:noAutofit/>
           </a:bodyPr>
           <a:p>
-            <a:pPr indent="0">
+            <a:pPr marL="216000" indent="0">
               <a:lnSpc>
                 <a:spcPct val="115000"/>
               </a:lnSpc>
@@ -472,7 +473,7 @@
             </a:endParaRPr>
           </a:p>
           <a:p>
-            <a:pPr indent="0">
+            <a:pPr marL="216000" indent="0">
               <a:lnSpc>
                 <a:spcPct val="115000"/>
               </a:lnSpc>
@@ -541,7 +542,7 @@
         <p:txBody>
           <a:bodyPr/>
           <a:p>
-            <a:fld id="{A3B0F54F-5350-4952-A7F0-94C50573AB7B}" type="slidenum">
+            <a:fld id="{57037C50-42B2-40DB-8EF7-AE67A619676E}" type="slidenum">
               <a:t>&lt;#&gt;</a:t>
             </a:fld>
           </a:p>
@@ -581,8 +582,8 @@
         </p:nvSpPr>
         <p:spPr>
           <a:xfrm>
-            <a:off x="430920" y="1889640"/>
-            <a:ext cx="8282160" cy="1516320"/>
+            <a:off x="457200" y="205200"/>
+            <a:ext cx="8229240" cy="858600"/>
           </a:xfrm>
           <a:prstGeom prst="rect">
             <a:avLst/>
@@ -597,10 +598,10 @@
             <a:noAutofit/>
           </a:bodyPr>
           <a:p>
-            <a:pPr indent="0">
-              <a:buNone/>
-            </a:pPr>
-            <a:endParaRPr b="0" lang="en-AU" sz="1400" spc="-1" strike="noStrike">
+            <a:pPr indent="0" algn="ctr">
+              <a:buNone/>
+            </a:pPr>
+            <a:endParaRPr b="0" lang="en-AU" sz="4400" spc="-1" strike="noStrike">
               <a:solidFill>
                 <a:srgbClr val="000000"/>
               </a:solidFill>
@@ -643,7 +644,7 @@
               </a:spcBef>
               <a:buNone/>
             </a:pPr>
-            <a:endParaRPr b="0" lang="en-AU" sz="1400" spc="-1" strike="noStrike">
+            <a:endParaRPr b="0" lang="en-AU" sz="3200" spc="-1" strike="noStrike">
               <a:solidFill>
                 <a:srgbClr val="000000"/>
               </a:solidFill>
@@ -686,7 +687,7 @@
               </a:spcBef>
               <a:buNone/>
             </a:pPr>
-            <a:endParaRPr b="0" lang="en-AU" sz="1400" spc="-1" strike="noStrike">
+            <a:endParaRPr b="0" lang="en-AU" sz="3200" spc="-1" strike="noStrike">
               <a:solidFill>
                 <a:srgbClr val="000000"/>
               </a:solidFill>
@@ -709,7 +710,7 @@
         <p:txBody>
           <a:bodyPr/>
           <a:p>
-            <a:fld id="{91E324D0-2C0E-4049-964E-F30A1E774106}" type="slidenum">
+            <a:fld id="{D6046298-C529-441E-80C8-BB7C473ED9A6}" type="slidenum">
               <a:t>&lt;#&gt;</a:t>
             </a:fld>
           </a:p>
@@ -749,8 +750,8 @@
         </p:nvSpPr>
         <p:spPr>
           <a:xfrm>
-            <a:off x="430920" y="1889640"/>
-            <a:ext cx="8282160" cy="1516320"/>
+            <a:off x="457200" y="205200"/>
+            <a:ext cx="8229240" cy="858600"/>
           </a:xfrm>
           <a:prstGeom prst="rect">
             <a:avLst/>
@@ -765,10 +766,10 @@
             <a:noAutofit/>
           </a:bodyPr>
           <a:p>
-            <a:pPr indent="0">
-              <a:buNone/>
-            </a:pPr>
-            <a:endParaRPr b="0" lang="en-AU" sz="1400" spc="-1" strike="noStrike">
+            <a:pPr indent="0" algn="ctr">
+              <a:buNone/>
+            </a:pPr>
+            <a:endParaRPr b="0" lang="en-AU" sz="4400" spc="-1" strike="noStrike">
               <a:solidFill>
                 <a:srgbClr val="000000"/>
               </a:solidFill>
@@ -811,7 +812,7 @@
               </a:spcBef>
               <a:buNone/>
             </a:pPr>
-            <a:endParaRPr b="0" lang="en-AU" sz="1400" spc="-1" strike="noStrike">
+            <a:endParaRPr b="0" lang="en-AU" sz="3200" spc="-1" strike="noStrike">
               <a:solidFill>
                 <a:srgbClr val="000000"/>
               </a:solidFill>
@@ -854,7 +855,7 @@
               </a:spcBef>
               <a:buNone/>
             </a:pPr>
-            <a:endParaRPr b="0" lang="en-AU" sz="1400" spc="-1" strike="noStrike">
+            <a:endParaRPr b="0" lang="en-AU" sz="3200" spc="-1" strike="noStrike">
               <a:solidFill>
                 <a:srgbClr val="000000"/>
               </a:solidFill>
@@ -897,7 +898,7 @@
               </a:spcBef>
               <a:buNone/>
             </a:pPr>
-            <a:endParaRPr b="0" lang="en-AU" sz="1400" spc="-1" strike="noStrike">
+            <a:endParaRPr b="0" lang="en-AU" sz="3200" spc="-1" strike="noStrike">
               <a:solidFill>
                 <a:srgbClr val="000000"/>
               </a:solidFill>
@@ -940,7 +941,7 @@
               </a:spcBef>
               <a:buNone/>
             </a:pPr>
-            <a:endParaRPr b="0" lang="en-AU" sz="1400" spc="-1" strike="noStrike">
+            <a:endParaRPr b="0" lang="en-AU" sz="3200" spc="-1" strike="noStrike">
               <a:solidFill>
                 <a:srgbClr val="000000"/>
               </a:solidFill>
@@ -963,7 +964,7 @@
         <p:txBody>
           <a:bodyPr/>
           <a:p>
-            <a:fld id="{DFC07815-03F8-4765-AA3A-AAE94CC4AD76}" type="slidenum">
+            <a:fld id="{15E6B3A7-A29C-47C6-BC9F-22FF490C20B4}" type="slidenum">
               <a:t>&lt;#&gt;</a:t>
             </a:fld>
           </a:p>
@@ -1003,8 +1004,8 @@
         </p:nvSpPr>
         <p:spPr>
           <a:xfrm>
-            <a:off x="430920" y="1889640"/>
-            <a:ext cx="8282160" cy="1516320"/>
+            <a:off x="457200" y="205200"/>
+            <a:ext cx="8229240" cy="858600"/>
           </a:xfrm>
           <a:prstGeom prst="rect">
             <a:avLst/>
@@ -1019,10 +1020,10 @@
             <a:noAutofit/>
           </a:bodyPr>
           <a:p>
-            <a:pPr indent="0">
-              <a:buNone/>
-            </a:pPr>
-            <a:endParaRPr b="0" lang="en-AU" sz="1400" spc="-1" strike="noStrike">
+            <a:pPr indent="0" algn="ctr">
+              <a:buNone/>
+            </a:pPr>
+            <a:endParaRPr b="0" lang="en-AU" sz="4400" spc="-1" strike="noStrike">
               <a:solidFill>
                 <a:srgbClr val="000000"/>
               </a:solidFill>
@@ -1065,7 +1066,7 @@
               </a:spcBef>
               <a:buNone/>
             </a:pPr>
-            <a:endParaRPr b="0" lang="en-AU" sz="1400" spc="-1" strike="noStrike">
+            <a:endParaRPr b="0" lang="en-AU" sz="3200" spc="-1" strike="noStrike">
               <a:solidFill>
                 <a:srgbClr val="000000"/>
               </a:solidFill>
@@ -1108,7 +1109,7 @@
               </a:spcBef>
               <a:buNone/>
             </a:pPr>
-            <a:endParaRPr b="0" lang="en-AU" sz="1400" spc="-1" strike="noStrike">
+            <a:endParaRPr b="0" lang="en-AU" sz="3200" spc="-1" strike="noStrike">
               <a:solidFill>
                 <a:srgbClr val="000000"/>
               </a:solidFill>
@@ -1151,7 +1152,7 @@
               </a:spcBef>
               <a:buNone/>
             </a:pPr>
-            <a:endParaRPr b="0" lang="en-AU" sz="1400" spc="-1" strike="noStrike">
+            <a:endParaRPr b="0" lang="en-AU" sz="3200" spc="-1" strike="noStrike">
               <a:solidFill>
                 <a:srgbClr val="000000"/>
               </a:solidFill>
@@ -1194,7 +1195,7 @@
               </a:spcBef>
               <a:buNone/>
             </a:pPr>
-            <a:endParaRPr b="0" lang="en-AU" sz="1400" spc="-1" strike="noStrike">
+            <a:endParaRPr b="0" lang="en-AU" sz="3200" spc="-1" strike="noStrike">
               <a:solidFill>
                 <a:srgbClr val="000000"/>
               </a:solidFill>
@@ -1237,7 +1238,7 @@
               </a:spcBef>
               <a:buNone/>
             </a:pPr>
-            <a:endParaRPr b="0" lang="en-AU" sz="1400" spc="-1" strike="noStrike">
+            <a:endParaRPr b="0" lang="en-AU" sz="3200" spc="-1" strike="noStrike">
               <a:solidFill>
                 <a:srgbClr val="000000"/>
               </a:solidFill>
@@ -1280,7 +1281,7 @@
               </a:spcBef>
               <a:buNone/>
             </a:pPr>
-            <a:endParaRPr b="0" lang="en-AU" sz="1400" spc="-1" strike="noStrike">
+            <a:endParaRPr b="0" lang="en-AU" sz="3200" spc="-1" strike="noStrike">
               <a:solidFill>
                 <a:srgbClr val="000000"/>
               </a:solidFill>
@@ -1303,7 +1304,7 @@
         <p:txBody>
           <a:bodyPr/>
           <a:p>
-            <a:fld id="{A90AAE8C-1258-42A4-87F7-0F42BA2A6EE4}" type="slidenum">
+            <a:fld id="{CD13F5EE-8337-4D2C-8793-688A354242AB}" type="slidenum">
               <a:t>&lt;#&gt;</a:t>
             </a:fld>
           </a:p>
@@ -1345,7 +1346,7 @@
         <p:txBody>
           <a:bodyPr/>
           <a:p>
-            <a:fld id="{58EC4503-CAC1-4F72-B0A8-946616274D8B}" type="slidenum">
+            <a:fld id="{75BE9FC1-C613-40B8-A9FF-D178E6672F6E}" type="slidenum">
               <a:t>&lt;#&gt;</a:t>
             </a:fld>
           </a:p>
@@ -1385,8 +1386,8 @@
         </p:nvSpPr>
         <p:spPr>
           <a:xfrm>
-            <a:off x="430920" y="1889640"/>
-            <a:ext cx="8282160" cy="1516320"/>
+            <a:off x="457200" y="205200"/>
+            <a:ext cx="8229240" cy="858600"/>
           </a:xfrm>
           <a:prstGeom prst="rect">
             <a:avLst/>
@@ -1401,10 +1402,10 @@
             <a:noAutofit/>
           </a:bodyPr>
           <a:p>
-            <a:pPr indent="0">
-              <a:buNone/>
-            </a:pPr>
-            <a:endParaRPr b="0" lang="en-AU" sz="1400" spc="-1" strike="noStrike">
+            <a:pPr indent="0" algn="ctr">
+              <a:buNone/>
+            </a:pPr>
+            <a:endParaRPr b="0" lang="en-AU" sz="4400" spc="-1" strike="noStrike">
               <a:solidFill>
                 <a:srgbClr val="000000"/>
               </a:solidFill>
@@ -1467,7 +1468,7 @@
         <p:txBody>
           <a:bodyPr/>
           <a:p>
-            <a:fld id="{C1B7E3BE-C4CB-4353-88FD-FDCAEB114CC0}" type="slidenum">
+            <a:fld id="{9767814F-6EAD-4573-A309-4A0974ABEAC7}" type="slidenum">
               <a:t>&lt;#&gt;</a:t>
             </a:fld>
           </a:p>
@@ -1507,8 +1508,8 @@
         </p:nvSpPr>
         <p:spPr>
           <a:xfrm>
-            <a:off x="430920" y="1889640"/>
-            <a:ext cx="8282160" cy="1516320"/>
+            <a:off x="457200" y="205200"/>
+            <a:ext cx="8229240" cy="858600"/>
           </a:xfrm>
           <a:prstGeom prst="rect">
             <a:avLst/>
@@ -1523,10 +1524,10 @@
             <a:noAutofit/>
           </a:bodyPr>
           <a:p>
-            <a:pPr indent="0">
-              <a:buNone/>
-            </a:pPr>
-            <a:endParaRPr b="0" lang="en-AU" sz="1400" spc="-1" strike="noStrike">
+            <a:pPr indent="0" algn="ctr">
+              <a:buNone/>
+            </a:pPr>
+            <a:endParaRPr b="0" lang="en-AU" sz="4400" spc="-1" strike="noStrike">
               <a:solidFill>
                 <a:srgbClr val="000000"/>
               </a:solidFill>
@@ -1569,7 +1570,7 @@
               </a:spcBef>
               <a:buNone/>
             </a:pPr>
-            <a:endParaRPr b="0" lang="en-AU" sz="1400" spc="-1" strike="noStrike">
+            <a:endParaRPr b="0" lang="en-AU" sz="3200" spc="-1" strike="noStrike">
               <a:solidFill>
                 <a:srgbClr val="000000"/>
               </a:solidFill>
@@ -1592,7 +1593,7 @@
         <p:txBody>
           <a:bodyPr/>
           <a:p>
-            <a:fld id="{CAB7E852-5317-49B8-BA99-AFB73B524D39}" type="slidenum">
+            <a:fld id="{4BFE07EA-F5A4-4C11-8654-66ADCBFFF9A7}" type="slidenum">
               <a:t>&lt;#&gt;</a:t>
             </a:fld>
           </a:p>
@@ -1632,8 +1633,8 @@
         </p:nvSpPr>
         <p:spPr>
           <a:xfrm>
-            <a:off x="430920" y="1889640"/>
-            <a:ext cx="8282160" cy="1516320"/>
+            <a:off x="457200" y="205200"/>
+            <a:ext cx="8229240" cy="858600"/>
           </a:xfrm>
           <a:prstGeom prst="rect">
             <a:avLst/>
@@ -1648,10 +1649,10 @@
             <a:noAutofit/>
           </a:bodyPr>
           <a:p>
-            <a:pPr indent="0">
-              <a:buNone/>
-            </a:pPr>
-            <a:endParaRPr b="0" lang="en-AU" sz="1400" spc="-1" strike="noStrike">
+            <a:pPr indent="0" algn="ctr">
+              <a:buNone/>
+            </a:pPr>
+            <a:endParaRPr b="0" lang="en-AU" sz="4400" spc="-1" strike="noStrike">
               <a:solidFill>
                 <a:srgbClr val="000000"/>
               </a:solidFill>
@@ -1694,7 +1695,7 @@
               </a:spcBef>
               <a:buNone/>
             </a:pPr>
-            <a:endParaRPr b="0" lang="en-AU" sz="1400" spc="-1" strike="noStrike">
+            <a:endParaRPr b="0" lang="en-AU" sz="3200" spc="-1" strike="noStrike">
               <a:solidFill>
                 <a:srgbClr val="000000"/>
               </a:solidFill>
@@ -1737,7 +1738,7 @@
               </a:spcBef>
               <a:buNone/>
             </a:pPr>
-            <a:endParaRPr b="0" lang="en-AU" sz="1400" spc="-1" strike="noStrike">
+            <a:endParaRPr b="0" lang="en-AU" sz="3200" spc="-1" strike="noStrike">
               <a:solidFill>
                 <a:srgbClr val="000000"/>
               </a:solidFill>
@@ -1760,7 +1761,7 @@
         <p:txBody>
           <a:bodyPr/>
           <a:p>
-            <a:fld id="{7F601BA6-AA71-4065-A03C-FCBB59A566C7}" type="slidenum">
+            <a:fld id="{931FC26F-F3D2-48D3-95F7-39F4635882F6}" type="slidenum">
               <a:t>&lt;#&gt;</a:t>
             </a:fld>
           </a:p>
@@ -1800,8 +1801,8 @@
         </p:nvSpPr>
         <p:spPr>
           <a:xfrm>
-            <a:off x="430920" y="1889640"/>
-            <a:ext cx="8282160" cy="1516320"/>
+            <a:off x="457200" y="205200"/>
+            <a:ext cx="8229240" cy="858600"/>
           </a:xfrm>
           <a:prstGeom prst="rect">
             <a:avLst/>
@@ -1816,10 +1817,10 @@
             <a:noAutofit/>
           </a:bodyPr>
           <a:p>
-            <a:pPr indent="0">
-              <a:buNone/>
-            </a:pPr>
-            <a:endParaRPr b="0" lang="en-AU" sz="1400" spc="-1" strike="noStrike">
+            <a:pPr indent="0" algn="ctr">
+              <a:buNone/>
+            </a:pPr>
+            <a:endParaRPr b="0" lang="en-AU" sz="4400" spc="-1" strike="noStrike">
               <a:solidFill>
                 <a:srgbClr val="000000"/>
               </a:solidFill>
@@ -1842,7 +1843,7 @@
         <p:txBody>
           <a:bodyPr/>
           <a:p>
-            <a:fld id="{70B3C73D-5538-4978-B605-B7A45F400A6F}" type="slidenum">
+            <a:fld id="{0B8B93CE-2CB2-4025-B36C-BABDEB060476}" type="slidenum">
               <a:t>&lt;#&gt;</a:t>
             </a:fld>
           </a:p>
@@ -1882,8 +1883,8 @@
         </p:nvSpPr>
         <p:spPr>
           <a:xfrm>
-            <a:off x="430920" y="1889640"/>
-            <a:ext cx="8282160" cy="7030080"/>
+            <a:off x="457200" y="205200"/>
+            <a:ext cx="8229240" cy="3981240"/>
           </a:xfrm>
           <a:prstGeom prst="rect">
             <a:avLst/>
@@ -1922,7 +1923,7 @@
         <p:txBody>
           <a:bodyPr/>
           <a:p>
-            <a:fld id="{F2E21134-BA7C-46C0-9631-2015B0C39F6A}" type="slidenum">
+            <a:fld id="{284A84D6-AD7B-4AD0-83AA-3DAC4D2718C0}" type="slidenum">
               <a:t>&lt;#&gt;</a:t>
             </a:fld>
           </a:p>
@@ -1962,8 +1963,8 @@
         </p:nvSpPr>
         <p:spPr>
           <a:xfrm>
-            <a:off x="430920" y="1889640"/>
-            <a:ext cx="8282160" cy="1516320"/>
+            <a:off x="457200" y="205200"/>
+            <a:ext cx="8229240" cy="858600"/>
           </a:xfrm>
           <a:prstGeom prst="rect">
             <a:avLst/>
@@ -1978,10 +1979,10 @@
             <a:noAutofit/>
           </a:bodyPr>
           <a:p>
-            <a:pPr indent="0">
-              <a:buNone/>
-            </a:pPr>
-            <a:endParaRPr b="0" lang="en-AU" sz="1400" spc="-1" strike="noStrike">
+            <a:pPr indent="0" algn="ctr">
+              <a:buNone/>
+            </a:pPr>
+            <a:endParaRPr b="0" lang="en-AU" sz="4400" spc="-1" strike="noStrike">
               <a:solidFill>
                 <a:srgbClr val="000000"/>
               </a:solidFill>
@@ -2024,7 +2025,7 @@
               </a:spcBef>
               <a:buNone/>
             </a:pPr>
-            <a:endParaRPr b="0" lang="en-AU" sz="1400" spc="-1" strike="noStrike">
+            <a:endParaRPr b="0" lang="en-AU" sz="3200" spc="-1" strike="noStrike">
               <a:solidFill>
                 <a:srgbClr val="000000"/>
               </a:solidFill>
@@ -2067,7 +2068,7 @@
               </a:spcBef>
               <a:buNone/>
             </a:pPr>
-            <a:endParaRPr b="0" lang="en-AU" sz="1400" spc="-1" strike="noStrike">
+            <a:endParaRPr b="0" lang="en-AU" sz="3200" spc="-1" strike="noStrike">
               <a:solidFill>
                 <a:srgbClr val="000000"/>
               </a:solidFill>
@@ -2110,7 +2111,7 @@
               </a:spcBef>
               <a:buNone/>
             </a:pPr>
-            <a:endParaRPr b="0" lang="en-AU" sz="1400" spc="-1" strike="noStrike">
+            <a:endParaRPr b="0" lang="en-AU" sz="3200" spc="-1" strike="noStrike">
               <a:solidFill>
                 <a:srgbClr val="000000"/>
               </a:solidFill>
@@ -2133,7 +2134,7 @@
         <p:txBody>
           <a:bodyPr/>
           <a:p>
-            <a:fld id="{5EC270A0-DDF9-49A7-B021-B6662D8DDF3A}" type="slidenum">
+            <a:fld id="{E219423B-6923-4945-99A8-5EDE3C9A716A}" type="slidenum">
               <a:t>&lt;#&gt;</a:t>
             </a:fld>
           </a:p>
@@ -2173,8 +2174,8 @@
         </p:nvSpPr>
         <p:spPr>
           <a:xfrm>
-            <a:off x="430920" y="1889640"/>
-            <a:ext cx="8282160" cy="1516320"/>
+            <a:off x="457200" y="205200"/>
+            <a:ext cx="8229240" cy="858600"/>
           </a:xfrm>
           <a:prstGeom prst="rect">
             <a:avLst/>
@@ -2189,10 +2190,10 @@
             <a:noAutofit/>
           </a:bodyPr>
           <a:p>
-            <a:pPr indent="0">
-              <a:buNone/>
-            </a:pPr>
-            <a:endParaRPr b="0" lang="en-AU" sz="1400" spc="-1" strike="noStrike">
+            <a:pPr indent="0" algn="ctr">
+              <a:buNone/>
+            </a:pPr>
+            <a:endParaRPr b="0" lang="en-AU" sz="4400" spc="-1" strike="noStrike">
               <a:solidFill>
                 <a:srgbClr val="000000"/>
               </a:solidFill>
@@ -2255,7 +2256,7 @@
         <p:txBody>
           <a:bodyPr/>
           <a:p>
-            <a:fld id="{AC76BD21-49CB-422B-B0E9-7674AE985AED}" type="slidenum">
+            <a:fld id="{D7EBE509-F1DA-4A6F-8B08-52CF7E74FE33}" type="slidenum">
               <a:t>&lt;#&gt;</a:t>
             </a:fld>
           </a:p>
@@ -2295,8 +2296,8 @@
         </p:nvSpPr>
         <p:spPr>
           <a:xfrm>
-            <a:off x="430920" y="1889640"/>
-            <a:ext cx="8282160" cy="1516320"/>
+            <a:off x="457200" y="205200"/>
+            <a:ext cx="8229240" cy="858600"/>
           </a:xfrm>
           <a:prstGeom prst="rect">
             <a:avLst/>
@@ -2311,10 +2312,10 @@
             <a:noAutofit/>
           </a:bodyPr>
           <a:p>
-            <a:pPr indent="0">
-              <a:buNone/>
-            </a:pPr>
-            <a:endParaRPr b="0" lang="en-AU" sz="1400" spc="-1" strike="noStrike">
+            <a:pPr indent="0" algn="ctr">
+              <a:buNone/>
+            </a:pPr>
+            <a:endParaRPr b="0" lang="en-AU" sz="4400" spc="-1" strike="noStrike">
               <a:solidFill>
                 <a:srgbClr val="000000"/>
               </a:solidFill>
@@ -2357,7 +2358,7 @@
               </a:spcBef>
               <a:buNone/>
             </a:pPr>
-            <a:endParaRPr b="0" lang="en-AU" sz="1400" spc="-1" strike="noStrike">
+            <a:endParaRPr b="0" lang="en-AU" sz="3200" spc="-1" strike="noStrike">
               <a:solidFill>
                 <a:srgbClr val="000000"/>
               </a:solidFill>
@@ -2400,7 +2401,7 @@
               </a:spcBef>
               <a:buNone/>
             </a:pPr>
-            <a:endParaRPr b="0" lang="en-AU" sz="1400" spc="-1" strike="noStrike">
+            <a:endParaRPr b="0" lang="en-AU" sz="3200" spc="-1" strike="noStrike">
               <a:solidFill>
                 <a:srgbClr val="000000"/>
               </a:solidFill>
@@ -2443,7 +2444,7 @@
               </a:spcBef>
               <a:buNone/>
             </a:pPr>
-            <a:endParaRPr b="0" lang="en-AU" sz="1400" spc="-1" strike="noStrike">
+            <a:endParaRPr b="0" lang="en-AU" sz="3200" spc="-1" strike="noStrike">
               <a:solidFill>
                 <a:srgbClr val="000000"/>
               </a:solidFill>
@@ -2466,7 +2467,7 @@
         <p:txBody>
           <a:bodyPr/>
           <a:p>
-            <a:fld id="{5B94D2DF-C608-421D-A173-4BD7C0336F7E}" type="slidenum">
+            <a:fld id="{ECC46D26-7478-48D7-9D91-7A28559E33B0}" type="slidenum">
               <a:t>&lt;#&gt;</a:t>
             </a:fld>
           </a:p>
@@ -2506,8 +2507,8 @@
         </p:nvSpPr>
         <p:spPr>
           <a:xfrm>
-            <a:off x="430920" y="1889640"/>
-            <a:ext cx="8282160" cy="1516320"/>
+            <a:off x="457200" y="205200"/>
+            <a:ext cx="8229240" cy="858600"/>
           </a:xfrm>
           <a:prstGeom prst="rect">
             <a:avLst/>
@@ -2522,10 +2523,10 @@
             <a:noAutofit/>
           </a:bodyPr>
           <a:p>
-            <a:pPr indent="0">
-              <a:buNone/>
-            </a:pPr>
-            <a:endParaRPr b="0" lang="en-AU" sz="1400" spc="-1" strike="noStrike">
+            <a:pPr indent="0" algn="ctr">
+              <a:buNone/>
+            </a:pPr>
+            <a:endParaRPr b="0" lang="en-AU" sz="4400" spc="-1" strike="noStrike">
               <a:solidFill>
                 <a:srgbClr val="000000"/>
               </a:solidFill>
@@ -2568,7 +2569,7 @@
               </a:spcBef>
               <a:buNone/>
             </a:pPr>
-            <a:endParaRPr b="0" lang="en-AU" sz="1400" spc="-1" strike="noStrike">
+            <a:endParaRPr b="0" lang="en-AU" sz="3200" spc="-1" strike="noStrike">
               <a:solidFill>
                 <a:srgbClr val="000000"/>
               </a:solidFill>
@@ -2611,7 +2612,7 @@
               </a:spcBef>
               <a:buNone/>
             </a:pPr>
-            <a:endParaRPr b="0" lang="en-AU" sz="1400" spc="-1" strike="noStrike">
+            <a:endParaRPr b="0" lang="en-AU" sz="3200" spc="-1" strike="noStrike">
               <a:solidFill>
                 <a:srgbClr val="000000"/>
               </a:solidFill>
@@ -2654,7 +2655,7 @@
               </a:spcBef>
               <a:buNone/>
             </a:pPr>
-            <a:endParaRPr b="0" lang="en-AU" sz="1400" spc="-1" strike="noStrike">
+            <a:endParaRPr b="0" lang="en-AU" sz="3200" spc="-1" strike="noStrike">
               <a:solidFill>
                 <a:srgbClr val="000000"/>
               </a:solidFill>
@@ -2677,7 +2678,7 @@
         <p:txBody>
           <a:bodyPr/>
           <a:p>
-            <a:fld id="{CA88C28F-32CE-4A59-A0E5-0FD22D10FDE6}" type="slidenum">
+            <a:fld id="{92072F93-6CAC-4B21-9A68-D5C103C392BD}" type="slidenum">
               <a:t>&lt;#&gt;</a:t>
             </a:fld>
           </a:p>
@@ -2717,8 +2718,8 @@
         </p:nvSpPr>
         <p:spPr>
           <a:xfrm>
-            <a:off x="430920" y="1889640"/>
-            <a:ext cx="8282160" cy="1516320"/>
+            <a:off x="457200" y="205200"/>
+            <a:ext cx="8229240" cy="858600"/>
           </a:xfrm>
           <a:prstGeom prst="rect">
             <a:avLst/>
@@ -2733,10 +2734,10 @@
             <a:noAutofit/>
           </a:bodyPr>
           <a:p>
-            <a:pPr indent="0">
-              <a:buNone/>
-            </a:pPr>
-            <a:endParaRPr b="0" lang="en-AU" sz="1400" spc="-1" strike="noStrike">
+            <a:pPr indent="0" algn="ctr">
+              <a:buNone/>
+            </a:pPr>
+            <a:endParaRPr b="0" lang="en-AU" sz="4400" spc="-1" strike="noStrike">
               <a:solidFill>
                 <a:srgbClr val="000000"/>
               </a:solidFill>
@@ -2779,7 +2780,7 @@
               </a:spcBef>
               <a:buNone/>
             </a:pPr>
-            <a:endParaRPr b="0" lang="en-AU" sz="1400" spc="-1" strike="noStrike">
+            <a:endParaRPr b="0" lang="en-AU" sz="3200" spc="-1" strike="noStrike">
               <a:solidFill>
                 <a:srgbClr val="000000"/>
               </a:solidFill>
@@ -2822,7 +2823,7 @@
               </a:spcBef>
               <a:buNone/>
             </a:pPr>
-            <a:endParaRPr b="0" lang="en-AU" sz="1400" spc="-1" strike="noStrike">
+            <a:endParaRPr b="0" lang="en-AU" sz="3200" spc="-1" strike="noStrike">
               <a:solidFill>
                 <a:srgbClr val="000000"/>
               </a:solidFill>
@@ -2845,7 +2846,7 @@
         <p:txBody>
           <a:bodyPr/>
           <a:p>
-            <a:fld id="{9EDD45AD-CA8F-4A0C-A2CA-30FA57680CE1}" type="slidenum">
+            <a:fld id="{F31E0561-699D-482E-B5EE-B5B4B77BA16F}" type="slidenum">
               <a:t>&lt;#&gt;</a:t>
             </a:fld>
           </a:p>
@@ -2885,8 +2886,8 @@
         </p:nvSpPr>
         <p:spPr>
           <a:xfrm>
-            <a:off x="430920" y="1889640"/>
-            <a:ext cx="8282160" cy="1516320"/>
+            <a:off x="457200" y="205200"/>
+            <a:ext cx="8229240" cy="858600"/>
           </a:xfrm>
           <a:prstGeom prst="rect">
             <a:avLst/>
@@ -2901,10 +2902,10 @@
             <a:noAutofit/>
           </a:bodyPr>
           <a:p>
-            <a:pPr indent="0">
-              <a:buNone/>
-            </a:pPr>
-            <a:endParaRPr b="0" lang="en-AU" sz="1400" spc="-1" strike="noStrike">
+            <a:pPr indent="0" algn="ctr">
+              <a:buNone/>
+            </a:pPr>
+            <a:endParaRPr b="0" lang="en-AU" sz="4400" spc="-1" strike="noStrike">
               <a:solidFill>
                 <a:srgbClr val="000000"/>
               </a:solidFill>
@@ -2947,7 +2948,7 @@
               </a:spcBef>
               <a:buNone/>
             </a:pPr>
-            <a:endParaRPr b="0" lang="en-AU" sz="1400" spc="-1" strike="noStrike">
+            <a:endParaRPr b="0" lang="en-AU" sz="3200" spc="-1" strike="noStrike">
               <a:solidFill>
                 <a:srgbClr val="000000"/>
               </a:solidFill>
@@ -2990,7 +2991,7 @@
               </a:spcBef>
               <a:buNone/>
             </a:pPr>
-            <a:endParaRPr b="0" lang="en-AU" sz="1400" spc="-1" strike="noStrike">
+            <a:endParaRPr b="0" lang="en-AU" sz="3200" spc="-1" strike="noStrike">
               <a:solidFill>
                 <a:srgbClr val="000000"/>
               </a:solidFill>
@@ -3033,7 +3034,7 @@
               </a:spcBef>
               <a:buNone/>
             </a:pPr>
-            <a:endParaRPr b="0" lang="en-AU" sz="1400" spc="-1" strike="noStrike">
+            <a:endParaRPr b="0" lang="en-AU" sz="3200" spc="-1" strike="noStrike">
               <a:solidFill>
                 <a:srgbClr val="000000"/>
               </a:solidFill>
@@ -3076,7 +3077,7 @@
               </a:spcBef>
               <a:buNone/>
             </a:pPr>
-            <a:endParaRPr b="0" lang="en-AU" sz="1400" spc="-1" strike="noStrike">
+            <a:endParaRPr b="0" lang="en-AU" sz="3200" spc="-1" strike="noStrike">
               <a:solidFill>
                 <a:srgbClr val="000000"/>
               </a:solidFill>
@@ -3099,7 +3100,7 @@
         <p:txBody>
           <a:bodyPr/>
           <a:p>
-            <a:fld id="{6987E156-5DD0-4BA8-ADDC-B9EA946A7AC4}" type="slidenum">
+            <a:fld id="{CBCE1E0A-0604-4B18-AF9F-ED7A9A921C3A}" type="slidenum">
               <a:t>&lt;#&gt;</a:t>
             </a:fld>
           </a:p>
@@ -3139,8 +3140,8 @@
         </p:nvSpPr>
         <p:spPr>
           <a:xfrm>
-            <a:off x="430920" y="1889640"/>
-            <a:ext cx="8282160" cy="1516320"/>
+            <a:off x="457200" y="205200"/>
+            <a:ext cx="8229240" cy="858600"/>
           </a:xfrm>
           <a:prstGeom prst="rect">
             <a:avLst/>
@@ -3155,10 +3156,10 @@
             <a:noAutofit/>
           </a:bodyPr>
           <a:p>
-            <a:pPr indent="0">
-              <a:buNone/>
-            </a:pPr>
-            <a:endParaRPr b="0" lang="en-AU" sz="1400" spc="-1" strike="noStrike">
+            <a:pPr indent="0" algn="ctr">
+              <a:buNone/>
+            </a:pPr>
+            <a:endParaRPr b="0" lang="en-AU" sz="4400" spc="-1" strike="noStrike">
               <a:solidFill>
                 <a:srgbClr val="000000"/>
               </a:solidFill>
@@ -3201,7 +3202,7 @@
               </a:spcBef>
               <a:buNone/>
             </a:pPr>
-            <a:endParaRPr b="0" lang="en-AU" sz="1400" spc="-1" strike="noStrike">
+            <a:endParaRPr b="0" lang="en-AU" sz="3200" spc="-1" strike="noStrike">
               <a:solidFill>
                 <a:srgbClr val="000000"/>
               </a:solidFill>
@@ -3244,7 +3245,7 @@
               </a:spcBef>
               <a:buNone/>
             </a:pPr>
-            <a:endParaRPr b="0" lang="en-AU" sz="1400" spc="-1" strike="noStrike">
+            <a:endParaRPr b="0" lang="en-AU" sz="3200" spc="-1" strike="noStrike">
               <a:solidFill>
                 <a:srgbClr val="000000"/>
               </a:solidFill>
@@ -3287,7 +3288,7 @@
               </a:spcBef>
               <a:buNone/>
             </a:pPr>
-            <a:endParaRPr b="0" lang="en-AU" sz="1400" spc="-1" strike="noStrike">
+            <a:endParaRPr b="0" lang="en-AU" sz="3200" spc="-1" strike="noStrike">
               <a:solidFill>
                 <a:srgbClr val="000000"/>
               </a:solidFill>
@@ -3330,7 +3331,7 @@
               </a:spcBef>
               <a:buNone/>
             </a:pPr>
-            <a:endParaRPr b="0" lang="en-AU" sz="1400" spc="-1" strike="noStrike">
+            <a:endParaRPr b="0" lang="en-AU" sz="3200" spc="-1" strike="noStrike">
               <a:solidFill>
                 <a:srgbClr val="000000"/>
               </a:solidFill>
@@ -3373,7 +3374,7 @@
               </a:spcBef>
               <a:buNone/>
             </a:pPr>
-            <a:endParaRPr b="0" lang="en-AU" sz="1400" spc="-1" strike="noStrike">
+            <a:endParaRPr b="0" lang="en-AU" sz="3200" spc="-1" strike="noStrike">
               <a:solidFill>
                 <a:srgbClr val="000000"/>
               </a:solidFill>
@@ -3416,7 +3417,7 @@
               </a:spcBef>
               <a:buNone/>
             </a:pPr>
-            <a:endParaRPr b="0" lang="en-AU" sz="1400" spc="-1" strike="noStrike">
+            <a:endParaRPr b="0" lang="en-AU" sz="3200" spc="-1" strike="noStrike">
               <a:solidFill>
                 <a:srgbClr val="000000"/>
               </a:solidFill>
@@ -3439,7 +3440,7 @@
         <p:txBody>
           <a:bodyPr/>
           <a:p>
-            <a:fld id="{4D334EDE-4E09-43E3-8EE7-6A6011A63581}" type="slidenum">
+            <a:fld id="{690AA4A9-0237-4A70-A0E7-B710B524DE90}" type="slidenum">
               <a:t>&lt;#&gt;</a:t>
             </a:fld>
           </a:p>
@@ -3481,7 +3482,7 @@
         <p:txBody>
           <a:bodyPr/>
           <a:p>
-            <a:fld id="{662A88C1-A1D6-41B3-BD4B-4BD01E694DC2}" type="slidenum">
+            <a:fld id="{DD499AE1-21CD-400A-877B-2E40DC354371}" type="slidenum">
               <a:t>&lt;#&gt;</a:t>
             </a:fld>
           </a:p>
@@ -3521,8 +3522,8 @@
         </p:nvSpPr>
         <p:spPr>
           <a:xfrm>
-            <a:off x="430920" y="1889640"/>
-            <a:ext cx="8282160" cy="1516320"/>
+            <a:off x="457200" y="205200"/>
+            <a:ext cx="8229240" cy="858600"/>
           </a:xfrm>
           <a:prstGeom prst="rect">
             <a:avLst/>
@@ -3537,10 +3538,10 @@
             <a:noAutofit/>
           </a:bodyPr>
           <a:p>
-            <a:pPr indent="0">
-              <a:buNone/>
-            </a:pPr>
-            <a:endParaRPr b="0" lang="en-AU" sz="1400" spc="-1" strike="noStrike">
+            <a:pPr indent="0" algn="ctr">
+              <a:buNone/>
+            </a:pPr>
+            <a:endParaRPr b="0" lang="en-AU" sz="4400" spc="-1" strike="noStrike">
               <a:solidFill>
                 <a:srgbClr val="000000"/>
               </a:solidFill>
@@ -3603,7 +3604,7 @@
         <p:txBody>
           <a:bodyPr/>
           <a:p>
-            <a:fld id="{075535E3-4909-45DF-9C78-9556572DAA8D}" type="slidenum">
+            <a:fld id="{22D4863E-39C3-4E07-8768-62400D4D6F62}" type="slidenum">
               <a:t>&lt;#&gt;</a:t>
             </a:fld>
           </a:p>
@@ -3643,8 +3644,8 @@
         </p:nvSpPr>
         <p:spPr>
           <a:xfrm>
-            <a:off x="430920" y="1889640"/>
-            <a:ext cx="8282160" cy="1516320"/>
+            <a:off x="457200" y="205200"/>
+            <a:ext cx="8229240" cy="858600"/>
           </a:xfrm>
           <a:prstGeom prst="rect">
             <a:avLst/>
@@ -3659,10 +3660,10 @@
             <a:noAutofit/>
           </a:bodyPr>
           <a:p>
-            <a:pPr indent="0">
-              <a:buNone/>
-            </a:pPr>
-            <a:endParaRPr b="0" lang="en-AU" sz="1400" spc="-1" strike="noStrike">
+            <a:pPr indent="0" algn="ctr">
+              <a:buNone/>
+            </a:pPr>
+            <a:endParaRPr b="0" lang="en-AU" sz="4400" spc="-1" strike="noStrike">
               <a:solidFill>
                 <a:srgbClr val="000000"/>
               </a:solidFill>
@@ -3705,7 +3706,7 @@
               </a:spcBef>
               <a:buNone/>
             </a:pPr>
-            <a:endParaRPr b="0" lang="en-AU" sz="1400" spc="-1" strike="noStrike">
+            <a:endParaRPr b="0" lang="en-AU" sz="3200" spc="-1" strike="noStrike">
               <a:solidFill>
                 <a:srgbClr val="000000"/>
               </a:solidFill>
@@ -3728,7 +3729,7 @@
         <p:txBody>
           <a:bodyPr/>
           <a:p>
-            <a:fld id="{276E1893-52FE-49E0-AF4E-A98BEC966FC0}" type="slidenum">
+            <a:fld id="{76344FBF-EDF7-4FC7-8F02-1E03C0CE3356}" type="slidenum">
               <a:t>&lt;#&gt;</a:t>
             </a:fld>
           </a:p>
@@ -3768,8 +3769,8 @@
         </p:nvSpPr>
         <p:spPr>
           <a:xfrm>
-            <a:off x="430920" y="1889640"/>
-            <a:ext cx="8282160" cy="1516320"/>
+            <a:off x="457200" y="205200"/>
+            <a:ext cx="8229240" cy="858600"/>
           </a:xfrm>
           <a:prstGeom prst="rect">
             <a:avLst/>
@@ -3784,10 +3785,10 @@
             <a:noAutofit/>
           </a:bodyPr>
           <a:p>
-            <a:pPr indent="0">
-              <a:buNone/>
-            </a:pPr>
-            <a:endParaRPr b="0" lang="en-AU" sz="1400" spc="-1" strike="noStrike">
+            <a:pPr indent="0" algn="ctr">
+              <a:buNone/>
+            </a:pPr>
+            <a:endParaRPr b="0" lang="en-AU" sz="4400" spc="-1" strike="noStrike">
               <a:solidFill>
                 <a:srgbClr val="000000"/>
               </a:solidFill>
@@ -3830,7 +3831,7 @@
               </a:spcBef>
               <a:buNone/>
             </a:pPr>
-            <a:endParaRPr b="0" lang="en-AU" sz="1400" spc="-1" strike="noStrike">
+            <a:endParaRPr b="0" lang="en-AU" sz="3200" spc="-1" strike="noStrike">
               <a:solidFill>
                 <a:srgbClr val="000000"/>
               </a:solidFill>
@@ -3873,7 +3874,7 @@
               </a:spcBef>
               <a:buNone/>
             </a:pPr>
-            <a:endParaRPr b="0" lang="en-AU" sz="1400" spc="-1" strike="noStrike">
+            <a:endParaRPr b="0" lang="en-AU" sz="3200" spc="-1" strike="noStrike">
               <a:solidFill>
                 <a:srgbClr val="000000"/>
               </a:solidFill>
@@ -3896,7 +3897,7 @@
         <p:txBody>
           <a:bodyPr/>
           <a:p>
-            <a:fld id="{01383BA0-CA0F-4D22-9E24-77AE19CBE956}" type="slidenum">
+            <a:fld id="{DFD5DB99-54C4-4ACC-A9B8-0609D169593E}" type="slidenum">
               <a:t>&lt;#&gt;</a:t>
             </a:fld>
           </a:p>
@@ -3936,8 +3937,8 @@
         </p:nvSpPr>
         <p:spPr>
           <a:xfrm>
-            <a:off x="430920" y="1889640"/>
-            <a:ext cx="8282160" cy="1516320"/>
+            <a:off x="457200" y="205200"/>
+            <a:ext cx="8229240" cy="858600"/>
           </a:xfrm>
           <a:prstGeom prst="rect">
             <a:avLst/>
@@ -3952,10 +3953,10 @@
             <a:noAutofit/>
           </a:bodyPr>
           <a:p>
-            <a:pPr indent="0">
-              <a:buNone/>
-            </a:pPr>
-            <a:endParaRPr b="0" lang="en-AU" sz="1400" spc="-1" strike="noStrike">
+            <a:pPr indent="0" algn="ctr">
+              <a:buNone/>
+            </a:pPr>
+            <a:endParaRPr b="0" lang="en-AU" sz="4400" spc="-1" strike="noStrike">
               <a:solidFill>
                 <a:srgbClr val="000000"/>
               </a:solidFill>
@@ -3978,7 +3979,7 @@
         <p:txBody>
           <a:bodyPr/>
           <a:p>
-            <a:fld id="{E6A3C2AD-459B-48B8-9267-7A94734CA702}" type="slidenum">
+            <a:fld id="{8991674D-E35E-4703-9C71-C58A28B1AEC7}" type="slidenum">
               <a:t>&lt;#&gt;</a:t>
             </a:fld>
           </a:p>
@@ -4018,8 +4019,8 @@
         </p:nvSpPr>
         <p:spPr>
           <a:xfrm>
-            <a:off x="430920" y="1889640"/>
-            <a:ext cx="8282160" cy="1516320"/>
+            <a:off x="457200" y="205200"/>
+            <a:ext cx="8229240" cy="858600"/>
           </a:xfrm>
           <a:prstGeom prst="rect">
             <a:avLst/>
@@ -4034,10 +4035,10 @@
             <a:noAutofit/>
           </a:bodyPr>
           <a:p>
-            <a:pPr indent="0">
-              <a:buNone/>
-            </a:pPr>
-            <a:endParaRPr b="0" lang="en-AU" sz="1400" spc="-1" strike="noStrike">
+            <a:pPr indent="0" algn="ctr">
+              <a:buNone/>
+            </a:pPr>
+            <a:endParaRPr b="0" lang="en-AU" sz="4400" spc="-1" strike="noStrike">
               <a:solidFill>
                 <a:srgbClr val="000000"/>
               </a:solidFill>
@@ -4080,7 +4081,7 @@
               </a:spcBef>
               <a:buNone/>
             </a:pPr>
-            <a:endParaRPr b="0" lang="en-AU" sz="1400" spc="-1" strike="noStrike">
+            <a:endParaRPr b="0" lang="en-AU" sz="3200" spc="-1" strike="noStrike">
               <a:solidFill>
                 <a:srgbClr val="000000"/>
               </a:solidFill>
@@ -4103,7 +4104,7 @@
         <p:txBody>
           <a:bodyPr/>
           <a:p>
-            <a:fld id="{360E3E83-3BD2-4F72-8C6A-15D5C0C8616D}" type="slidenum">
+            <a:fld id="{4C3C53E1-0926-492E-8F9D-8EB0DC4AAE70}" type="slidenum">
               <a:t>&lt;#&gt;</a:t>
             </a:fld>
           </a:p>
@@ -4143,8 +4144,8 @@
         </p:nvSpPr>
         <p:spPr>
           <a:xfrm>
-            <a:off x="430920" y="1889640"/>
-            <a:ext cx="8282160" cy="7030080"/>
+            <a:off x="457200" y="205200"/>
+            <a:ext cx="8229240" cy="3981240"/>
           </a:xfrm>
           <a:prstGeom prst="rect">
             <a:avLst/>
@@ -4183,7 +4184,7 @@
         <p:txBody>
           <a:bodyPr/>
           <a:p>
-            <a:fld id="{4E6D353E-BB28-4B58-979C-0A018710FD80}" type="slidenum">
+            <a:fld id="{3C1AD429-816C-4F78-A122-6E7A8A4702F2}" type="slidenum">
               <a:t>&lt;#&gt;</a:t>
             </a:fld>
           </a:p>
@@ -4223,8 +4224,8 @@
         </p:nvSpPr>
         <p:spPr>
           <a:xfrm>
-            <a:off x="430920" y="1889640"/>
-            <a:ext cx="8282160" cy="1516320"/>
+            <a:off x="457200" y="205200"/>
+            <a:ext cx="8229240" cy="858600"/>
           </a:xfrm>
           <a:prstGeom prst="rect">
             <a:avLst/>
@@ -4239,10 +4240,10 @@
             <a:noAutofit/>
           </a:bodyPr>
           <a:p>
-            <a:pPr indent="0">
-              <a:buNone/>
-            </a:pPr>
-            <a:endParaRPr b="0" lang="en-AU" sz="1400" spc="-1" strike="noStrike">
+            <a:pPr indent="0" algn="ctr">
+              <a:buNone/>
+            </a:pPr>
+            <a:endParaRPr b="0" lang="en-AU" sz="4400" spc="-1" strike="noStrike">
               <a:solidFill>
                 <a:srgbClr val="000000"/>
               </a:solidFill>
@@ -4285,7 +4286,7 @@
               </a:spcBef>
               <a:buNone/>
             </a:pPr>
-            <a:endParaRPr b="0" lang="en-AU" sz="1400" spc="-1" strike="noStrike">
+            <a:endParaRPr b="0" lang="en-AU" sz="3200" spc="-1" strike="noStrike">
               <a:solidFill>
                 <a:srgbClr val="000000"/>
               </a:solidFill>
@@ -4328,7 +4329,7 @@
               </a:spcBef>
               <a:buNone/>
             </a:pPr>
-            <a:endParaRPr b="0" lang="en-AU" sz="1400" spc="-1" strike="noStrike">
+            <a:endParaRPr b="0" lang="en-AU" sz="3200" spc="-1" strike="noStrike">
               <a:solidFill>
                 <a:srgbClr val="000000"/>
               </a:solidFill>
@@ -4371,7 +4372,7 @@
               </a:spcBef>
               <a:buNone/>
             </a:pPr>
-            <a:endParaRPr b="0" lang="en-AU" sz="1400" spc="-1" strike="noStrike">
+            <a:endParaRPr b="0" lang="en-AU" sz="3200" spc="-1" strike="noStrike">
               <a:solidFill>
                 <a:srgbClr val="000000"/>
               </a:solidFill>
@@ -4394,7 +4395,7 @@
         <p:txBody>
           <a:bodyPr/>
           <a:p>
-            <a:fld id="{C76EC022-F9AF-4E37-A153-635C9F4E7FB7}" type="slidenum">
+            <a:fld id="{F8937693-1BCE-423F-B439-028C2747F34A}" type="slidenum">
               <a:t>&lt;#&gt;</a:t>
             </a:fld>
           </a:p>
@@ -4434,8 +4435,8 @@
         </p:nvSpPr>
         <p:spPr>
           <a:xfrm>
-            <a:off x="430920" y="1889640"/>
-            <a:ext cx="8282160" cy="1516320"/>
+            <a:off x="457200" y="205200"/>
+            <a:ext cx="8229240" cy="858600"/>
           </a:xfrm>
           <a:prstGeom prst="rect">
             <a:avLst/>
@@ -4450,10 +4451,10 @@
             <a:noAutofit/>
           </a:bodyPr>
           <a:p>
-            <a:pPr indent="0">
-              <a:buNone/>
-            </a:pPr>
-            <a:endParaRPr b="0" lang="en-AU" sz="1400" spc="-1" strike="noStrike">
+            <a:pPr indent="0" algn="ctr">
+              <a:buNone/>
+            </a:pPr>
+            <a:endParaRPr b="0" lang="en-AU" sz="4400" spc="-1" strike="noStrike">
               <a:solidFill>
                 <a:srgbClr val="000000"/>
               </a:solidFill>
@@ -4496,7 +4497,7 @@
               </a:spcBef>
               <a:buNone/>
             </a:pPr>
-            <a:endParaRPr b="0" lang="en-AU" sz="1400" spc="-1" strike="noStrike">
+            <a:endParaRPr b="0" lang="en-AU" sz="3200" spc="-1" strike="noStrike">
               <a:solidFill>
                 <a:srgbClr val="000000"/>
               </a:solidFill>
@@ -4539,7 +4540,7 @@
               </a:spcBef>
               <a:buNone/>
             </a:pPr>
-            <a:endParaRPr b="0" lang="en-AU" sz="1400" spc="-1" strike="noStrike">
+            <a:endParaRPr b="0" lang="en-AU" sz="3200" spc="-1" strike="noStrike">
               <a:solidFill>
                 <a:srgbClr val="000000"/>
               </a:solidFill>
@@ -4582,7 +4583,7 @@
               </a:spcBef>
               <a:buNone/>
             </a:pPr>
-            <a:endParaRPr b="0" lang="en-AU" sz="1400" spc="-1" strike="noStrike">
+            <a:endParaRPr b="0" lang="en-AU" sz="3200" spc="-1" strike="noStrike">
               <a:solidFill>
                 <a:srgbClr val="000000"/>
               </a:solidFill>
@@ -4605,7 +4606,7 @@
         <p:txBody>
           <a:bodyPr/>
           <a:p>
-            <a:fld id="{7CAA0934-1B6B-4D5B-BE58-C253CEBE05FF}" type="slidenum">
+            <a:fld id="{13F9B8C4-294C-4BFB-8AA8-2590789DF1B2}" type="slidenum">
               <a:t>&lt;#&gt;</a:t>
             </a:fld>
           </a:p>
@@ -4645,8 +4646,8 @@
         </p:nvSpPr>
         <p:spPr>
           <a:xfrm>
-            <a:off x="430920" y="1889640"/>
-            <a:ext cx="8282160" cy="1516320"/>
+            <a:off x="457200" y="205200"/>
+            <a:ext cx="8229240" cy="858600"/>
           </a:xfrm>
           <a:prstGeom prst="rect">
             <a:avLst/>
@@ -4661,10 +4662,10 @@
             <a:noAutofit/>
           </a:bodyPr>
           <a:p>
-            <a:pPr indent="0">
-              <a:buNone/>
-            </a:pPr>
-            <a:endParaRPr b="0" lang="en-AU" sz="1400" spc="-1" strike="noStrike">
+            <a:pPr indent="0" algn="ctr">
+              <a:buNone/>
+            </a:pPr>
+            <a:endParaRPr b="0" lang="en-AU" sz="4400" spc="-1" strike="noStrike">
               <a:solidFill>
                 <a:srgbClr val="000000"/>
               </a:solidFill>
@@ -4707,7 +4708,7 @@
               </a:spcBef>
               <a:buNone/>
             </a:pPr>
-            <a:endParaRPr b="0" lang="en-AU" sz="1400" spc="-1" strike="noStrike">
+            <a:endParaRPr b="0" lang="en-AU" sz="3200" spc="-1" strike="noStrike">
               <a:solidFill>
                 <a:srgbClr val="000000"/>
               </a:solidFill>
@@ -4750,7 +4751,7 @@
               </a:spcBef>
               <a:buNone/>
             </a:pPr>
-            <a:endParaRPr b="0" lang="en-AU" sz="1400" spc="-1" strike="noStrike">
+            <a:endParaRPr b="0" lang="en-AU" sz="3200" spc="-1" strike="noStrike">
               <a:solidFill>
                 <a:srgbClr val="000000"/>
               </a:solidFill>
@@ -4793,7 +4794,7 @@
               </a:spcBef>
               <a:buNone/>
             </a:pPr>
-            <a:endParaRPr b="0" lang="en-AU" sz="1400" spc="-1" strike="noStrike">
+            <a:endParaRPr b="0" lang="en-AU" sz="3200" spc="-1" strike="noStrike">
               <a:solidFill>
                 <a:srgbClr val="000000"/>
               </a:solidFill>
@@ -4816,7 +4817,7 @@
         <p:txBody>
           <a:bodyPr/>
           <a:p>
-            <a:fld id="{E9C64F5A-CABE-40CE-A452-159E1C39FA50}" type="slidenum">
+            <a:fld id="{3218FEA0-AD69-45F3-9D30-DB8CC37B535B}" type="slidenum">
               <a:t>&lt;#&gt;</a:t>
             </a:fld>
           </a:p>
@@ -4856,8 +4857,8 @@
         </p:nvSpPr>
         <p:spPr>
           <a:xfrm>
-            <a:off x="430920" y="1889640"/>
-            <a:ext cx="8282160" cy="1516320"/>
+            <a:off x="457200" y="205200"/>
+            <a:ext cx="8229240" cy="858600"/>
           </a:xfrm>
           <a:prstGeom prst="rect">
             <a:avLst/>
@@ -4872,10 +4873,10 @@
             <a:noAutofit/>
           </a:bodyPr>
           <a:p>
-            <a:pPr indent="0">
-              <a:buNone/>
-            </a:pPr>
-            <a:endParaRPr b="0" lang="en-AU" sz="1400" spc="-1" strike="noStrike">
+            <a:pPr indent="0" algn="ctr">
+              <a:buNone/>
+            </a:pPr>
+            <a:endParaRPr b="0" lang="en-AU" sz="4400" spc="-1" strike="noStrike">
               <a:solidFill>
                 <a:srgbClr val="000000"/>
               </a:solidFill>
@@ -4918,7 +4919,7 @@
               </a:spcBef>
               <a:buNone/>
             </a:pPr>
-            <a:endParaRPr b="0" lang="en-AU" sz="1400" spc="-1" strike="noStrike">
+            <a:endParaRPr b="0" lang="en-AU" sz="3200" spc="-1" strike="noStrike">
               <a:solidFill>
                 <a:srgbClr val="000000"/>
               </a:solidFill>
@@ -4961,7 +4962,7 @@
               </a:spcBef>
               <a:buNone/>
             </a:pPr>
-            <a:endParaRPr b="0" lang="en-AU" sz="1400" spc="-1" strike="noStrike">
+            <a:endParaRPr b="0" lang="en-AU" sz="3200" spc="-1" strike="noStrike">
               <a:solidFill>
                 <a:srgbClr val="000000"/>
               </a:solidFill>
@@ -4984,7 +4985,7 @@
         <p:txBody>
           <a:bodyPr/>
           <a:p>
-            <a:fld id="{B3DB3F10-71BD-4484-A43F-B6308316ED81}" type="slidenum">
+            <a:fld id="{40CCB1FD-A60C-4350-8392-73A7301DF528}" type="slidenum">
               <a:t>&lt;#&gt;</a:t>
             </a:fld>
           </a:p>
@@ -5024,8 +5025,8 @@
         </p:nvSpPr>
         <p:spPr>
           <a:xfrm>
-            <a:off x="430920" y="1889640"/>
-            <a:ext cx="8282160" cy="1516320"/>
+            <a:off x="457200" y="205200"/>
+            <a:ext cx="8229240" cy="858600"/>
           </a:xfrm>
           <a:prstGeom prst="rect">
             <a:avLst/>
@@ -5040,10 +5041,10 @@
             <a:noAutofit/>
           </a:bodyPr>
           <a:p>
-            <a:pPr indent="0">
-              <a:buNone/>
-            </a:pPr>
-            <a:endParaRPr b="0" lang="en-AU" sz="1400" spc="-1" strike="noStrike">
+            <a:pPr indent="0" algn="ctr">
+              <a:buNone/>
+            </a:pPr>
+            <a:endParaRPr b="0" lang="en-AU" sz="4400" spc="-1" strike="noStrike">
               <a:solidFill>
                 <a:srgbClr val="000000"/>
               </a:solidFill>
@@ -5086,7 +5087,7 @@
               </a:spcBef>
               <a:buNone/>
             </a:pPr>
-            <a:endParaRPr b="0" lang="en-AU" sz="1400" spc="-1" strike="noStrike">
+            <a:endParaRPr b="0" lang="en-AU" sz="3200" spc="-1" strike="noStrike">
               <a:solidFill>
                 <a:srgbClr val="000000"/>
               </a:solidFill>
@@ -5129,7 +5130,7 @@
               </a:spcBef>
               <a:buNone/>
             </a:pPr>
-            <a:endParaRPr b="0" lang="en-AU" sz="1400" spc="-1" strike="noStrike">
+            <a:endParaRPr b="0" lang="en-AU" sz="3200" spc="-1" strike="noStrike">
               <a:solidFill>
                 <a:srgbClr val="000000"/>
               </a:solidFill>
@@ -5172,7 +5173,7 @@
               </a:spcBef>
               <a:buNone/>
             </a:pPr>
-            <a:endParaRPr b="0" lang="en-AU" sz="1400" spc="-1" strike="noStrike">
+            <a:endParaRPr b="0" lang="en-AU" sz="3200" spc="-1" strike="noStrike">
               <a:solidFill>
                 <a:srgbClr val="000000"/>
               </a:solidFill>
@@ -5215,7 +5216,7 @@
               </a:spcBef>
               <a:buNone/>
             </a:pPr>
-            <a:endParaRPr b="0" lang="en-AU" sz="1400" spc="-1" strike="noStrike">
+            <a:endParaRPr b="0" lang="en-AU" sz="3200" spc="-1" strike="noStrike">
               <a:solidFill>
                 <a:srgbClr val="000000"/>
               </a:solidFill>
@@ -5238,7 +5239,7 @@
         <p:txBody>
           <a:bodyPr/>
           <a:p>
-            <a:fld id="{B83757DB-021F-45DA-B7C0-8DC9DF8A0602}" type="slidenum">
+            <a:fld id="{C251FD55-D3F8-4C59-8880-E70E3FA11041}" type="slidenum">
               <a:t>&lt;#&gt;</a:t>
             </a:fld>
           </a:p>
@@ -5278,8 +5279,8 @@
         </p:nvSpPr>
         <p:spPr>
           <a:xfrm>
-            <a:off x="430920" y="1889640"/>
-            <a:ext cx="8282160" cy="1516320"/>
+            <a:off x="457200" y="205200"/>
+            <a:ext cx="8229240" cy="858600"/>
           </a:xfrm>
           <a:prstGeom prst="rect">
             <a:avLst/>
@@ -5294,10 +5295,10 @@
             <a:noAutofit/>
           </a:bodyPr>
           <a:p>
-            <a:pPr indent="0">
-              <a:buNone/>
-            </a:pPr>
-            <a:endParaRPr b="0" lang="en-AU" sz="1400" spc="-1" strike="noStrike">
+            <a:pPr indent="0" algn="ctr">
+              <a:buNone/>
+            </a:pPr>
+            <a:endParaRPr b="0" lang="en-AU" sz="4400" spc="-1" strike="noStrike">
               <a:solidFill>
                 <a:srgbClr val="000000"/>
               </a:solidFill>
@@ -5340,7 +5341,7 @@
               </a:spcBef>
               <a:buNone/>
             </a:pPr>
-            <a:endParaRPr b="0" lang="en-AU" sz="1400" spc="-1" strike="noStrike">
+            <a:endParaRPr b="0" lang="en-AU" sz="3200" spc="-1" strike="noStrike">
               <a:solidFill>
                 <a:srgbClr val="000000"/>
               </a:solidFill>
@@ -5383,7 +5384,7 @@
               </a:spcBef>
               <a:buNone/>
             </a:pPr>
-            <a:endParaRPr b="0" lang="en-AU" sz="1400" spc="-1" strike="noStrike">
+            <a:endParaRPr b="0" lang="en-AU" sz="3200" spc="-1" strike="noStrike">
               <a:solidFill>
                 <a:srgbClr val="000000"/>
               </a:solidFill>
@@ -5426,7 +5427,7 @@
               </a:spcBef>
               <a:buNone/>
             </a:pPr>
-            <a:endParaRPr b="0" lang="en-AU" sz="1400" spc="-1" strike="noStrike">
+            <a:endParaRPr b="0" lang="en-AU" sz="3200" spc="-1" strike="noStrike">
               <a:solidFill>
                 <a:srgbClr val="000000"/>
               </a:solidFill>
@@ -5469,7 +5470,7 @@
               </a:spcBef>
               <a:buNone/>
             </a:pPr>
-            <a:endParaRPr b="0" lang="en-AU" sz="1400" spc="-1" strike="noStrike">
+            <a:endParaRPr b="0" lang="en-AU" sz="3200" spc="-1" strike="noStrike">
               <a:solidFill>
                 <a:srgbClr val="000000"/>
               </a:solidFill>
@@ -5512,7 +5513,7 @@
               </a:spcBef>
               <a:buNone/>
             </a:pPr>
-            <a:endParaRPr b="0" lang="en-AU" sz="1400" spc="-1" strike="noStrike">
+            <a:endParaRPr b="0" lang="en-AU" sz="3200" spc="-1" strike="noStrike">
               <a:solidFill>
                 <a:srgbClr val="000000"/>
               </a:solidFill>
@@ -5555,7 +5556,7 @@
               </a:spcBef>
               <a:buNone/>
             </a:pPr>
-            <a:endParaRPr b="0" lang="en-AU" sz="1400" spc="-1" strike="noStrike">
+            <a:endParaRPr b="0" lang="en-AU" sz="3200" spc="-1" strike="noStrike">
               <a:solidFill>
                 <a:srgbClr val="000000"/>
               </a:solidFill>
@@ -5578,7 +5579,7 @@
         <p:txBody>
           <a:bodyPr/>
           <a:p>
-            <a:fld id="{387CA552-CC00-4CE5-8471-CAE4AEDB7A81}" type="slidenum">
+            <a:fld id="{92C2BA64-9AF6-4C53-92E9-5A05732B9EB2}" type="slidenum">
               <a:t>&lt;#&gt;</a:t>
             </a:fld>
           </a:p>
@@ -5620,7 +5621,7 @@
         <p:txBody>
           <a:bodyPr/>
           <a:p>
-            <a:fld id="{B92A8DBF-7274-487A-BA10-05C6755EC72C}" type="slidenum">
+            <a:fld id="{60E0BD6D-03C1-4880-AECB-3DE428183AE8}" type="slidenum">
               <a:t>&lt;#&gt;</a:t>
             </a:fld>
           </a:p>
@@ -5660,8 +5661,8 @@
         </p:nvSpPr>
         <p:spPr>
           <a:xfrm>
-            <a:off x="430920" y="1889640"/>
-            <a:ext cx="8282160" cy="1516320"/>
+            <a:off x="457200" y="205200"/>
+            <a:ext cx="8229240" cy="858600"/>
           </a:xfrm>
           <a:prstGeom prst="rect">
             <a:avLst/>
@@ -5676,10 +5677,10 @@
             <a:noAutofit/>
           </a:bodyPr>
           <a:p>
-            <a:pPr indent="0">
-              <a:buNone/>
-            </a:pPr>
-            <a:endParaRPr b="0" lang="en-AU" sz="1400" spc="-1" strike="noStrike">
+            <a:pPr indent="0" algn="ctr">
+              <a:buNone/>
+            </a:pPr>
+            <a:endParaRPr b="0" lang="en-AU" sz="4400" spc="-1" strike="noStrike">
               <a:solidFill>
                 <a:srgbClr val="000000"/>
               </a:solidFill>
@@ -5742,7 +5743,7 @@
         <p:txBody>
           <a:bodyPr/>
           <a:p>
-            <a:fld id="{3783A457-10A7-4BA3-AB5B-518DD121C1EE}" type="slidenum">
+            <a:fld id="{C2BB2739-3B85-4DFB-B952-F34FAD9A4BBD}" type="slidenum">
               <a:t>&lt;#&gt;</a:t>
             </a:fld>
           </a:p>
@@ -5782,8 +5783,8 @@
         </p:nvSpPr>
         <p:spPr>
           <a:xfrm>
-            <a:off x="430920" y="1889640"/>
-            <a:ext cx="8282160" cy="1516320"/>
+            <a:off x="457200" y="205200"/>
+            <a:ext cx="8229240" cy="858600"/>
           </a:xfrm>
           <a:prstGeom prst="rect">
             <a:avLst/>
@@ -5798,10 +5799,10 @@
             <a:noAutofit/>
           </a:bodyPr>
           <a:p>
-            <a:pPr indent="0">
-              <a:buNone/>
-            </a:pPr>
-            <a:endParaRPr b="0" lang="en-AU" sz="1400" spc="-1" strike="noStrike">
+            <a:pPr indent="0" algn="ctr">
+              <a:buNone/>
+            </a:pPr>
+            <a:endParaRPr b="0" lang="en-AU" sz="4400" spc="-1" strike="noStrike">
               <a:solidFill>
                 <a:srgbClr val="000000"/>
               </a:solidFill>
@@ -5844,7 +5845,7 @@
               </a:spcBef>
               <a:buNone/>
             </a:pPr>
-            <a:endParaRPr b="0" lang="en-AU" sz="1400" spc="-1" strike="noStrike">
+            <a:endParaRPr b="0" lang="en-AU" sz="3200" spc="-1" strike="noStrike">
               <a:solidFill>
                 <a:srgbClr val="000000"/>
               </a:solidFill>
@@ -5867,7 +5868,7 @@
         <p:txBody>
           <a:bodyPr/>
           <a:p>
-            <a:fld id="{AA232B43-CC85-425C-A524-D0A1218E53A7}" type="slidenum">
+            <a:fld id="{C88301B4-020C-4211-8B08-90B60C8A683F}" type="slidenum">
               <a:t>&lt;#&gt;</a:t>
             </a:fld>
           </a:p>
@@ -5907,8 +5908,8 @@
         </p:nvSpPr>
         <p:spPr>
           <a:xfrm>
-            <a:off x="430920" y="1889640"/>
-            <a:ext cx="8282160" cy="1516320"/>
+            <a:off x="457200" y="205200"/>
+            <a:ext cx="8229240" cy="858600"/>
           </a:xfrm>
           <a:prstGeom prst="rect">
             <a:avLst/>
@@ -5923,10 +5924,10 @@
             <a:noAutofit/>
           </a:bodyPr>
           <a:p>
-            <a:pPr indent="0">
-              <a:buNone/>
-            </a:pPr>
-            <a:endParaRPr b="0" lang="en-AU" sz="1400" spc="-1" strike="noStrike">
+            <a:pPr indent="0" algn="ctr">
+              <a:buNone/>
+            </a:pPr>
+            <a:endParaRPr b="0" lang="en-AU" sz="4400" spc="-1" strike="noStrike">
               <a:solidFill>
                 <a:srgbClr val="000000"/>
               </a:solidFill>
@@ -5969,7 +5970,7 @@
               </a:spcBef>
               <a:buNone/>
             </a:pPr>
-            <a:endParaRPr b="0" lang="en-AU" sz="1400" spc="-1" strike="noStrike">
+            <a:endParaRPr b="0" lang="en-AU" sz="3200" spc="-1" strike="noStrike">
               <a:solidFill>
                 <a:srgbClr val="000000"/>
               </a:solidFill>
@@ -6012,7 +6013,7 @@
               </a:spcBef>
               <a:buNone/>
             </a:pPr>
-            <a:endParaRPr b="0" lang="en-AU" sz="1400" spc="-1" strike="noStrike">
+            <a:endParaRPr b="0" lang="en-AU" sz="3200" spc="-1" strike="noStrike">
               <a:solidFill>
                 <a:srgbClr val="000000"/>
               </a:solidFill>
@@ -6035,7 +6036,7 @@
         <p:txBody>
           <a:bodyPr/>
           <a:p>
-            <a:fld id="{68DA3F4F-B6EB-4BAA-9D6E-2E808D837CE1}" type="slidenum">
+            <a:fld id="{E6B000F8-AFFC-43CF-A22D-1F037D9D5AE3}" type="slidenum">
               <a:t>&lt;#&gt;</a:t>
             </a:fld>
           </a:p>
@@ -6075,8 +6076,8 @@
         </p:nvSpPr>
         <p:spPr>
           <a:xfrm>
-            <a:off x="430920" y="1889640"/>
-            <a:ext cx="8282160" cy="1516320"/>
+            <a:off x="457200" y="205200"/>
+            <a:ext cx="8229240" cy="858600"/>
           </a:xfrm>
           <a:prstGeom prst="rect">
             <a:avLst/>
@@ -6091,10 +6092,10 @@
             <a:noAutofit/>
           </a:bodyPr>
           <a:p>
-            <a:pPr indent="0">
-              <a:buNone/>
-            </a:pPr>
-            <a:endParaRPr b="0" lang="en-AU" sz="1400" spc="-1" strike="noStrike">
+            <a:pPr indent="0" algn="ctr">
+              <a:buNone/>
+            </a:pPr>
+            <a:endParaRPr b="0" lang="en-AU" sz="4400" spc="-1" strike="noStrike">
               <a:solidFill>
                 <a:srgbClr val="000000"/>
               </a:solidFill>
@@ -6137,7 +6138,7 @@
               </a:spcBef>
               <a:buNone/>
             </a:pPr>
-            <a:endParaRPr b="0" lang="en-AU" sz="1400" spc="-1" strike="noStrike">
+            <a:endParaRPr b="0" lang="en-AU" sz="3200" spc="-1" strike="noStrike">
               <a:solidFill>
                 <a:srgbClr val="000000"/>
               </a:solidFill>
@@ -6180,7 +6181,7 @@
               </a:spcBef>
               <a:buNone/>
             </a:pPr>
-            <a:endParaRPr b="0" lang="en-AU" sz="1400" spc="-1" strike="noStrike">
+            <a:endParaRPr b="0" lang="en-AU" sz="3200" spc="-1" strike="noStrike">
               <a:solidFill>
                 <a:srgbClr val="000000"/>
               </a:solidFill>
@@ -6203,7 +6204,7 @@
         <p:txBody>
           <a:bodyPr/>
           <a:p>
-            <a:fld id="{3BB085DA-A0CB-4B9B-8595-9410A1C1982C}" type="slidenum">
+            <a:fld id="{E9D248C0-1A6B-49AC-9FD3-B19C4F400CF0}" type="slidenum">
               <a:t>&lt;#&gt;</a:t>
             </a:fld>
           </a:p>
@@ -6243,8 +6244,8 @@
         </p:nvSpPr>
         <p:spPr>
           <a:xfrm>
-            <a:off x="430920" y="1889640"/>
-            <a:ext cx="8282160" cy="1516320"/>
+            <a:off x="457200" y="205200"/>
+            <a:ext cx="8229240" cy="858600"/>
           </a:xfrm>
           <a:prstGeom prst="rect">
             <a:avLst/>
@@ -6259,10 +6260,10 @@
             <a:noAutofit/>
           </a:bodyPr>
           <a:p>
-            <a:pPr indent="0">
-              <a:buNone/>
-            </a:pPr>
-            <a:endParaRPr b="0" lang="en-AU" sz="1400" spc="-1" strike="noStrike">
+            <a:pPr indent="0" algn="ctr">
+              <a:buNone/>
+            </a:pPr>
+            <a:endParaRPr b="0" lang="en-AU" sz="4400" spc="-1" strike="noStrike">
               <a:solidFill>
                 <a:srgbClr val="000000"/>
               </a:solidFill>
@@ -6285,7 +6286,7 @@
         <p:txBody>
           <a:bodyPr/>
           <a:p>
-            <a:fld id="{B75EED71-2C1F-4521-88A3-57A19DB3B60C}" type="slidenum">
+            <a:fld id="{E67CF26B-8EB7-41AF-9E57-97CE072D1131}" type="slidenum">
               <a:t>&lt;#&gt;</a:t>
             </a:fld>
           </a:p>
@@ -6325,8 +6326,8 @@
         </p:nvSpPr>
         <p:spPr>
           <a:xfrm>
-            <a:off x="430920" y="1889640"/>
-            <a:ext cx="8282160" cy="7030080"/>
+            <a:off x="457200" y="205200"/>
+            <a:ext cx="8229240" cy="3981240"/>
           </a:xfrm>
           <a:prstGeom prst="rect">
             <a:avLst/>
@@ -6365,7 +6366,7 @@
         <p:txBody>
           <a:bodyPr/>
           <a:p>
-            <a:fld id="{F58CD7AD-D984-4418-B9F5-68B5D988FAD2}" type="slidenum">
+            <a:fld id="{1CA162BD-B1E1-4DD9-8BB6-16AF16189B2A}" type="slidenum">
               <a:t>&lt;#&gt;</a:t>
             </a:fld>
           </a:p>
@@ -6405,8 +6406,8 @@
         </p:nvSpPr>
         <p:spPr>
           <a:xfrm>
-            <a:off x="430920" y="1889640"/>
-            <a:ext cx="8282160" cy="1516320"/>
+            <a:off x="457200" y="205200"/>
+            <a:ext cx="8229240" cy="858600"/>
           </a:xfrm>
           <a:prstGeom prst="rect">
             <a:avLst/>
@@ -6421,10 +6422,10 @@
             <a:noAutofit/>
           </a:bodyPr>
           <a:p>
-            <a:pPr indent="0">
-              <a:buNone/>
-            </a:pPr>
-            <a:endParaRPr b="0" lang="en-AU" sz="1400" spc="-1" strike="noStrike">
+            <a:pPr indent="0" algn="ctr">
+              <a:buNone/>
+            </a:pPr>
+            <a:endParaRPr b="0" lang="en-AU" sz="4400" spc="-1" strike="noStrike">
               <a:solidFill>
                 <a:srgbClr val="000000"/>
               </a:solidFill>
@@ -6467,7 +6468,7 @@
               </a:spcBef>
               <a:buNone/>
             </a:pPr>
-            <a:endParaRPr b="0" lang="en-AU" sz="1400" spc="-1" strike="noStrike">
+            <a:endParaRPr b="0" lang="en-AU" sz="3200" spc="-1" strike="noStrike">
               <a:solidFill>
                 <a:srgbClr val="000000"/>
               </a:solidFill>
@@ -6510,7 +6511,7 @@
               </a:spcBef>
               <a:buNone/>
             </a:pPr>
-            <a:endParaRPr b="0" lang="en-AU" sz="1400" spc="-1" strike="noStrike">
+            <a:endParaRPr b="0" lang="en-AU" sz="3200" spc="-1" strike="noStrike">
               <a:solidFill>
                 <a:srgbClr val="000000"/>
               </a:solidFill>
@@ -6553,7 +6554,7 @@
               </a:spcBef>
               <a:buNone/>
             </a:pPr>
-            <a:endParaRPr b="0" lang="en-AU" sz="1400" spc="-1" strike="noStrike">
+            <a:endParaRPr b="0" lang="en-AU" sz="3200" spc="-1" strike="noStrike">
               <a:solidFill>
                 <a:srgbClr val="000000"/>
               </a:solidFill>
@@ -6576,7 +6577,7 @@
         <p:txBody>
           <a:bodyPr/>
           <a:p>
-            <a:fld id="{4F6D0972-2F80-462B-AEEB-B18D6E90FD25}" type="slidenum">
+            <a:fld id="{8A2A3E2A-73E5-48A2-83C5-95F371DD85BB}" type="slidenum">
               <a:t>&lt;#&gt;</a:t>
             </a:fld>
           </a:p>
@@ -6616,8 +6617,8 @@
         </p:nvSpPr>
         <p:spPr>
           <a:xfrm>
-            <a:off x="430920" y="1889640"/>
-            <a:ext cx="8282160" cy="1516320"/>
+            <a:off x="457200" y="205200"/>
+            <a:ext cx="8229240" cy="858600"/>
           </a:xfrm>
           <a:prstGeom prst="rect">
             <a:avLst/>
@@ -6632,10 +6633,10 @@
             <a:noAutofit/>
           </a:bodyPr>
           <a:p>
-            <a:pPr indent="0">
-              <a:buNone/>
-            </a:pPr>
-            <a:endParaRPr b="0" lang="en-AU" sz="1400" spc="-1" strike="noStrike">
+            <a:pPr indent="0" algn="ctr">
+              <a:buNone/>
+            </a:pPr>
+            <a:endParaRPr b="0" lang="en-AU" sz="4400" spc="-1" strike="noStrike">
               <a:solidFill>
                 <a:srgbClr val="000000"/>
               </a:solidFill>
@@ -6678,7 +6679,7 @@
               </a:spcBef>
               <a:buNone/>
             </a:pPr>
-            <a:endParaRPr b="0" lang="en-AU" sz="1400" spc="-1" strike="noStrike">
+            <a:endParaRPr b="0" lang="en-AU" sz="3200" spc="-1" strike="noStrike">
               <a:solidFill>
                 <a:srgbClr val="000000"/>
               </a:solidFill>
@@ -6721,7 +6722,7 @@
               </a:spcBef>
               <a:buNone/>
             </a:pPr>
-            <a:endParaRPr b="0" lang="en-AU" sz="1400" spc="-1" strike="noStrike">
+            <a:endParaRPr b="0" lang="en-AU" sz="3200" spc="-1" strike="noStrike">
               <a:solidFill>
                 <a:srgbClr val="000000"/>
               </a:solidFill>
@@ -6764,7 +6765,7 @@
               </a:spcBef>
               <a:buNone/>
             </a:pPr>
-            <a:endParaRPr b="0" lang="en-AU" sz="1400" spc="-1" strike="noStrike">
+            <a:endParaRPr b="0" lang="en-AU" sz="3200" spc="-1" strike="noStrike">
               <a:solidFill>
                 <a:srgbClr val="000000"/>
               </a:solidFill>
@@ -6787,7 +6788,7 @@
         <p:txBody>
           <a:bodyPr/>
           <a:p>
-            <a:fld id="{489F2F72-3724-446A-868D-C8F4F4620590}" type="slidenum">
+            <a:fld id="{A2F5F40A-02FC-490C-9DDD-C8C6E28DB664}" type="slidenum">
               <a:t>&lt;#&gt;</a:t>
             </a:fld>
           </a:p>
@@ -6827,8 +6828,8 @@
         </p:nvSpPr>
         <p:spPr>
           <a:xfrm>
-            <a:off x="430920" y="1889640"/>
-            <a:ext cx="8282160" cy="1516320"/>
+            <a:off x="457200" y="205200"/>
+            <a:ext cx="8229240" cy="858600"/>
           </a:xfrm>
           <a:prstGeom prst="rect">
             <a:avLst/>
@@ -6843,10 +6844,10 @@
             <a:noAutofit/>
           </a:bodyPr>
           <a:p>
-            <a:pPr indent="0">
-              <a:buNone/>
-            </a:pPr>
-            <a:endParaRPr b="0" lang="en-AU" sz="1400" spc="-1" strike="noStrike">
+            <a:pPr indent="0" algn="ctr">
+              <a:buNone/>
+            </a:pPr>
+            <a:endParaRPr b="0" lang="en-AU" sz="4400" spc="-1" strike="noStrike">
               <a:solidFill>
                 <a:srgbClr val="000000"/>
               </a:solidFill>
@@ -6889,7 +6890,7 @@
               </a:spcBef>
               <a:buNone/>
             </a:pPr>
-            <a:endParaRPr b="0" lang="en-AU" sz="1400" spc="-1" strike="noStrike">
+            <a:endParaRPr b="0" lang="en-AU" sz="3200" spc="-1" strike="noStrike">
               <a:solidFill>
                 <a:srgbClr val="000000"/>
               </a:solidFill>
@@ -6932,7 +6933,7 @@
               </a:spcBef>
               <a:buNone/>
             </a:pPr>
-            <a:endParaRPr b="0" lang="en-AU" sz="1400" spc="-1" strike="noStrike">
+            <a:endParaRPr b="0" lang="en-AU" sz="3200" spc="-1" strike="noStrike">
               <a:solidFill>
                 <a:srgbClr val="000000"/>
               </a:solidFill>
@@ -6975,7 +6976,7 @@
               </a:spcBef>
               <a:buNone/>
             </a:pPr>
-            <a:endParaRPr b="0" lang="en-AU" sz="1400" spc="-1" strike="noStrike">
+            <a:endParaRPr b="0" lang="en-AU" sz="3200" spc="-1" strike="noStrike">
               <a:solidFill>
                 <a:srgbClr val="000000"/>
               </a:solidFill>
@@ -6998,7 +6999,7 @@
         <p:txBody>
           <a:bodyPr/>
           <a:p>
-            <a:fld id="{E12280CF-07C5-48BF-A04C-C9FFE54B40DD}" type="slidenum">
+            <a:fld id="{DA929DCB-52E3-457F-B5B2-8DDED722127E}" type="slidenum">
               <a:t>&lt;#&gt;</a:t>
             </a:fld>
           </a:p>
@@ -7038,8 +7039,8 @@
         </p:nvSpPr>
         <p:spPr>
           <a:xfrm>
-            <a:off x="430920" y="1889640"/>
-            <a:ext cx="8282160" cy="1516320"/>
+            <a:off x="457200" y="205200"/>
+            <a:ext cx="8229240" cy="858600"/>
           </a:xfrm>
           <a:prstGeom prst="rect">
             <a:avLst/>
@@ -7054,10 +7055,10 @@
             <a:noAutofit/>
           </a:bodyPr>
           <a:p>
-            <a:pPr indent="0">
-              <a:buNone/>
-            </a:pPr>
-            <a:endParaRPr b="0" lang="en-AU" sz="1400" spc="-1" strike="noStrike">
+            <a:pPr indent="0" algn="ctr">
+              <a:buNone/>
+            </a:pPr>
+            <a:endParaRPr b="0" lang="en-AU" sz="4400" spc="-1" strike="noStrike">
               <a:solidFill>
                 <a:srgbClr val="000000"/>
               </a:solidFill>
@@ -7100,7 +7101,7 @@
               </a:spcBef>
               <a:buNone/>
             </a:pPr>
-            <a:endParaRPr b="0" lang="en-AU" sz="1400" spc="-1" strike="noStrike">
+            <a:endParaRPr b="0" lang="en-AU" sz="3200" spc="-1" strike="noStrike">
               <a:solidFill>
                 <a:srgbClr val="000000"/>
               </a:solidFill>
@@ -7143,7 +7144,7 @@
               </a:spcBef>
               <a:buNone/>
             </a:pPr>
-            <a:endParaRPr b="0" lang="en-AU" sz="1400" spc="-1" strike="noStrike">
+            <a:endParaRPr b="0" lang="en-AU" sz="3200" spc="-1" strike="noStrike">
               <a:solidFill>
                 <a:srgbClr val="000000"/>
               </a:solidFill>
@@ -7166,7 +7167,7 @@
         <p:txBody>
           <a:bodyPr/>
           <a:p>
-            <a:fld id="{1908123B-0258-4573-A4D4-779575D1EABE}" type="slidenum">
+            <a:fld id="{3B0218FB-CC5C-4150-94A5-7ABAF8F15757}" type="slidenum">
               <a:t>&lt;#&gt;</a:t>
             </a:fld>
           </a:p>
@@ -7206,8 +7207,8 @@
         </p:nvSpPr>
         <p:spPr>
           <a:xfrm>
-            <a:off x="430920" y="1889640"/>
-            <a:ext cx="8282160" cy="1516320"/>
+            <a:off x="457200" y="205200"/>
+            <a:ext cx="8229240" cy="858600"/>
           </a:xfrm>
           <a:prstGeom prst="rect">
             <a:avLst/>
@@ -7222,10 +7223,10 @@
             <a:noAutofit/>
           </a:bodyPr>
           <a:p>
-            <a:pPr indent="0">
-              <a:buNone/>
-            </a:pPr>
-            <a:endParaRPr b="0" lang="en-AU" sz="1400" spc="-1" strike="noStrike">
+            <a:pPr indent="0" algn="ctr">
+              <a:buNone/>
+            </a:pPr>
+            <a:endParaRPr b="0" lang="en-AU" sz="4400" spc="-1" strike="noStrike">
               <a:solidFill>
                 <a:srgbClr val="000000"/>
               </a:solidFill>
@@ -7268,7 +7269,7 @@
               </a:spcBef>
               <a:buNone/>
             </a:pPr>
-            <a:endParaRPr b="0" lang="en-AU" sz="1400" spc="-1" strike="noStrike">
+            <a:endParaRPr b="0" lang="en-AU" sz="3200" spc="-1" strike="noStrike">
               <a:solidFill>
                 <a:srgbClr val="000000"/>
               </a:solidFill>
@@ -7311,7 +7312,7 @@
               </a:spcBef>
               <a:buNone/>
             </a:pPr>
-            <a:endParaRPr b="0" lang="en-AU" sz="1400" spc="-1" strike="noStrike">
+            <a:endParaRPr b="0" lang="en-AU" sz="3200" spc="-1" strike="noStrike">
               <a:solidFill>
                 <a:srgbClr val="000000"/>
               </a:solidFill>
@@ -7354,7 +7355,7 @@
               </a:spcBef>
               <a:buNone/>
             </a:pPr>
-            <a:endParaRPr b="0" lang="en-AU" sz="1400" spc="-1" strike="noStrike">
+            <a:endParaRPr b="0" lang="en-AU" sz="3200" spc="-1" strike="noStrike">
               <a:solidFill>
                 <a:srgbClr val="000000"/>
               </a:solidFill>
@@ -7397,7 +7398,7 @@
               </a:spcBef>
               <a:buNone/>
             </a:pPr>
-            <a:endParaRPr b="0" lang="en-AU" sz="1400" spc="-1" strike="noStrike">
+            <a:endParaRPr b="0" lang="en-AU" sz="3200" spc="-1" strike="noStrike">
               <a:solidFill>
                 <a:srgbClr val="000000"/>
               </a:solidFill>
@@ -7420,7 +7421,7 @@
         <p:txBody>
           <a:bodyPr/>
           <a:p>
-            <a:fld id="{F30BBE37-CCED-46DD-AE45-2FEC3D161A90}" type="slidenum">
+            <a:fld id="{C13E1925-9ED2-47C1-8C52-56EF23E20FBE}" type="slidenum">
               <a:t>&lt;#&gt;</a:t>
             </a:fld>
           </a:p>
@@ -7460,8 +7461,8 @@
         </p:nvSpPr>
         <p:spPr>
           <a:xfrm>
-            <a:off x="430920" y="1889640"/>
-            <a:ext cx="8282160" cy="1516320"/>
+            <a:off x="457200" y="205200"/>
+            <a:ext cx="8229240" cy="858600"/>
           </a:xfrm>
           <a:prstGeom prst="rect">
             <a:avLst/>
@@ -7476,10 +7477,10 @@
             <a:noAutofit/>
           </a:bodyPr>
           <a:p>
-            <a:pPr indent="0">
-              <a:buNone/>
-            </a:pPr>
-            <a:endParaRPr b="0" lang="en-AU" sz="1400" spc="-1" strike="noStrike">
+            <a:pPr indent="0" algn="ctr">
+              <a:buNone/>
+            </a:pPr>
+            <a:endParaRPr b="0" lang="en-AU" sz="4400" spc="-1" strike="noStrike">
               <a:solidFill>
                 <a:srgbClr val="000000"/>
               </a:solidFill>
@@ -7522,7 +7523,7 @@
               </a:spcBef>
               <a:buNone/>
             </a:pPr>
-            <a:endParaRPr b="0" lang="en-AU" sz="1400" spc="-1" strike="noStrike">
+            <a:endParaRPr b="0" lang="en-AU" sz="3200" spc="-1" strike="noStrike">
               <a:solidFill>
                 <a:srgbClr val="000000"/>
               </a:solidFill>
@@ -7565,7 +7566,7 @@
               </a:spcBef>
               <a:buNone/>
             </a:pPr>
-            <a:endParaRPr b="0" lang="en-AU" sz="1400" spc="-1" strike="noStrike">
+            <a:endParaRPr b="0" lang="en-AU" sz="3200" spc="-1" strike="noStrike">
               <a:solidFill>
                 <a:srgbClr val="000000"/>
               </a:solidFill>
@@ -7608,7 +7609,7 @@
               </a:spcBef>
               <a:buNone/>
             </a:pPr>
-            <a:endParaRPr b="0" lang="en-AU" sz="1400" spc="-1" strike="noStrike">
+            <a:endParaRPr b="0" lang="en-AU" sz="3200" spc="-1" strike="noStrike">
               <a:solidFill>
                 <a:srgbClr val="000000"/>
               </a:solidFill>
@@ -7651,7 +7652,7 @@
               </a:spcBef>
               <a:buNone/>
             </a:pPr>
-            <a:endParaRPr b="0" lang="en-AU" sz="1400" spc="-1" strike="noStrike">
+            <a:endParaRPr b="0" lang="en-AU" sz="3200" spc="-1" strike="noStrike">
               <a:solidFill>
                 <a:srgbClr val="000000"/>
               </a:solidFill>
@@ -7694,7 +7695,7 @@
               </a:spcBef>
               <a:buNone/>
             </a:pPr>
-            <a:endParaRPr b="0" lang="en-AU" sz="1400" spc="-1" strike="noStrike">
+            <a:endParaRPr b="0" lang="en-AU" sz="3200" spc="-1" strike="noStrike">
               <a:solidFill>
                 <a:srgbClr val="000000"/>
               </a:solidFill>
@@ -7737,7 +7738,7 @@
               </a:spcBef>
               <a:buNone/>
             </a:pPr>
-            <a:endParaRPr b="0" lang="en-AU" sz="1400" spc="-1" strike="noStrike">
+            <a:endParaRPr b="0" lang="en-AU" sz="3200" spc="-1" strike="noStrike">
               <a:solidFill>
                 <a:srgbClr val="000000"/>
               </a:solidFill>
@@ -7760,7 +7761,7 @@
         <p:txBody>
           <a:bodyPr/>
           <a:p>
-            <a:fld id="{B3100FB6-2740-4B8C-8B2D-2E5CD92B99CC}" type="slidenum">
+            <a:fld id="{D5220E4C-D30F-4A68-83EF-507FC716BE73}" type="slidenum">
               <a:t>&lt;#&gt;</a:t>
             </a:fld>
           </a:p>
@@ -7800,8 +7801,8 @@
         </p:nvSpPr>
         <p:spPr>
           <a:xfrm>
-            <a:off x="430920" y="1889640"/>
-            <a:ext cx="8282160" cy="1516320"/>
+            <a:off x="457200" y="205200"/>
+            <a:ext cx="8229240" cy="858600"/>
           </a:xfrm>
           <a:prstGeom prst="rect">
             <a:avLst/>
@@ -7816,10 +7817,10 @@
             <a:noAutofit/>
           </a:bodyPr>
           <a:p>
-            <a:pPr indent="0">
-              <a:buNone/>
-            </a:pPr>
-            <a:endParaRPr b="0" lang="en-AU" sz="1400" spc="-1" strike="noStrike">
+            <a:pPr indent="0" algn="ctr">
+              <a:buNone/>
+            </a:pPr>
+            <a:endParaRPr b="0" lang="en-AU" sz="4400" spc="-1" strike="noStrike">
               <a:solidFill>
                 <a:srgbClr val="000000"/>
               </a:solidFill>
@@ -7842,7 +7843,7 @@
         <p:txBody>
           <a:bodyPr/>
           <a:p>
-            <a:fld id="{34A17E12-DE32-4CF1-B7B2-4033DC3DDBA8}" type="slidenum">
+            <a:fld id="{F5238D4E-70A9-4D3F-AB52-A16CF0998F56}" type="slidenum">
               <a:t>&lt;#&gt;</a:t>
             </a:fld>
           </a:p>
@@ -7882,8 +7883,8 @@
         </p:nvSpPr>
         <p:spPr>
           <a:xfrm>
-            <a:off x="430920" y="1889640"/>
-            <a:ext cx="8282160" cy="7030080"/>
+            <a:off x="457200" y="205200"/>
+            <a:ext cx="8229240" cy="3981240"/>
           </a:xfrm>
           <a:prstGeom prst="rect">
             <a:avLst/>
@@ -7922,7 +7923,7 @@
         <p:txBody>
           <a:bodyPr/>
           <a:p>
-            <a:fld id="{A6FC762D-5B7A-41B1-856A-3220162DE3A1}" type="slidenum">
+            <a:fld id="{6AE8EE11-F069-4EA6-AC38-87A8B9FDBB7F}" type="slidenum">
               <a:t>&lt;#&gt;</a:t>
             </a:fld>
           </a:p>
@@ -7962,8 +7963,8 @@
         </p:nvSpPr>
         <p:spPr>
           <a:xfrm>
-            <a:off x="430920" y="1889640"/>
-            <a:ext cx="8282160" cy="1516320"/>
+            <a:off x="457200" y="205200"/>
+            <a:ext cx="8229240" cy="858600"/>
           </a:xfrm>
           <a:prstGeom prst="rect">
             <a:avLst/>
@@ -7978,10 +7979,10 @@
             <a:noAutofit/>
           </a:bodyPr>
           <a:p>
-            <a:pPr indent="0">
-              <a:buNone/>
-            </a:pPr>
-            <a:endParaRPr b="0" lang="en-AU" sz="1400" spc="-1" strike="noStrike">
+            <a:pPr indent="0" algn="ctr">
+              <a:buNone/>
+            </a:pPr>
+            <a:endParaRPr b="0" lang="en-AU" sz="4400" spc="-1" strike="noStrike">
               <a:solidFill>
                 <a:srgbClr val="000000"/>
               </a:solidFill>
@@ -8024,7 +8025,7 @@
               </a:spcBef>
               <a:buNone/>
             </a:pPr>
-            <a:endParaRPr b="0" lang="en-AU" sz="1400" spc="-1" strike="noStrike">
+            <a:endParaRPr b="0" lang="en-AU" sz="3200" spc="-1" strike="noStrike">
               <a:solidFill>
                 <a:srgbClr val="000000"/>
               </a:solidFill>
@@ -8067,7 +8068,7 @@
               </a:spcBef>
               <a:buNone/>
             </a:pPr>
-            <a:endParaRPr b="0" lang="en-AU" sz="1400" spc="-1" strike="noStrike">
+            <a:endParaRPr b="0" lang="en-AU" sz="3200" spc="-1" strike="noStrike">
               <a:solidFill>
                 <a:srgbClr val="000000"/>
               </a:solidFill>
@@ -8110,7 +8111,7 @@
               </a:spcBef>
               <a:buNone/>
             </a:pPr>
-            <a:endParaRPr b="0" lang="en-AU" sz="1400" spc="-1" strike="noStrike">
+            <a:endParaRPr b="0" lang="en-AU" sz="3200" spc="-1" strike="noStrike">
               <a:solidFill>
                 <a:srgbClr val="000000"/>
               </a:solidFill>
@@ -8133,7 +8134,7 @@
         <p:txBody>
           <a:bodyPr/>
           <a:p>
-            <a:fld id="{9E7623B0-154C-4B2C-ABE8-F35008FF892C}" type="slidenum">
+            <a:fld id="{35F76158-3390-41F3-98B5-A52445CD6324}" type="slidenum">
               <a:t>&lt;#&gt;</a:t>
             </a:fld>
           </a:p>
@@ -8173,8 +8174,8 @@
         </p:nvSpPr>
         <p:spPr>
           <a:xfrm>
-            <a:off x="430920" y="1889640"/>
-            <a:ext cx="8282160" cy="1516320"/>
+            <a:off x="457200" y="205200"/>
+            <a:ext cx="8229240" cy="858600"/>
           </a:xfrm>
           <a:prstGeom prst="rect">
             <a:avLst/>
@@ -8189,10 +8190,10 @@
             <a:noAutofit/>
           </a:bodyPr>
           <a:p>
-            <a:pPr indent="0">
-              <a:buNone/>
-            </a:pPr>
-            <a:endParaRPr b="0" lang="en-AU" sz="1400" spc="-1" strike="noStrike">
+            <a:pPr indent="0" algn="ctr">
+              <a:buNone/>
+            </a:pPr>
+            <a:endParaRPr b="0" lang="en-AU" sz="4400" spc="-1" strike="noStrike">
               <a:solidFill>
                 <a:srgbClr val="000000"/>
               </a:solidFill>
@@ -8235,7 +8236,7 @@
               </a:spcBef>
               <a:buNone/>
             </a:pPr>
-            <a:endParaRPr b="0" lang="en-AU" sz="1400" spc="-1" strike="noStrike">
+            <a:endParaRPr b="0" lang="en-AU" sz="3200" spc="-1" strike="noStrike">
               <a:solidFill>
                 <a:srgbClr val="000000"/>
               </a:solidFill>
@@ -8278,7 +8279,7 @@
               </a:spcBef>
               <a:buNone/>
             </a:pPr>
-            <a:endParaRPr b="0" lang="en-AU" sz="1400" spc="-1" strike="noStrike">
+            <a:endParaRPr b="0" lang="en-AU" sz="3200" spc="-1" strike="noStrike">
               <a:solidFill>
                 <a:srgbClr val="000000"/>
               </a:solidFill>
@@ -8321,7 +8322,7 @@
               </a:spcBef>
               <a:buNone/>
             </a:pPr>
-            <a:endParaRPr b="0" lang="en-AU" sz="1400" spc="-1" strike="noStrike">
+            <a:endParaRPr b="0" lang="en-AU" sz="3200" spc="-1" strike="noStrike">
               <a:solidFill>
                 <a:srgbClr val="000000"/>
               </a:solidFill>
@@ -8344,7 +8345,7 @@
         <p:txBody>
           <a:bodyPr/>
           <a:p>
-            <a:fld id="{2C3E41FE-1009-4237-86FA-5BD915EE2F91}" type="slidenum">
+            <a:fld id="{ACB74B44-49D1-4B71-9D22-E6768FF7B789}" type="slidenum">
               <a:t>&lt;#&gt;</a:t>
             </a:fld>
           </a:p>
@@ -8384,8 +8385,8 @@
         </p:nvSpPr>
         <p:spPr>
           <a:xfrm>
-            <a:off x="430920" y="1889640"/>
-            <a:ext cx="8282160" cy="1516320"/>
+            <a:off x="457200" y="205200"/>
+            <a:ext cx="8229240" cy="858600"/>
           </a:xfrm>
           <a:prstGeom prst="rect">
             <a:avLst/>
@@ -8400,10 +8401,10 @@
             <a:noAutofit/>
           </a:bodyPr>
           <a:p>
-            <a:pPr indent="0">
-              <a:buNone/>
-            </a:pPr>
-            <a:endParaRPr b="0" lang="en-AU" sz="1400" spc="-1" strike="noStrike">
+            <a:pPr indent="0" algn="ctr">
+              <a:buNone/>
+            </a:pPr>
+            <a:endParaRPr b="0" lang="en-AU" sz="4400" spc="-1" strike="noStrike">
               <a:solidFill>
                 <a:srgbClr val="000000"/>
               </a:solidFill>
@@ -8446,7 +8447,7 @@
               </a:spcBef>
               <a:buNone/>
             </a:pPr>
-            <a:endParaRPr b="0" lang="en-AU" sz="1400" spc="-1" strike="noStrike">
+            <a:endParaRPr b="0" lang="en-AU" sz="3200" spc="-1" strike="noStrike">
               <a:solidFill>
                 <a:srgbClr val="000000"/>
               </a:solidFill>
@@ -8489,7 +8490,7 @@
               </a:spcBef>
               <a:buNone/>
             </a:pPr>
-            <a:endParaRPr b="0" lang="en-AU" sz="1400" spc="-1" strike="noStrike">
+            <a:endParaRPr b="0" lang="en-AU" sz="3200" spc="-1" strike="noStrike">
               <a:solidFill>
                 <a:srgbClr val="000000"/>
               </a:solidFill>
@@ -8532,7 +8533,7 @@
               </a:spcBef>
               <a:buNone/>
             </a:pPr>
-            <a:endParaRPr b="0" lang="en-AU" sz="1400" spc="-1" strike="noStrike">
+            <a:endParaRPr b="0" lang="en-AU" sz="3200" spc="-1" strike="noStrike">
               <a:solidFill>
                 <a:srgbClr val="000000"/>
               </a:solidFill>
@@ -8555,7 +8556,7 @@
         <p:txBody>
           <a:bodyPr/>
           <a:p>
-            <a:fld id="{A01CCB80-FC28-430B-9EE1-3786B2F614DD}" type="slidenum">
+            <a:fld id="{0AD3F3AE-FEFB-45BA-8905-30C802805F33}" type="slidenum">
               <a:t>&lt;#&gt;</a:t>
             </a:fld>
           </a:p>
@@ -8598,8 +8599,8 @@
         </p:nvSpPr>
         <p:spPr>
           <a:xfrm rot="10800000">
-            <a:off x="4226400" y="2934000"/>
-            <a:ext cx="691560" cy="388080"/>
+            <a:off x="4226760" y="2934360"/>
+            <a:ext cx="691200" cy="387720"/>
           </a:xfrm>
           <a:prstGeom prst="triangle">
             <a:avLst>
@@ -8620,7 +8621,7 @@
           <a:fontRef idx="minor"/>
         </p:style>
         <p:txBody>
-          <a:bodyPr tIns="182880" bIns="182880" anchor="ctr">
+          <a:bodyPr lIns="90000" rIns="90000" tIns="194400" bIns="194400" anchor="ctr">
             <a:noAutofit/>
           </a:bodyPr>
           <a:p>
@@ -8637,6 +8638,7 @@
                 <a:srgbClr val="000000"/>
               </a:solidFill>
               <a:latin typeface="Arial"/>
+              <a:ea typeface="DejaVu Sans"/>
             </a:endParaRPr>
           </a:p>
         </p:txBody>
@@ -8650,7 +8652,7 @@
         <p:spPr>
           <a:xfrm>
             <a:off x="0" y="0"/>
-            <a:ext cx="9143640" cy="3123720"/>
+            <a:ext cx="9143280" cy="3123360"/>
           </a:xfrm>
           <a:prstGeom prst="rect">
             <a:avLst/>
@@ -8669,7 +8671,7 @@
           <a:fontRef idx="minor"/>
         </p:style>
         <p:txBody>
-          <a:bodyPr tIns="91440" bIns="91440" anchor="ctr">
+          <a:bodyPr lIns="90000" rIns="90000" tIns="91440" bIns="91440" anchor="ctr">
             <a:noAutofit/>
           </a:bodyPr>
           <a:p>
@@ -8686,6 +8688,7 @@
                 <a:srgbClr val="000000"/>
               </a:solidFill>
               <a:latin typeface="Arial"/>
+              <a:ea typeface="DejaVu Sans"/>
             </a:endParaRPr>
           </a:p>
         </p:txBody>
@@ -8702,19 +8705,19 @@
         </p:nvSpPr>
         <p:spPr>
           <a:xfrm>
-            <a:off x="411120" y="644400"/>
-            <a:ext cx="8282160" cy="2108520"/>
-          </a:xfrm>
-          <a:prstGeom prst="rect">
-            <a:avLst/>
-          </a:prstGeom>
-          <a:noFill/>
-          <a:ln w="0">
-            <a:noFill/>
-          </a:ln>
-        </p:spPr>
-        <p:txBody>
-          <a:bodyPr tIns="91440" bIns="91440" anchor="b">
+            <a:off x="430920" y="1889640"/>
+            <a:ext cx="8281800" cy="1515960"/>
+          </a:xfrm>
+          <a:prstGeom prst="rect">
+            <a:avLst/>
+          </a:prstGeom>
+          <a:noFill/>
+          <a:ln w="0">
+            <a:noFill/>
+          </a:ln>
+        </p:spPr>
+        <p:txBody>
+          <a:bodyPr lIns="0" rIns="0" tIns="0" bIns="0" anchor="ctr">
             <a:noAutofit/>
           </a:bodyPr>
           <a:p>
@@ -8722,7 +8725,7 @@
               <a:buNone/>
             </a:pPr>
             <a:r>
-              <a:rPr b="0" lang="en-AU" sz="6000" spc="-1" strike="noStrike">
+              <a:rPr b="0" lang="en-AU" sz="1800" spc="-1" strike="noStrike">
                 <a:solidFill>
                   <a:srgbClr val="000000"/>
                 </a:solidFill>
@@ -8730,7 +8733,7 @@
               </a:rPr>
               <a:t>Click to edit the title text format</a:t>
             </a:r>
-            <a:endParaRPr b="0" lang="en-AU" sz="6000" spc="-1" strike="noStrike">
+            <a:endParaRPr b="0" lang="en-AU" sz="1800" spc="-1" strike="noStrike">
               <a:solidFill>
                 <a:srgbClr val="000000"/>
               </a:solidFill>
@@ -8752,18 +8755,18 @@
         <p:spPr>
           <a:xfrm>
             <a:off x="8472600" y="4663080"/>
-            <a:ext cx="548280" cy="393120"/>
-          </a:xfrm>
-          <a:prstGeom prst="rect">
-            <a:avLst/>
-          </a:prstGeom>
-          <a:noFill/>
-          <a:ln w="0">
-            <a:noFill/>
-          </a:ln>
-        </p:spPr>
-        <p:txBody>
-          <a:bodyPr tIns="91440" bIns="91440" anchor="ctr">
+            <a:ext cx="547920" cy="392760"/>
+          </a:xfrm>
+          <a:prstGeom prst="rect">
+            <a:avLst/>
+          </a:prstGeom>
+          <a:noFill/>
+          <a:ln w="0">
+            <a:noFill/>
+          </a:ln>
+        </p:spPr>
+        <p:txBody>
+          <a:bodyPr lIns="90000" rIns="90000" tIns="91440" bIns="91440" anchor="ctr">
             <a:noAutofit/>
           </a:bodyPr>
           <a:lstStyle>
@@ -8794,7 +8797,7 @@
                 <a:tab algn="l" pos="0"/>
               </a:tabLst>
             </a:pPr>
-            <a:fld id="{4E494D28-38E2-4980-9453-44F1856B3E16}" type="slidenum">
+            <a:fld id="{E50AF0D6-6EBC-4A01-92B0-FABADB6683E5}" type="slidenum">
               <a:rPr b="0" lang="en-GB" sz="1000" spc="-1" strike="noStrike">
                 <a:solidFill>
                   <a:schemeClr val="dk2"/>
@@ -8853,7 +8856,7 @@
               <a:buChar char=""/>
             </a:pPr>
             <a:r>
-              <a:rPr b="0" lang="en-AU" sz="1400" spc="-1" strike="noStrike">
+              <a:rPr b="0" lang="en-AU" sz="3200" spc="-1" strike="noStrike">
                 <a:solidFill>
                   <a:srgbClr val="000000"/>
                 </a:solidFill>
@@ -8861,7 +8864,7 @@
               </a:rPr>
               <a:t>Click to edit the outline text format</a:t>
             </a:r>
-            <a:endParaRPr b="0" lang="en-AU" sz="1400" spc="-1" strike="noStrike">
+            <a:endParaRPr b="0" lang="en-AU" sz="3200" spc="-1" strike="noStrike">
               <a:solidFill>
                 <a:srgbClr val="000000"/>
               </a:solidFill>
@@ -8881,7 +8884,7 @@
               <a:buChar char=""/>
             </a:pPr>
             <a:r>
-              <a:rPr b="0" lang="en-AU" sz="1400" spc="-1" strike="noStrike">
+              <a:rPr b="0" lang="en-AU" sz="2800" spc="-1" strike="noStrike">
                 <a:solidFill>
                   <a:srgbClr val="000000"/>
                 </a:solidFill>
@@ -8889,7 +8892,7 @@
               </a:rPr>
               <a:t>Second Outline Level</a:t>
             </a:r>
-            <a:endParaRPr b="0" lang="en-AU" sz="1400" spc="-1" strike="noStrike">
+            <a:endParaRPr b="0" lang="en-AU" sz="2800" spc="-1" strike="noStrike">
               <a:solidFill>
                 <a:srgbClr val="000000"/>
               </a:solidFill>
@@ -8909,7 +8912,7 @@
               <a:buChar char=""/>
             </a:pPr>
             <a:r>
-              <a:rPr b="0" lang="en-AU" sz="1400" spc="-1" strike="noStrike">
+              <a:rPr b="0" lang="en-AU" sz="2400" spc="-1" strike="noStrike">
                 <a:solidFill>
                   <a:srgbClr val="000000"/>
                 </a:solidFill>
@@ -8917,7 +8920,7 @@
               </a:rPr>
               <a:t>Third Outline Level</a:t>
             </a:r>
-            <a:endParaRPr b="0" lang="en-AU" sz="1400" spc="-1" strike="noStrike">
+            <a:endParaRPr b="0" lang="en-AU" sz="2400" spc="-1" strike="noStrike">
               <a:solidFill>
                 <a:srgbClr val="000000"/>
               </a:solidFill>
@@ -8937,7 +8940,7 @@
               <a:buChar char=""/>
             </a:pPr>
             <a:r>
-              <a:rPr b="0" lang="en-AU" sz="1400" spc="-1" strike="noStrike">
+              <a:rPr b="0" lang="en-AU" sz="2000" spc="-1" strike="noStrike">
                 <a:solidFill>
                   <a:srgbClr val="000000"/>
                 </a:solidFill>
@@ -8945,7 +8948,7 @@
               </a:rPr>
               <a:t>Fourth Outline Level</a:t>
             </a:r>
-            <a:endParaRPr b="0" lang="en-AU" sz="1400" spc="-1" strike="noStrike">
+            <a:endParaRPr b="0" lang="en-AU" sz="2000" spc="-1" strike="noStrike">
               <a:solidFill>
                 <a:srgbClr val="000000"/>
               </a:solidFill>
@@ -9091,7 +9094,7 @@
         <p:spPr>
           <a:xfrm>
             <a:off x="4572000" y="0"/>
-            <a:ext cx="4571640" cy="5143320"/>
+            <a:ext cx="4571280" cy="5142960"/>
           </a:xfrm>
           <a:prstGeom prst="rect">
             <a:avLst/>
@@ -9110,7 +9113,7 @@
           <a:fontRef idx="minor"/>
         </p:style>
         <p:txBody>
-          <a:bodyPr tIns="91440" bIns="91440" anchor="ctr">
+          <a:bodyPr lIns="90000" rIns="90000" tIns="91440" bIns="91440" anchor="ctr">
             <a:noAutofit/>
           </a:bodyPr>
           <a:p>
@@ -9127,6 +9130,7 @@
                 <a:srgbClr val="000000"/>
               </a:solidFill>
               <a:latin typeface="Arial"/>
+              <a:ea typeface="DejaVu Sans"/>
             </a:endParaRPr>
           </a:p>
         </p:txBody>
@@ -9138,32 +9142,106 @@
             <a:spLocks noGrp="1"/>
           </p:cNvSpPr>
           <p:nvPr>
+            <p:ph type="sldNum" idx="2"/>
+          </p:nvPr>
+        </p:nvSpPr>
+        <p:spPr>
+          <a:xfrm>
+            <a:off x="8472600" y="4663080"/>
+            <a:ext cx="547920" cy="392760"/>
+          </a:xfrm>
+          <a:prstGeom prst="rect">
+            <a:avLst/>
+          </a:prstGeom>
+          <a:noFill/>
+          <a:ln w="0">
+            <a:noFill/>
+          </a:ln>
+        </p:spPr>
+        <p:txBody>
+          <a:bodyPr lIns="90000" rIns="90000" tIns="91440" bIns="91440" anchor="ctr">
+            <a:noAutofit/>
+          </a:bodyPr>
+          <a:lstStyle>
+            <a:lvl1pPr indent="0" algn="r">
+              <a:lnSpc>
+                <a:spcPct val="100000"/>
+              </a:lnSpc>
+              <a:buNone/>
+              <a:tabLst>
+                <a:tab algn="l" pos="0"/>
+              </a:tabLst>
+              <a:defRPr b="0" lang="en-GB" sz="1000" spc="-1" strike="noStrike">
+                <a:solidFill>
+                  <a:schemeClr val="dk2"/>
+                </a:solidFill>
+                <a:latin typeface="Source Code Pro"/>
+                <a:ea typeface="Source Code Pro"/>
+              </a:defRPr>
+            </a:lvl1pPr>
+          </a:lstStyle>
+          <a:p>
+            <a:pPr indent="0" algn="r">
+              <a:lnSpc>
+                <a:spcPct val="100000"/>
+              </a:lnSpc>
+              <a:buNone/>
+              <a:tabLst>
+                <a:tab algn="l" pos="0"/>
+              </a:tabLst>
+            </a:pPr>
+            <a:fld id="{5F3FDE8E-D976-4DD2-A936-FB314DAC4C69}" type="slidenum">
+              <a:rPr b="0" lang="en-GB" sz="1000" spc="-1" strike="noStrike">
+                <a:solidFill>
+                  <a:schemeClr val="dk2"/>
+                </a:solidFill>
+                <a:latin typeface="Source Code Pro"/>
+                <a:ea typeface="Source Code Pro"/>
+              </a:rPr>
+              <a:t>&lt;number&gt;</a:t>
+            </a:fld>
+            <a:endParaRPr b="0" lang="en-AU" sz="1000" spc="-1" strike="noStrike">
+              <a:solidFill>
+                <a:srgbClr val="000000"/>
+              </a:solidFill>
+              <a:latin typeface="Times New Roman"/>
+            </a:endParaRPr>
+          </a:p>
+        </p:txBody>
+      </p:sp>
+      <p:sp>
+        <p:nvSpPr>
+          <p:cNvPr id="43" name="PlaceHolder 2"/>
+          <p:cNvSpPr>
+            <a:spLocks noGrp="1"/>
+          </p:cNvSpPr>
+          <p:nvPr>
             <p:ph type="title"/>
           </p:nvPr>
         </p:nvSpPr>
         <p:spPr>
           <a:xfrm>
-            <a:off x="265680" y="1078920"/>
-            <a:ext cx="4044960" cy="1788840"/>
-          </a:xfrm>
-          <a:prstGeom prst="rect">
-            <a:avLst/>
-          </a:prstGeom>
-          <a:noFill/>
-          <a:ln w="0">
-            <a:noFill/>
-          </a:ln>
-        </p:spPr>
-        <p:txBody>
-          <a:bodyPr tIns="91440" bIns="91440" anchor="b">
+            <a:off x="457200" y="205200"/>
+            <a:ext cx="8229240" cy="858600"/>
+          </a:xfrm>
+          <a:prstGeom prst="rect">
+            <a:avLst/>
+          </a:prstGeom>
+          <a:noFill/>
+          <a:ln w="0">
+            <a:noFill/>
+          </a:ln>
+        </p:spPr>
+        <p:txBody>
+          <a:bodyPr lIns="0" rIns="0" tIns="0" bIns="0" anchor="ctr">
             <a:noAutofit/>
           </a:bodyPr>
           <a:p>
-            <a:pPr indent="0">
-              <a:buNone/>
-            </a:pPr>
-            <a:r>
-              <a:rPr b="0" lang="en-AU" sz="4000" spc="-1" strike="noStrike">
+            <a:pPr indent="0" algn="ctr">
+              <a:buNone/>
+            </a:pPr>
+            <a:r>
+              <a:rPr b="0" lang="en-AU" sz="4400" spc="-1" strike="noStrike">
                 <a:solidFill>
                   <a:srgbClr val="000000"/>
                 </a:solidFill>
@@ -9171,18 +9249,18 @@
               </a:rPr>
               <a:t>Click to edit the title text format</a:t>
             </a:r>
-            <a:endParaRPr b="0" lang="en-AU" sz="4000" spc="-1" strike="noStrike">
-              <a:solidFill>
-                <a:srgbClr val="000000"/>
-              </a:solidFill>
-              <a:latin typeface="Arial"/>
-            </a:endParaRPr>
-          </a:p>
-        </p:txBody>
-      </p:sp>
-      <p:sp>
-        <p:nvSpPr>
-          <p:cNvPr id="43" name="PlaceHolder 2"/>
+            <a:endParaRPr b="0" lang="en-AU" sz="4400" spc="-1" strike="noStrike">
+              <a:solidFill>
+                <a:srgbClr val="000000"/>
+              </a:solidFill>
+              <a:latin typeface="Arial"/>
+            </a:endParaRPr>
+          </a:p>
+        </p:txBody>
+      </p:sp>
+      <p:sp>
+        <p:nvSpPr>
+          <p:cNvPr id="44" name="PlaceHolder 3"/>
           <p:cNvSpPr>
             <a:spLocks noGrp="1"/>
           </p:cNvSpPr>
@@ -9192,20 +9270,20 @@
         </p:nvSpPr>
         <p:spPr>
           <a:xfrm>
-            <a:off x="4939560" y="724320"/>
-            <a:ext cx="3836520" cy="3694680"/>
-          </a:xfrm>
-          <a:prstGeom prst="rect">
-            <a:avLst/>
-          </a:prstGeom>
-          <a:noFill/>
-          <a:ln w="0">
-            <a:noFill/>
-          </a:ln>
-        </p:spPr>
-        <p:txBody>
-          <a:bodyPr tIns="91440" bIns="91440" anchor="ctr">
-            <a:noAutofit/>
+            <a:off x="457200" y="1203480"/>
+            <a:ext cx="8229240" cy="2982960"/>
+          </a:xfrm>
+          <a:prstGeom prst="rect">
+            <a:avLst/>
+          </a:prstGeom>
+          <a:noFill/>
+          <a:ln w="0">
+            <a:noFill/>
+          </a:ln>
+        </p:spPr>
+        <p:txBody>
+          <a:bodyPr lIns="0" rIns="0" tIns="0" bIns="0" anchor="t">
+            <a:normAutofit/>
           </a:bodyPr>
           <a:p>
             <a:pPr marL="432000" indent="-324000">
@@ -9220,7 +9298,7 @@
               <a:buChar char=""/>
             </a:pPr>
             <a:r>
-              <a:rPr b="0" lang="en-AU" sz="1400" spc="-1" strike="noStrike">
+              <a:rPr b="0" lang="en-AU" sz="3200" spc="-1" strike="noStrike">
                 <a:solidFill>
                   <a:srgbClr val="000000"/>
                 </a:solidFill>
@@ -9228,7 +9306,7 @@
               </a:rPr>
               <a:t>Click to edit the outline text format</a:t>
             </a:r>
-            <a:endParaRPr b="0" lang="en-AU" sz="1400" spc="-1" strike="noStrike">
+            <a:endParaRPr b="0" lang="en-AU" sz="3200" spc="-1" strike="noStrike">
               <a:solidFill>
                 <a:srgbClr val="000000"/>
               </a:solidFill>
@@ -9248,7 +9326,7 @@
               <a:buChar char=""/>
             </a:pPr>
             <a:r>
-              <a:rPr b="0" lang="en-AU" sz="1400" spc="-1" strike="noStrike">
+              <a:rPr b="0" lang="en-AU" sz="2800" spc="-1" strike="noStrike">
                 <a:solidFill>
                   <a:srgbClr val="000000"/>
                 </a:solidFill>
@@ -9256,7 +9334,7 @@
               </a:rPr>
               <a:t>Second Outline Level</a:t>
             </a:r>
-            <a:endParaRPr b="0" lang="en-AU" sz="1400" spc="-1" strike="noStrike">
+            <a:endParaRPr b="0" lang="en-AU" sz="2800" spc="-1" strike="noStrike">
               <a:solidFill>
                 <a:srgbClr val="000000"/>
               </a:solidFill>
@@ -9276,7 +9354,7 @@
               <a:buChar char=""/>
             </a:pPr>
             <a:r>
-              <a:rPr b="0" lang="en-AU" sz="1400" spc="-1" strike="noStrike">
+              <a:rPr b="0" lang="en-AU" sz="2400" spc="-1" strike="noStrike">
                 <a:solidFill>
                   <a:srgbClr val="000000"/>
                 </a:solidFill>
@@ -9284,7 +9362,7 @@
               </a:rPr>
               <a:t>Third Outline Level</a:t>
             </a:r>
-            <a:endParaRPr b="0" lang="en-AU" sz="1400" spc="-1" strike="noStrike">
+            <a:endParaRPr b="0" lang="en-AU" sz="2400" spc="-1" strike="noStrike">
               <a:solidFill>
                 <a:srgbClr val="000000"/>
               </a:solidFill>
@@ -9304,7 +9382,7 @@
               <a:buChar char=""/>
             </a:pPr>
             <a:r>
-              <a:rPr b="0" lang="en-AU" sz="1400" spc="-1" strike="noStrike">
+              <a:rPr b="0" lang="en-AU" sz="2000" spc="-1" strike="noStrike">
                 <a:solidFill>
                   <a:srgbClr val="000000"/>
                 </a:solidFill>
@@ -9312,7 +9390,7 @@
               </a:rPr>
               <a:t>Fourth Outline Level</a:t>
             </a:r>
-            <a:endParaRPr b="0" lang="en-AU" sz="1400" spc="-1" strike="noStrike">
+            <a:endParaRPr b="0" lang="en-AU" sz="2000" spc="-1" strike="noStrike">
               <a:solidFill>
                 <a:srgbClr val="000000"/>
               </a:solidFill>
@@ -9332,7 +9410,7 @@
               <a:buChar char=""/>
             </a:pPr>
             <a:r>
-              <a:rPr b="0" lang="en-AU" sz="1400" spc="-1" strike="noStrike">
+              <a:rPr b="0" lang="en-AU" sz="2000" spc="-1" strike="noStrike">
                 <a:solidFill>
                   <a:srgbClr val="000000"/>
                 </a:solidFill>
@@ -9340,7 +9418,7 @@
               </a:rPr>
               <a:t>Fifth Outline Level</a:t>
             </a:r>
-            <a:endParaRPr b="0" lang="en-AU" sz="1400" spc="-1" strike="noStrike">
+            <a:endParaRPr b="0" lang="en-AU" sz="2000" spc="-1" strike="noStrike">
               <a:solidFill>
                 <a:srgbClr val="000000"/>
               </a:solidFill>
@@ -9360,7 +9438,7 @@
               <a:buChar char=""/>
             </a:pPr>
             <a:r>
-              <a:rPr b="0" lang="en-AU" sz="1400" spc="-1" strike="noStrike">
+              <a:rPr b="0" lang="en-AU" sz="2000" spc="-1" strike="noStrike">
                 <a:solidFill>
                   <a:srgbClr val="000000"/>
                 </a:solidFill>
@@ -9368,7 +9446,7 @@
               </a:rPr>
               <a:t>Sixth Outline Level</a:t>
             </a:r>
-            <a:endParaRPr b="0" lang="en-AU" sz="1400" spc="-1" strike="noStrike">
+            <a:endParaRPr b="0" lang="en-AU" sz="2000" spc="-1" strike="noStrike">
               <a:solidFill>
                 <a:srgbClr val="000000"/>
               </a:solidFill>
@@ -9388,7 +9466,7 @@
               <a:buChar char=""/>
             </a:pPr>
             <a:r>
-              <a:rPr b="0" lang="en-AU" sz="1400" spc="-1" strike="noStrike">
+              <a:rPr b="0" lang="en-AU" sz="2000" spc="-1" strike="noStrike">
                 <a:solidFill>
                   <a:srgbClr val="000000"/>
                 </a:solidFill>
@@ -9396,85 +9474,11 @@
               </a:rPr>
               <a:t>Seventh Outline Level</a:t>
             </a:r>
-            <a:endParaRPr b="0" lang="en-AU" sz="1400" spc="-1" strike="noStrike">
-              <a:solidFill>
-                <a:srgbClr val="000000"/>
-              </a:solidFill>
-              <a:latin typeface="Arial"/>
-            </a:endParaRPr>
-          </a:p>
-        </p:txBody>
-      </p:sp>
-      <p:sp>
-        <p:nvSpPr>
-          <p:cNvPr id="44" name="PlaceHolder 3"/>
-          <p:cNvSpPr>
-            <a:spLocks noGrp="1"/>
-          </p:cNvSpPr>
-          <p:nvPr>
-            <p:ph type="sldNum" idx="2"/>
-          </p:nvPr>
-        </p:nvSpPr>
-        <p:spPr>
-          <a:xfrm>
-            <a:off x="8472600" y="4663080"/>
-            <a:ext cx="548280" cy="393120"/>
-          </a:xfrm>
-          <a:prstGeom prst="rect">
-            <a:avLst/>
-          </a:prstGeom>
-          <a:noFill/>
-          <a:ln w="0">
-            <a:noFill/>
-          </a:ln>
-        </p:spPr>
-        <p:txBody>
-          <a:bodyPr tIns="91440" bIns="91440" anchor="ctr">
-            <a:noAutofit/>
-          </a:bodyPr>
-          <a:lstStyle>
-            <a:lvl1pPr indent="0" algn="r">
-              <a:lnSpc>
-                <a:spcPct val="100000"/>
-              </a:lnSpc>
-              <a:buNone/>
-              <a:tabLst>
-                <a:tab algn="l" pos="0"/>
-              </a:tabLst>
-              <a:defRPr b="0" lang="en-GB" sz="1000" spc="-1" strike="noStrike">
-                <a:solidFill>
-                  <a:schemeClr val="dk2"/>
-                </a:solidFill>
-                <a:latin typeface="Source Code Pro"/>
-                <a:ea typeface="Source Code Pro"/>
-              </a:defRPr>
-            </a:lvl1pPr>
-          </a:lstStyle>
-          <a:p>
-            <a:pPr indent="0" algn="r">
-              <a:lnSpc>
-                <a:spcPct val="100000"/>
-              </a:lnSpc>
-              <a:buNone/>
-              <a:tabLst>
-                <a:tab algn="l" pos="0"/>
-              </a:tabLst>
-            </a:pPr>
-            <a:fld id="{3A8A12BE-A4C8-4806-A78A-7DA1711E8589}" type="slidenum">
-              <a:rPr b="0" lang="en-GB" sz="1000" spc="-1" strike="noStrike">
-                <a:solidFill>
-                  <a:schemeClr val="dk2"/>
-                </a:solidFill>
-                <a:latin typeface="Source Code Pro"/>
-                <a:ea typeface="Source Code Pro"/>
-              </a:rPr>
-              <a:t>&lt;number&gt;</a:t>
-            </a:fld>
-            <a:endParaRPr b="0" lang="en-AU" sz="1000" spc="-1" strike="noStrike">
-              <a:solidFill>
-                <a:srgbClr val="000000"/>
-              </a:solidFill>
-              <a:latin typeface="Times New Roman"/>
+            <a:endParaRPr b="0" lang="en-AU" sz="2000" spc="-1" strike="noStrike">
+              <a:solidFill>
+                <a:srgbClr val="000000"/>
+              </a:solidFill>
+              <a:latin typeface="Arial"/>
             </a:endParaRPr>
           </a:p>
         </p:txBody>
@@ -9536,18 +9540,18 @@
         <p:spPr>
           <a:xfrm>
             <a:off x="8472600" y="4663080"/>
-            <a:ext cx="548280" cy="393120"/>
-          </a:xfrm>
-          <a:prstGeom prst="rect">
-            <a:avLst/>
-          </a:prstGeom>
-          <a:noFill/>
-          <a:ln w="0">
-            <a:noFill/>
-          </a:ln>
-        </p:spPr>
-        <p:txBody>
-          <a:bodyPr tIns="91440" bIns="91440" anchor="ctr">
+            <a:ext cx="547920" cy="392760"/>
+          </a:xfrm>
+          <a:prstGeom prst="rect">
+            <a:avLst/>
+          </a:prstGeom>
+          <a:noFill/>
+          <a:ln w="0">
+            <a:noFill/>
+          </a:ln>
+        </p:spPr>
+        <p:txBody>
+          <a:bodyPr lIns="90000" rIns="90000" tIns="91440" bIns="91440" anchor="ctr">
             <a:noAutofit/>
           </a:bodyPr>
           <a:lstStyle>
@@ -9578,7 +9582,7 @@
                 <a:tab algn="l" pos="0"/>
               </a:tabLst>
             </a:pPr>
-            <a:fld id="{94835318-3DB4-4B4F-8712-E5F692B484BE}" type="slidenum">
+            <a:fld id="{D100B3C7-1B6A-4544-BA0E-55B2F6D1ABF7}" type="slidenum">
               <a:rPr b="0" lang="en-GB" sz="1000" spc="-1" strike="noStrike">
                 <a:solidFill>
                   <a:schemeClr val="dk2"/>
@@ -9625,11 +9629,11 @@
             <a:noAutofit/>
           </a:bodyPr>
           <a:p>
-            <a:pPr indent="0">
-              <a:buNone/>
-            </a:pPr>
-            <a:r>
-              <a:rPr b="0" lang="en-AU" sz="1400" spc="-1" strike="noStrike">
+            <a:pPr indent="0" algn="ctr">
+              <a:buNone/>
+            </a:pPr>
+            <a:r>
+              <a:rPr b="0" lang="en-AU" sz="4400" spc="-1" strike="noStrike">
                 <a:solidFill>
                   <a:srgbClr val="000000"/>
                 </a:solidFill>
@@ -9637,7 +9641,7 @@
               </a:rPr>
               <a:t>Click to edit the title text format</a:t>
             </a:r>
-            <a:endParaRPr b="0" lang="en-AU" sz="1400" spc="-1" strike="noStrike">
+            <a:endParaRPr b="0" lang="en-AU" sz="4400" spc="-1" strike="noStrike">
               <a:solidFill>
                 <a:srgbClr val="000000"/>
               </a:solidFill>
@@ -9686,7 +9690,7 @@
               <a:buChar char=""/>
             </a:pPr>
             <a:r>
-              <a:rPr b="0" lang="en-AU" sz="1400" spc="-1" strike="noStrike">
+              <a:rPr b="0" lang="en-AU" sz="3200" spc="-1" strike="noStrike">
                 <a:solidFill>
                   <a:srgbClr val="000000"/>
                 </a:solidFill>
@@ -9694,7 +9698,7 @@
               </a:rPr>
               <a:t>Click to edit the outline text format</a:t>
             </a:r>
-            <a:endParaRPr b="0" lang="en-AU" sz="1400" spc="-1" strike="noStrike">
+            <a:endParaRPr b="0" lang="en-AU" sz="3200" spc="-1" strike="noStrike">
               <a:solidFill>
                 <a:srgbClr val="000000"/>
               </a:solidFill>
@@ -9714,7 +9718,7 @@
               <a:buChar char=""/>
             </a:pPr>
             <a:r>
-              <a:rPr b="0" lang="en-AU" sz="1400" spc="-1" strike="noStrike">
+              <a:rPr b="0" lang="en-AU" sz="2800" spc="-1" strike="noStrike">
                 <a:solidFill>
                   <a:srgbClr val="000000"/>
                 </a:solidFill>
@@ -9722,7 +9726,7 @@
               </a:rPr>
               <a:t>Second Outline Level</a:t>
             </a:r>
-            <a:endParaRPr b="0" lang="en-AU" sz="1400" spc="-1" strike="noStrike">
+            <a:endParaRPr b="0" lang="en-AU" sz="2800" spc="-1" strike="noStrike">
               <a:solidFill>
                 <a:srgbClr val="000000"/>
               </a:solidFill>
@@ -9742,7 +9746,7 @@
               <a:buChar char=""/>
             </a:pPr>
             <a:r>
-              <a:rPr b="0" lang="en-AU" sz="1400" spc="-1" strike="noStrike">
+              <a:rPr b="0" lang="en-AU" sz="2400" spc="-1" strike="noStrike">
                 <a:solidFill>
                   <a:srgbClr val="000000"/>
                 </a:solidFill>
@@ -9750,7 +9754,7 @@
               </a:rPr>
               <a:t>Third Outline Level</a:t>
             </a:r>
-            <a:endParaRPr b="0" lang="en-AU" sz="1400" spc="-1" strike="noStrike">
+            <a:endParaRPr b="0" lang="en-AU" sz="2400" spc="-1" strike="noStrike">
               <a:solidFill>
                 <a:srgbClr val="000000"/>
               </a:solidFill>
@@ -9770,7 +9774,7 @@
               <a:buChar char=""/>
             </a:pPr>
             <a:r>
-              <a:rPr b="0" lang="en-AU" sz="1400" spc="-1" strike="noStrike">
+              <a:rPr b="0" lang="en-AU" sz="2000" spc="-1" strike="noStrike">
                 <a:solidFill>
                   <a:srgbClr val="000000"/>
                 </a:solidFill>
@@ -9778,7 +9782,7 @@
               </a:rPr>
               <a:t>Fourth Outline Level</a:t>
             </a:r>
-            <a:endParaRPr b="0" lang="en-AU" sz="1400" spc="-1" strike="noStrike">
+            <a:endParaRPr b="0" lang="en-AU" sz="2000" spc="-1" strike="noStrike">
               <a:solidFill>
                 <a:srgbClr val="000000"/>
               </a:solidFill>
@@ -9924,7 +9928,7 @@
         <p:spPr>
           <a:xfrm>
             <a:off x="0" y="1567440"/>
-            <a:ext cx="9143640" cy="2008440"/>
+            <a:ext cx="9143280" cy="2008080"/>
           </a:xfrm>
           <a:prstGeom prst="rect">
             <a:avLst/>
@@ -9943,7 +9947,7 @@
           <a:fontRef idx="minor"/>
         </p:style>
         <p:txBody>
-          <a:bodyPr tIns="91440" bIns="91440" anchor="ctr">
+          <a:bodyPr lIns="90000" rIns="90000" tIns="91440" bIns="91440" anchor="ctr">
             <a:noAutofit/>
           </a:bodyPr>
           <a:p>
@@ -9960,6 +9964,7 @@
                 <a:srgbClr val="000000"/>
               </a:solidFill>
               <a:latin typeface="Arial"/>
+              <a:ea typeface="DejaVu Sans"/>
             </a:endParaRPr>
           </a:p>
         </p:txBody>
@@ -9971,73 +9976,24 @@
             <a:spLocks noGrp="1"/>
           </p:cNvSpPr>
           <p:nvPr>
-            <p:ph type="title"/>
-          </p:nvPr>
-        </p:nvSpPr>
-        <p:spPr>
-          <a:xfrm>
-            <a:off x="430920" y="1889640"/>
-            <a:ext cx="8282160" cy="1516320"/>
-          </a:xfrm>
-          <a:prstGeom prst="rect">
-            <a:avLst/>
-          </a:prstGeom>
-          <a:noFill/>
-          <a:ln w="0">
-            <a:noFill/>
-          </a:ln>
-        </p:spPr>
-        <p:txBody>
-          <a:bodyPr tIns="91440" bIns="91440" anchor="ctr">
-            <a:noAutofit/>
-          </a:bodyPr>
-          <a:p>
-            <a:pPr indent="0">
-              <a:buNone/>
-            </a:pPr>
-            <a:r>
-              <a:rPr b="0" lang="en-AU" sz="3600" spc="-1" strike="noStrike">
-                <a:solidFill>
-                  <a:srgbClr val="000000"/>
-                </a:solidFill>
-                <a:latin typeface="Arial"/>
-              </a:rPr>
-              <a:t>Click to edit the title text format</a:t>
-            </a:r>
-            <a:endParaRPr b="0" lang="en-AU" sz="3600" spc="-1" strike="noStrike">
-              <a:solidFill>
-                <a:srgbClr val="000000"/>
-              </a:solidFill>
-              <a:latin typeface="Arial"/>
-            </a:endParaRPr>
-          </a:p>
-        </p:txBody>
-      </p:sp>
-      <p:sp>
-        <p:nvSpPr>
-          <p:cNvPr id="122" name="PlaceHolder 2"/>
-          <p:cNvSpPr>
-            <a:spLocks noGrp="1"/>
-          </p:cNvSpPr>
-          <p:nvPr>
             <p:ph type="sldNum" idx="4"/>
           </p:nvPr>
         </p:nvSpPr>
         <p:spPr>
           <a:xfrm>
             <a:off x="8472600" y="4663080"/>
-            <a:ext cx="548280" cy="393120"/>
-          </a:xfrm>
-          <a:prstGeom prst="rect">
-            <a:avLst/>
-          </a:prstGeom>
-          <a:noFill/>
-          <a:ln w="0">
-            <a:noFill/>
-          </a:ln>
-        </p:spPr>
-        <p:txBody>
-          <a:bodyPr tIns="91440" bIns="91440" anchor="ctr">
+            <a:ext cx="547920" cy="392760"/>
+          </a:xfrm>
+          <a:prstGeom prst="rect">
+            <a:avLst/>
+          </a:prstGeom>
+          <a:noFill/>
+          <a:ln w="0">
+            <a:noFill/>
+          </a:ln>
+        </p:spPr>
+        <p:txBody>
+          <a:bodyPr lIns="90000" rIns="90000" tIns="91440" bIns="91440" anchor="ctr">
             <a:noAutofit/>
           </a:bodyPr>
           <a:lstStyle>
@@ -10068,7 +10024,7 @@
                 <a:tab algn="l" pos="0"/>
               </a:tabLst>
             </a:pPr>
-            <a:fld id="{40294C7D-3A92-4FCA-93BD-97B12159105E}" type="slidenum">
+            <a:fld id="{A76125CF-3E47-41EE-B9E2-CC8FF83605DE}" type="slidenum">
               <a:rPr b="0" lang="en-GB" sz="1000" spc="-1" strike="noStrike">
                 <a:solidFill>
                   <a:schemeClr val="dk2"/>
@@ -10083,6 +10039,55 @@
                 <a:srgbClr val="000000"/>
               </a:solidFill>
               <a:latin typeface="Times New Roman"/>
+            </a:endParaRPr>
+          </a:p>
+        </p:txBody>
+      </p:sp>
+      <p:sp>
+        <p:nvSpPr>
+          <p:cNvPr id="122" name="PlaceHolder 2"/>
+          <p:cNvSpPr>
+            <a:spLocks noGrp="1"/>
+          </p:cNvSpPr>
+          <p:nvPr>
+            <p:ph type="title"/>
+          </p:nvPr>
+        </p:nvSpPr>
+        <p:spPr>
+          <a:xfrm>
+            <a:off x="457200" y="205200"/>
+            <a:ext cx="8229240" cy="858600"/>
+          </a:xfrm>
+          <a:prstGeom prst="rect">
+            <a:avLst/>
+          </a:prstGeom>
+          <a:noFill/>
+          <a:ln w="0">
+            <a:noFill/>
+          </a:ln>
+        </p:spPr>
+        <p:txBody>
+          <a:bodyPr lIns="0" rIns="0" tIns="0" bIns="0" anchor="ctr">
+            <a:noAutofit/>
+          </a:bodyPr>
+          <a:p>
+            <a:pPr indent="0" algn="ctr">
+              <a:buNone/>
+            </a:pPr>
+            <a:r>
+              <a:rPr b="0" lang="en-AU" sz="4400" spc="-1" strike="noStrike">
+                <a:solidFill>
+                  <a:srgbClr val="000000"/>
+                </a:solidFill>
+                <a:latin typeface="Arial"/>
+              </a:rPr>
+              <a:t>Click to edit the title text format</a:t>
+            </a:r>
+            <a:endParaRPr b="0" lang="en-AU" sz="4400" spc="-1" strike="noStrike">
+              <a:solidFill>
+                <a:srgbClr val="000000"/>
+              </a:solidFill>
+              <a:latin typeface="Arial"/>
             </a:endParaRPr>
           </a:p>
         </p:txBody>
@@ -10127,7 +10132,7 @@
               <a:buChar char=""/>
             </a:pPr>
             <a:r>
-              <a:rPr b="0" lang="en-AU" sz="1400" spc="-1" strike="noStrike">
+              <a:rPr b="0" lang="en-AU" sz="3200" spc="-1" strike="noStrike">
                 <a:solidFill>
                   <a:srgbClr val="000000"/>
                 </a:solidFill>
@@ -10135,7 +10140,7 @@
               </a:rPr>
               <a:t>Click to edit the outline text format</a:t>
             </a:r>
-            <a:endParaRPr b="0" lang="en-AU" sz="1400" spc="-1" strike="noStrike">
+            <a:endParaRPr b="0" lang="en-AU" sz="3200" spc="-1" strike="noStrike">
               <a:solidFill>
                 <a:srgbClr val="000000"/>
               </a:solidFill>
@@ -10155,7 +10160,7 @@
               <a:buChar char=""/>
             </a:pPr>
             <a:r>
-              <a:rPr b="0" lang="en-AU" sz="1400" spc="-1" strike="noStrike">
+              <a:rPr b="0" lang="en-AU" sz="2800" spc="-1" strike="noStrike">
                 <a:solidFill>
                   <a:srgbClr val="000000"/>
                 </a:solidFill>
@@ -10163,7 +10168,7 @@
               </a:rPr>
               <a:t>Second Outline Level</a:t>
             </a:r>
-            <a:endParaRPr b="0" lang="en-AU" sz="1400" spc="-1" strike="noStrike">
+            <a:endParaRPr b="0" lang="en-AU" sz="2800" spc="-1" strike="noStrike">
               <a:solidFill>
                 <a:srgbClr val="000000"/>
               </a:solidFill>
@@ -10183,7 +10188,7 @@
               <a:buChar char=""/>
             </a:pPr>
             <a:r>
-              <a:rPr b="0" lang="en-AU" sz="1400" spc="-1" strike="noStrike">
+              <a:rPr b="0" lang="en-AU" sz="2400" spc="-1" strike="noStrike">
                 <a:solidFill>
                   <a:srgbClr val="000000"/>
                 </a:solidFill>
@@ -10191,7 +10196,7 @@
               </a:rPr>
               <a:t>Third Outline Level</a:t>
             </a:r>
-            <a:endParaRPr b="0" lang="en-AU" sz="1400" spc="-1" strike="noStrike">
+            <a:endParaRPr b="0" lang="en-AU" sz="2400" spc="-1" strike="noStrike">
               <a:solidFill>
                 <a:srgbClr val="000000"/>
               </a:solidFill>
@@ -10211,7 +10216,7 @@
               <a:buChar char=""/>
             </a:pPr>
             <a:r>
-              <a:rPr b="0" lang="en-AU" sz="1400" spc="-1" strike="noStrike">
+              <a:rPr b="0" lang="en-AU" sz="2000" spc="-1" strike="noStrike">
                 <a:solidFill>
                   <a:srgbClr val="000000"/>
                 </a:solidFill>
@@ -10219,7 +10224,7 @@
               </a:rPr>
               <a:t>Fourth Outline Level</a:t>
             </a:r>
-            <a:endParaRPr b="0" lang="en-AU" sz="1400" spc="-1" strike="noStrike">
+            <a:endParaRPr b="0" lang="en-AU" sz="2000" spc="-1" strike="noStrike">
               <a:solidFill>
                 <a:srgbClr val="000000"/>
               </a:solidFill>
@@ -10362,18 +10367,18 @@
         <p:spPr>
           <a:xfrm>
             <a:off x="411120" y="644400"/>
-            <a:ext cx="8282160" cy="2108520"/>
-          </a:xfrm>
-          <a:prstGeom prst="rect">
-            <a:avLst/>
-          </a:prstGeom>
-          <a:noFill/>
-          <a:ln w="0">
-            <a:noFill/>
-          </a:ln>
-        </p:spPr>
-        <p:txBody>
-          <a:bodyPr tIns="91440" bIns="91440" anchor="b">
+            <a:ext cx="8281800" cy="2108160"/>
+          </a:xfrm>
+          <a:prstGeom prst="rect">
+            <a:avLst/>
+          </a:prstGeom>
+          <a:noFill/>
+          <a:ln w="0">
+            <a:noFill/>
+          </a:ln>
+        </p:spPr>
+        <p:txBody>
+          <a:bodyPr lIns="0" rIns="0" tIns="91440" bIns="91440" anchor="b">
             <a:noAutofit/>
           </a:bodyPr>
           <a:p>
@@ -10418,18 +10423,18 @@
         <p:spPr>
           <a:xfrm>
             <a:off x="411120" y="3398400"/>
-            <a:ext cx="8282160" cy="1260360"/>
-          </a:xfrm>
-          <a:prstGeom prst="rect">
-            <a:avLst/>
-          </a:prstGeom>
-          <a:noFill/>
-          <a:ln w="0">
-            <a:noFill/>
-          </a:ln>
-        </p:spPr>
-        <p:txBody>
-          <a:bodyPr tIns="91440" bIns="91440" anchor="ctr">
+            <a:ext cx="8281800" cy="1260000"/>
+          </a:xfrm>
+          <a:prstGeom prst="rect">
+            <a:avLst/>
+          </a:prstGeom>
+          <a:noFill/>
+          <a:ln w="0">
+            <a:noFill/>
+          </a:ln>
+        </p:spPr>
+        <p:txBody>
+          <a:bodyPr lIns="0" rIns="0" tIns="91440" bIns="91440" anchor="ctr">
             <a:noAutofit/>
           </a:bodyPr>
           <a:p>
@@ -10507,18 +10512,18 @@
         <p:spPr>
           <a:xfrm>
             <a:off x="265680" y="1078920"/>
-            <a:ext cx="4044960" cy="1788840"/>
-          </a:xfrm>
-          <a:prstGeom prst="rect">
-            <a:avLst/>
-          </a:prstGeom>
-          <a:noFill/>
-          <a:ln w="0">
-            <a:noFill/>
-          </a:ln>
-        </p:spPr>
-        <p:txBody>
-          <a:bodyPr tIns="91440" bIns="91440" anchor="b">
+            <a:ext cx="4044600" cy="1788480"/>
+          </a:xfrm>
+          <a:prstGeom prst="rect">
+            <a:avLst/>
+          </a:prstGeom>
+          <a:noFill/>
+          <a:ln w="0">
+            <a:noFill/>
+          </a:ln>
+        </p:spPr>
+        <p:txBody>
+          <a:bodyPr lIns="90000" rIns="90000" tIns="91440" bIns="91440" anchor="b">
             <a:noAutofit/>
           </a:bodyPr>
           <a:p>
@@ -10563,18 +10568,18 @@
         <p:spPr>
           <a:xfrm>
             <a:off x="265680" y="2921400"/>
-            <a:ext cx="4044960" cy="1345320"/>
-          </a:xfrm>
-          <a:prstGeom prst="rect">
-            <a:avLst/>
-          </a:prstGeom>
-          <a:noFill/>
-          <a:ln w="0">
-            <a:noFill/>
-          </a:ln>
-        </p:spPr>
-        <p:txBody>
-          <a:bodyPr tIns="91440" bIns="91440" anchor="t">
+            <a:ext cx="4044600" cy="1344960"/>
+          </a:xfrm>
+          <a:prstGeom prst="rect">
+            <a:avLst/>
+          </a:prstGeom>
+          <a:noFill/>
+          <a:ln w="0">
+            <a:noFill/>
+          </a:ln>
+        </p:spPr>
+        <p:txBody>
+          <a:bodyPr lIns="90000" rIns="90000" tIns="91440" bIns="91440" anchor="t">
             <a:noAutofit/>
           </a:bodyPr>
           <a:p>
@@ -10661,7 +10666,7 @@
         <p:spPr>
           <a:xfrm>
             <a:off x="6371280" y="4774320"/>
-            <a:ext cx="2772720" cy="369000"/>
+            <a:ext cx="2772360" cy="368640"/>
           </a:xfrm>
           <a:prstGeom prst="rect">
             <a:avLst/>
@@ -10678,7 +10683,7 @@
           <a:fontRef idx="minor"/>
         </p:style>
         <p:txBody>
-          <a:bodyPr tIns="91440" bIns="91440" anchor="t">
+          <a:bodyPr lIns="90000" rIns="90000" tIns="91440" bIns="91440" anchor="t">
             <a:noAutofit/>
           </a:bodyPr>
           <a:p>
@@ -10718,7 +10723,7 @@
         <p:spPr>
           <a:xfrm>
             <a:off x="4713120" y="412920"/>
-            <a:ext cx="2117520" cy="1293120"/>
+            <a:ext cx="2117160" cy="1292760"/>
           </a:xfrm>
           <a:prstGeom prst="round2DiagRect">
             <a:avLst>
@@ -10741,7 +10746,7 @@
           <a:fontRef idx="minor"/>
         </p:style>
         <p:txBody>
-          <a:bodyPr tIns="91440" bIns="91440" anchor="ctr">
+          <a:bodyPr lIns="90000" rIns="90000" tIns="91440" bIns="91440" anchor="ctr">
             <a:noAutofit/>
           </a:bodyPr>
           <a:p>
@@ -10898,7 +10903,7 @@
         <p:spPr>
           <a:xfrm>
             <a:off x="6910560" y="363960"/>
-            <a:ext cx="2117520" cy="1293120"/>
+            <a:ext cx="2117160" cy="1292760"/>
           </a:xfrm>
           <a:prstGeom prst="round2DiagRect">
             <a:avLst>
@@ -10921,7 +10926,7 @@
           <a:fontRef idx="minor"/>
         </p:style>
         <p:txBody>
-          <a:bodyPr tIns="91440" bIns="91440" anchor="ctr">
+          <a:bodyPr lIns="90000" rIns="90000" tIns="91440" bIns="91440" anchor="ctr">
             <a:noAutofit/>
           </a:bodyPr>
           <a:p>
@@ -11078,7 +11083,7 @@
         <p:spPr>
           <a:xfrm>
             <a:off x="4713120" y="1949760"/>
-            <a:ext cx="2117520" cy="1293120"/>
+            <a:ext cx="2117160" cy="1292760"/>
           </a:xfrm>
           <a:prstGeom prst="round2DiagRect">
             <a:avLst>
@@ -11101,7 +11106,7 @@
           <a:fontRef idx="minor"/>
         </p:style>
         <p:txBody>
-          <a:bodyPr tIns="91440" bIns="91440" anchor="ctr">
+          <a:bodyPr lIns="90000" rIns="90000" tIns="91440" bIns="91440" anchor="ctr">
             <a:noAutofit/>
           </a:bodyPr>
           <a:p>
@@ -11258,7 +11263,7 @@
         <p:spPr>
           <a:xfrm>
             <a:off x="6910560" y="1900440"/>
-            <a:ext cx="2117520" cy="1293120"/>
+            <a:ext cx="2117160" cy="1292760"/>
           </a:xfrm>
           <a:prstGeom prst="round2DiagRect">
             <a:avLst>
@@ -11281,7 +11286,7 @@
           <a:fontRef idx="minor"/>
         </p:style>
         <p:txBody>
-          <a:bodyPr tIns="91440" bIns="91440" anchor="ctr">
+          <a:bodyPr lIns="90000" rIns="90000" tIns="91440" bIns="91440" anchor="ctr">
             <a:noAutofit/>
           </a:bodyPr>
           <a:p>
@@ -11438,7 +11443,7 @@
         <p:spPr>
           <a:xfrm>
             <a:off x="4713120" y="3486240"/>
-            <a:ext cx="2117520" cy="1293120"/>
+            <a:ext cx="2117160" cy="1292760"/>
           </a:xfrm>
           <a:prstGeom prst="round2DiagRect">
             <a:avLst>
@@ -11461,7 +11466,7 @@
           <a:fontRef idx="minor"/>
         </p:style>
         <p:txBody>
-          <a:bodyPr tIns="91440" bIns="91440" anchor="ctr">
+          <a:bodyPr lIns="90000" rIns="90000" tIns="91440" bIns="91440" anchor="ctr">
             <a:noAutofit/>
           </a:bodyPr>
           <a:p>
@@ -11618,7 +11623,7 @@
         <p:spPr>
           <a:xfrm>
             <a:off x="6910560" y="3437280"/>
-            <a:ext cx="2117520" cy="1293120"/>
+            <a:ext cx="2117160" cy="1292760"/>
           </a:xfrm>
           <a:prstGeom prst="round2DiagRect">
             <a:avLst>
@@ -11641,7 +11646,7 @@
           <a:fontRef idx="minor"/>
         </p:style>
         <p:txBody>
-          <a:bodyPr tIns="91440" bIns="91440" anchor="ctr">
+          <a:bodyPr lIns="90000" rIns="90000" tIns="91440" bIns="91440" anchor="ctr">
             <a:noAutofit/>
           </a:bodyPr>
           <a:p>
@@ -11832,18 +11837,18 @@
         <p:spPr>
           <a:xfrm>
             <a:off x="265680" y="1078920"/>
-            <a:ext cx="4044960" cy="1788840"/>
-          </a:xfrm>
-          <a:prstGeom prst="rect">
-            <a:avLst/>
-          </a:prstGeom>
-          <a:noFill/>
-          <a:ln w="0">
-            <a:noFill/>
-          </a:ln>
-        </p:spPr>
-        <p:txBody>
-          <a:bodyPr tIns="91440" bIns="91440" anchor="b">
+            <a:ext cx="4044600" cy="1788480"/>
+          </a:xfrm>
+          <a:prstGeom prst="rect">
+            <a:avLst/>
+          </a:prstGeom>
+          <a:noFill/>
+          <a:ln w="0">
+            <a:noFill/>
+          </a:ln>
+        </p:spPr>
+        <p:txBody>
+          <a:bodyPr lIns="90000" rIns="90000" tIns="91440" bIns="91440" anchor="b">
             <a:noAutofit/>
           </a:bodyPr>
           <a:p>
@@ -11901,18 +11906,18 @@
         <p:spPr>
           <a:xfrm>
             <a:off x="265680" y="2921400"/>
-            <a:ext cx="4044960" cy="1345320"/>
-          </a:xfrm>
-          <a:prstGeom prst="rect">
-            <a:avLst/>
-          </a:prstGeom>
-          <a:noFill/>
-          <a:ln w="0">
-            <a:noFill/>
-          </a:ln>
-        </p:spPr>
-        <p:txBody>
-          <a:bodyPr tIns="91440" bIns="91440" anchor="t">
+            <a:ext cx="4044600" cy="1344960"/>
+          </a:xfrm>
+          <a:prstGeom prst="rect">
+            <a:avLst/>
+          </a:prstGeom>
+          <a:noFill/>
+          <a:ln w="0">
+            <a:noFill/>
+          </a:ln>
+        </p:spPr>
+        <p:txBody>
+          <a:bodyPr lIns="90000" rIns="90000" tIns="91440" bIns="91440" anchor="t">
             <a:noAutofit/>
           </a:bodyPr>
           <a:p>
@@ -11993,18 +11998,18 @@
         <p:spPr>
           <a:xfrm>
             <a:off x="4939560" y="724320"/>
-            <a:ext cx="3836520" cy="3694680"/>
-          </a:xfrm>
-          <a:prstGeom prst="rect">
-            <a:avLst/>
-          </a:prstGeom>
-          <a:noFill/>
-          <a:ln w="0">
-            <a:noFill/>
-          </a:ln>
-        </p:spPr>
-        <p:txBody>
-          <a:bodyPr tIns="91440" bIns="91440" anchor="t">
+            <a:ext cx="3836160" cy="3694320"/>
+          </a:xfrm>
+          <a:prstGeom prst="rect">
+            <a:avLst/>
+          </a:prstGeom>
+          <a:noFill/>
+          <a:ln w="0">
+            <a:noFill/>
+          </a:ln>
+        </p:spPr>
+        <p:txBody>
+          <a:bodyPr lIns="90000" rIns="90000" tIns="91440" bIns="91440" anchor="t">
             <a:noAutofit/>
           </a:bodyPr>
           <a:p>
@@ -12029,10 +12034,9 @@
             </a:r>
             <a:endParaRPr b="0" lang="en-AU" sz="1400" spc="-1" strike="noStrike">
               <a:solidFill>
-                <a:schemeClr val="dk2"/>
-              </a:solidFill>
-              <a:latin typeface="Roboto"/>
-              <a:ea typeface="Roboto"/>
+                <a:srgbClr val="000000"/>
+              </a:solidFill>
+              <a:latin typeface="Arial"/>
             </a:endParaRPr>
           </a:p>
           <a:p>
@@ -12057,10 +12061,9 @@
             </a:r>
             <a:endParaRPr b="0" lang="en-AU" sz="1400" spc="-1" strike="noStrike">
               <a:solidFill>
-                <a:schemeClr val="dk2"/>
-              </a:solidFill>
-              <a:latin typeface="Roboto"/>
-              <a:ea typeface="Roboto"/>
+                <a:srgbClr val="000000"/>
+              </a:solidFill>
+              <a:latin typeface="Arial"/>
             </a:endParaRPr>
           </a:p>
           <a:p>
@@ -12085,10 +12088,9 @@
             </a:r>
             <a:endParaRPr b="0" lang="en-AU" sz="1400" spc="-1" strike="noStrike">
               <a:solidFill>
-                <a:schemeClr val="dk2"/>
-              </a:solidFill>
-              <a:latin typeface="Roboto"/>
-              <a:ea typeface="Roboto"/>
+                <a:srgbClr val="000000"/>
+              </a:solidFill>
+              <a:latin typeface="Arial"/>
             </a:endParaRPr>
           </a:p>
           <a:p>
@@ -12113,10 +12115,9 @@
             </a:r>
             <a:endParaRPr b="0" lang="en-AU" sz="1400" spc="-1" strike="noStrike">
               <a:solidFill>
-                <a:schemeClr val="dk2"/>
-              </a:solidFill>
-              <a:latin typeface="Roboto"/>
-              <a:ea typeface="Roboto"/>
+                <a:srgbClr val="000000"/>
+              </a:solidFill>
+              <a:latin typeface="Arial"/>
             </a:endParaRPr>
           </a:p>
           <a:p>
@@ -12141,10 +12142,9 @@
             </a:r>
             <a:endParaRPr b="0" lang="en-AU" sz="1400" spc="-1" strike="noStrike">
               <a:solidFill>
-                <a:schemeClr val="dk2"/>
-              </a:solidFill>
-              <a:latin typeface="Roboto"/>
-              <a:ea typeface="Roboto"/>
+                <a:srgbClr val="000000"/>
+              </a:solidFill>
+              <a:latin typeface="Arial"/>
             </a:endParaRPr>
           </a:p>
           <a:p>
@@ -12169,10 +12169,9 @@
             </a:r>
             <a:endParaRPr b="0" lang="en-AU" sz="1400" spc="-1" strike="noStrike">
               <a:solidFill>
-                <a:schemeClr val="dk2"/>
-              </a:solidFill>
-              <a:latin typeface="Roboto"/>
-              <a:ea typeface="Roboto"/>
+                <a:srgbClr val="000000"/>
+              </a:solidFill>
+              <a:latin typeface="Arial"/>
             </a:endParaRPr>
           </a:p>
           <a:p>
@@ -12197,10 +12196,9 @@
             </a:r>
             <a:endParaRPr b="0" lang="en-AU" sz="1400" spc="-1" strike="noStrike">
               <a:solidFill>
-                <a:schemeClr val="dk2"/>
-              </a:solidFill>
-              <a:latin typeface="Roboto"/>
-              <a:ea typeface="Roboto"/>
+                <a:srgbClr val="000000"/>
+              </a:solidFill>
+              <a:latin typeface="Arial"/>
             </a:endParaRPr>
           </a:p>
           <a:p>
@@ -12225,10 +12223,9 @@
             </a:r>
             <a:endParaRPr b="0" lang="en-AU" sz="1400" spc="-1" strike="noStrike">
               <a:solidFill>
-                <a:schemeClr val="dk2"/>
-              </a:solidFill>
-              <a:latin typeface="Roboto"/>
-              <a:ea typeface="Roboto"/>
+                <a:srgbClr val="000000"/>
+              </a:solidFill>
+              <a:latin typeface="Arial"/>
             </a:endParaRPr>
           </a:p>
           <a:p>
@@ -12253,10 +12250,9 @@
             </a:r>
             <a:endParaRPr b="0" lang="en-AU" sz="1400" spc="-1" strike="noStrike">
               <a:solidFill>
-                <a:schemeClr val="dk2"/>
-              </a:solidFill>
-              <a:latin typeface="Roboto"/>
-              <a:ea typeface="Roboto"/>
+                <a:srgbClr val="000000"/>
+              </a:solidFill>
+              <a:latin typeface="Arial"/>
             </a:endParaRPr>
           </a:p>
           <a:p>
@@ -12265,6 +12261,9 @@
                 <a:spcPct val="115000"/>
               </a:lnSpc>
               <a:buNone/>
+              <a:tabLst>
+                <a:tab algn="l" pos="0"/>
+              </a:tabLst>
             </a:pPr>
             <a:r>
               <a:rPr b="0" lang="en-AU" sz="1400" spc="-1" strike="noStrike">
@@ -12277,10 +12276,9 @@
             </a:r>
             <a:endParaRPr b="0" lang="en-AU" sz="1400" spc="-1" strike="noStrike">
               <a:solidFill>
-                <a:schemeClr val="dk2"/>
-              </a:solidFill>
-              <a:latin typeface="Roboto"/>
-              <a:ea typeface="Roboto"/>
+                <a:srgbClr val="000000"/>
+              </a:solidFill>
+              <a:latin typeface="Arial"/>
             </a:endParaRPr>
           </a:p>
         </p:txBody>
@@ -12294,7 +12292,7 @@
         <p:spPr>
           <a:xfrm>
             <a:off x="6371280" y="4774320"/>
-            <a:ext cx="2772720" cy="369000"/>
+            <a:ext cx="2772360" cy="368640"/>
           </a:xfrm>
           <a:prstGeom prst="rect">
             <a:avLst/>
@@ -12311,7 +12309,7 @@
           <a:fontRef idx="minor"/>
         </p:style>
         <p:txBody>
-          <a:bodyPr tIns="91440" bIns="91440" anchor="t">
+          <a:bodyPr lIns="90000" rIns="90000" tIns="91440" bIns="91440" anchor="t">
             <a:noAutofit/>
           </a:bodyPr>
           <a:p>
@@ -12375,27 +12373,38 @@
       <p:sp>
         <p:nvSpPr>
           <p:cNvPr id="213" name=""/>
-          <p:cNvSpPr txBox="1"/>
+          <p:cNvSpPr/>
           <p:nvPr/>
         </p:nvSpPr>
         <p:spPr>
           <a:xfrm>
             <a:off x="900000" y="1440000"/>
-            <a:ext cx="2880000" cy="1126440"/>
-          </a:xfrm>
-          <a:prstGeom prst="rect">
-            <a:avLst/>
-          </a:prstGeom>
-          <a:noFill/>
-          <a:ln w="0">
-            <a:noFill/>
-          </a:ln>
-        </p:spPr>
+            <a:ext cx="2879640" cy="1126080"/>
+          </a:xfrm>
+          <a:prstGeom prst="rect">
+            <a:avLst/>
+          </a:prstGeom>
+          <a:noFill/>
+          <a:ln w="0">
+            <a:noFill/>
+          </a:ln>
+        </p:spPr>
+        <p:style>
+          <a:lnRef idx="0"/>
+          <a:fillRef idx="0"/>
+          <a:effectRef idx="0"/>
+          <a:fontRef idx="minor"/>
+        </p:style>
         <p:txBody>
           <a:bodyPr lIns="90000" rIns="90000" tIns="45000" bIns="45000" anchor="t">
             <a:noAutofit/>
           </a:bodyPr>
           <a:p>
+            <a:pPr>
+              <a:lnSpc>
+                <a:spcPct val="100000"/>
+              </a:lnSpc>
+            </a:pPr>
             <a:r>
               <a:rPr b="0" lang="en-AU" sz="3600" spc="-1" strike="noStrike">
                 <a:solidFill>
@@ -12413,11 +12422,17 @@
             </a:endParaRPr>
           </a:p>
           <a:p>
-            <a:r>
-              <a:rPr b="0" lang="en-AU" sz="1300" spc="-1" strike="noStrike">
-                <a:solidFill>
-                  <a:srgbClr val="000000"/>
-                </a:solidFill>
+            <a:pPr>
+              <a:lnSpc>
+                <a:spcPct val="100000"/>
+              </a:lnSpc>
+            </a:pPr>
+            <a:r>
+              <a:rPr b="0" lang="en-AU" sz="1300" spc="-1" strike="noStrike" u="sng">
+                <a:solidFill>
+                  <a:srgbClr val="01afd1"/>
+                </a:solidFill>
+                <a:uFillTx/>
                 <a:latin typeface="Arial"/>
                 <a:hlinkClick r:id="rId1"/>
               </a:rPr>
@@ -12444,27 +12459,38 @@
       <p:sp>
         <p:nvSpPr>
           <p:cNvPr id="214" name=""/>
-          <p:cNvSpPr txBox="1"/>
+          <p:cNvSpPr/>
           <p:nvPr/>
         </p:nvSpPr>
         <p:spPr>
           <a:xfrm>
             <a:off x="4860000" y="360000"/>
-            <a:ext cx="3420000" cy="2649960"/>
-          </a:xfrm>
-          <a:prstGeom prst="rect">
-            <a:avLst/>
-          </a:prstGeom>
-          <a:noFill/>
-          <a:ln w="0">
-            <a:noFill/>
-          </a:ln>
-        </p:spPr>
+            <a:ext cx="3419640" cy="2649600"/>
+          </a:xfrm>
+          <a:prstGeom prst="rect">
+            <a:avLst/>
+          </a:prstGeom>
+          <a:noFill/>
+          <a:ln w="0">
+            <a:noFill/>
+          </a:ln>
+        </p:spPr>
+        <p:style>
+          <a:lnRef idx="0"/>
+          <a:fillRef idx="0"/>
+          <a:effectRef idx="0"/>
+          <a:fontRef idx="minor"/>
+        </p:style>
         <p:txBody>
           <a:bodyPr lIns="90000" rIns="90000" tIns="45000" bIns="45000" anchor="t">
             <a:noAutofit/>
           </a:bodyPr>
           <a:p>
+            <a:pPr>
+              <a:lnSpc>
+                <a:spcPct val="100000"/>
+              </a:lnSpc>
+            </a:pPr>
             <a:r>
               <a:rPr b="0" lang="en-AU" sz="1800" spc="-1" strike="noStrike">
                 <a:solidFill>
@@ -12482,6 +12508,11 @@
             </a:endParaRPr>
           </a:p>
           <a:p>
+            <a:pPr>
+              <a:lnSpc>
+                <a:spcPct val="100000"/>
+              </a:lnSpc>
+            </a:pPr>
             <a:endParaRPr b="0" lang="en-AU" sz="1800" spc="-1" strike="noStrike">
               <a:solidFill>
                 <a:srgbClr val="000000"/>
@@ -12490,6 +12521,11 @@
             </a:endParaRPr>
           </a:p>
           <a:p>
+            <a:pPr>
+              <a:lnSpc>
+                <a:spcPct val="100000"/>
+              </a:lnSpc>
+            </a:pPr>
             <a:endParaRPr b="0" lang="en-AU" sz="1800" spc="-1" strike="noStrike">
               <a:solidFill>
                 <a:srgbClr val="000000"/>
@@ -12498,6 +12534,11 @@
             </a:endParaRPr>
           </a:p>
           <a:p>
+            <a:pPr>
+              <a:lnSpc>
+                <a:spcPct val="100000"/>
+              </a:lnSpc>
+            </a:pPr>
             <a:endParaRPr b="0" lang="en-AU" sz="1800" spc="-1" strike="noStrike">
               <a:solidFill>
                 <a:srgbClr val="000000"/>
@@ -12506,6 +12547,11 @@
             </a:endParaRPr>
           </a:p>
           <a:p>
+            <a:pPr>
+              <a:lnSpc>
+                <a:spcPct val="100000"/>
+              </a:lnSpc>
+            </a:pPr>
             <a:endParaRPr b="0" lang="en-AU" sz="1800" spc="-1" strike="noStrike">
               <a:solidFill>
                 <a:srgbClr val="000000"/>
@@ -12514,6 +12560,11 @@
             </a:endParaRPr>
           </a:p>
           <a:p>
+            <a:pPr>
+              <a:lnSpc>
+                <a:spcPct val="100000"/>
+              </a:lnSpc>
+            </a:pPr>
             <a:endParaRPr b="0" lang="en-AU" sz="1800" spc="-1" strike="noStrike">
               <a:solidFill>
                 <a:srgbClr val="000000"/>
@@ -12522,6 +12573,11 @@
             </a:endParaRPr>
           </a:p>
           <a:p>
+            <a:pPr>
+              <a:lnSpc>
+                <a:spcPct val="100000"/>
+              </a:lnSpc>
+            </a:pPr>
             <a:endParaRPr b="0" lang="en-AU" sz="1800" spc="-1" strike="noStrike">
               <a:solidFill>
                 <a:srgbClr val="000000"/>
@@ -12530,6 +12586,11 @@
             </a:endParaRPr>
           </a:p>
           <a:p>
+            <a:pPr>
+              <a:lnSpc>
+                <a:spcPct val="100000"/>
+              </a:lnSpc>
+            </a:pPr>
             <a:endParaRPr b="0" lang="en-AU" sz="1800" spc="-1" strike="noStrike">
               <a:solidFill>
                 <a:srgbClr val="000000"/>
@@ -12538,6 +12599,11 @@
             </a:endParaRPr>
           </a:p>
           <a:p>
+            <a:pPr>
+              <a:lnSpc>
+                <a:spcPct val="100000"/>
+              </a:lnSpc>
+            </a:pPr>
             <a:endParaRPr b="0" lang="en-AU" sz="1800" spc="-1" strike="noStrike">
               <a:solidFill>
                 <a:srgbClr val="000000"/>
@@ -12546,6 +12612,11 @@
             </a:endParaRPr>
           </a:p>
           <a:p>
+            <a:pPr>
+              <a:lnSpc>
+                <a:spcPct val="100000"/>
+              </a:lnSpc>
+            </a:pPr>
             <a:r>
               <a:rPr b="0" lang="en-AU" sz="1800" spc="-1" strike="noStrike">
                 <a:solidFill>
@@ -12577,7 +12648,7 @@
         <p:spPr>
           <a:xfrm>
             <a:off x="5220000" y="797760"/>
-            <a:ext cx="2982240" cy="1902240"/>
+            <a:ext cx="2981880" cy="1901880"/>
           </a:xfrm>
           <a:prstGeom prst="rect">
             <a:avLst/>
@@ -12600,7 +12671,7 @@
         <p:spPr>
           <a:xfrm>
             <a:off x="5218920" y="3009960"/>
-            <a:ext cx="3061080" cy="1850040"/>
+            <a:ext cx="3060720" cy="1849680"/>
           </a:xfrm>
           <a:prstGeom prst="rect">
             <a:avLst/>
@@ -12653,18 +12724,18 @@
         <p:spPr>
           <a:xfrm>
             <a:off x="265680" y="452160"/>
-            <a:ext cx="4044960" cy="3059640"/>
-          </a:xfrm>
-          <a:prstGeom prst="rect">
-            <a:avLst/>
-          </a:prstGeom>
-          <a:noFill/>
-          <a:ln w="0">
-            <a:noFill/>
-          </a:ln>
-        </p:spPr>
-        <p:txBody>
-          <a:bodyPr tIns="91440" bIns="91440" anchor="b">
+            <a:ext cx="4044600" cy="3059280"/>
+          </a:xfrm>
+          <a:prstGeom prst="rect">
+            <a:avLst/>
+          </a:prstGeom>
+          <a:noFill/>
+          <a:ln w="0">
+            <a:noFill/>
+          </a:ln>
+        </p:spPr>
+        <p:txBody>
+          <a:bodyPr lIns="90000" rIns="90000" tIns="91440" bIns="91440" anchor="b">
             <a:noAutofit/>
           </a:bodyPr>
           <a:p>
@@ -12709,18 +12780,18 @@
         <p:spPr>
           <a:xfrm>
             <a:off x="4939560" y="724320"/>
-            <a:ext cx="3836520" cy="3694680"/>
-          </a:xfrm>
-          <a:prstGeom prst="rect">
-            <a:avLst/>
-          </a:prstGeom>
-          <a:noFill/>
-          <a:ln w="0">
-            <a:noFill/>
-          </a:ln>
-        </p:spPr>
-        <p:txBody>
-          <a:bodyPr tIns="91440" bIns="91440" anchor="ctr">
+            <a:ext cx="3836160" cy="3694320"/>
+          </a:xfrm>
+          <a:prstGeom prst="rect">
+            <a:avLst/>
+          </a:prstGeom>
+          <a:noFill/>
+          <a:ln w="0">
+            <a:noFill/>
+          </a:ln>
+        </p:spPr>
+        <p:txBody>
+          <a:bodyPr lIns="90000" rIns="90000" tIns="91440" bIns="91440" anchor="ctr">
             <a:noAutofit/>
           </a:bodyPr>
           <a:p>
@@ -12745,10 +12816,9 @@
             </a:r>
             <a:endParaRPr b="0" lang="en-AU" sz="1400" spc="-1" strike="noStrike">
               <a:solidFill>
-                <a:schemeClr val="dk2"/>
-              </a:solidFill>
-              <a:latin typeface="Roboto"/>
-              <a:ea typeface="Roboto"/>
+                <a:srgbClr val="000000"/>
+              </a:solidFill>
+              <a:latin typeface="Arial"/>
             </a:endParaRPr>
           </a:p>
         </p:txBody>
@@ -12796,18 +12866,18 @@
         <p:spPr>
           <a:xfrm>
             <a:off x="430920" y="1889640"/>
-            <a:ext cx="8282160" cy="1516320"/>
-          </a:xfrm>
-          <a:prstGeom prst="rect">
-            <a:avLst/>
-          </a:prstGeom>
-          <a:noFill/>
-          <a:ln w="0">
-            <a:noFill/>
-          </a:ln>
-        </p:spPr>
-        <p:txBody>
-          <a:bodyPr tIns="91440" bIns="91440" anchor="ctr">
+            <a:ext cx="8281800" cy="1515960"/>
+          </a:xfrm>
+          <a:prstGeom prst="rect">
+            <a:avLst/>
+          </a:prstGeom>
+          <a:noFill/>
+          <a:ln w="0">
+            <a:noFill/>
+          </a:ln>
+        </p:spPr>
+        <p:txBody>
+          <a:bodyPr lIns="90000" rIns="90000" tIns="91440" bIns="91440" anchor="ctr">
             <a:noAutofit/>
           </a:bodyPr>
           <a:p>
@@ -12882,18 +12952,18 @@
         <p:spPr>
           <a:xfrm>
             <a:off x="265680" y="1078920"/>
-            <a:ext cx="4044960" cy="1788840"/>
-          </a:xfrm>
-          <a:prstGeom prst="rect">
-            <a:avLst/>
-          </a:prstGeom>
-          <a:noFill/>
-          <a:ln w="0">
-            <a:noFill/>
-          </a:ln>
-        </p:spPr>
-        <p:txBody>
-          <a:bodyPr tIns="91440" bIns="91440" anchor="b">
+            <a:ext cx="4044600" cy="1788480"/>
+          </a:xfrm>
+          <a:prstGeom prst="rect">
+            <a:avLst/>
+          </a:prstGeom>
+          <a:noFill/>
+          <a:ln w="0">
+            <a:noFill/>
+          </a:ln>
+        </p:spPr>
+        <p:txBody>
+          <a:bodyPr lIns="90000" rIns="90000" tIns="91440" bIns="91440" anchor="b">
             <a:noAutofit/>
           </a:bodyPr>
           <a:p>
@@ -12938,18 +13008,18 @@
         <p:spPr>
           <a:xfrm>
             <a:off x="4939560" y="724320"/>
-            <a:ext cx="3836520" cy="3694680"/>
-          </a:xfrm>
-          <a:prstGeom prst="rect">
-            <a:avLst/>
-          </a:prstGeom>
-          <a:noFill/>
-          <a:ln w="0">
-            <a:noFill/>
-          </a:ln>
-        </p:spPr>
-        <p:txBody>
-          <a:bodyPr tIns="91440" bIns="91440" anchor="ctr">
+            <a:ext cx="3836160" cy="3694320"/>
+          </a:xfrm>
+          <a:prstGeom prst="rect">
+            <a:avLst/>
+          </a:prstGeom>
+          <a:noFill/>
+          <a:ln w="0">
+            <a:noFill/>
+          </a:ln>
+        </p:spPr>
+        <p:txBody>
+          <a:bodyPr lIns="90000" rIns="90000" tIns="91440" bIns="91440" anchor="ctr">
             <a:noAutofit/>
           </a:bodyPr>
           <a:p>
@@ -13028,18 +13098,18 @@
         <p:spPr>
           <a:xfrm>
             <a:off x="265680" y="1162440"/>
-            <a:ext cx="4044960" cy="1617120"/>
-          </a:xfrm>
-          <a:prstGeom prst="rect">
-            <a:avLst/>
-          </a:prstGeom>
-          <a:noFill/>
-          <a:ln w="0">
-            <a:noFill/>
-          </a:ln>
-        </p:spPr>
-        <p:txBody>
-          <a:bodyPr tIns="91440" bIns="91440" anchor="b">
+            <a:ext cx="4044600" cy="1616760"/>
+          </a:xfrm>
+          <a:prstGeom prst="rect">
+            <a:avLst/>
+          </a:prstGeom>
+          <a:noFill/>
+          <a:ln w="0">
+            <a:noFill/>
+          </a:ln>
+        </p:spPr>
+        <p:txBody>
+          <a:bodyPr lIns="90000" rIns="90000" tIns="91440" bIns="91440" anchor="b">
             <a:noAutofit/>
           </a:bodyPr>
           <a:p>
@@ -13084,18 +13154,18 @@
         <p:spPr>
           <a:xfrm>
             <a:off x="4939560" y="724320"/>
-            <a:ext cx="3836520" cy="3694680"/>
-          </a:xfrm>
-          <a:prstGeom prst="rect">
-            <a:avLst/>
-          </a:prstGeom>
-          <a:noFill/>
-          <a:ln w="0">
-            <a:noFill/>
-          </a:ln>
-        </p:spPr>
-        <p:txBody>
-          <a:bodyPr tIns="91440" bIns="91440" anchor="ctr">
+            <a:ext cx="3836160" cy="3694320"/>
+          </a:xfrm>
+          <a:prstGeom prst="rect">
+            <a:avLst/>
+          </a:prstGeom>
+          <a:noFill/>
+          <a:ln w="0">
+            <a:noFill/>
+          </a:ln>
+        </p:spPr>
+        <p:txBody>
+          <a:bodyPr lIns="90000" rIns="90000" tIns="91440" bIns="91440" anchor="ctr">
             <a:noAutofit/>
           </a:bodyPr>
           <a:p>
@@ -13229,7 +13299,7 @@
         <p:spPr>
           <a:xfrm>
             <a:off x="6371280" y="4774320"/>
-            <a:ext cx="2772720" cy="369000"/>
+            <a:ext cx="2772360" cy="368640"/>
           </a:xfrm>
           <a:prstGeom prst="rect">
             <a:avLst/>
@@ -13246,7 +13316,7 @@
           <a:fontRef idx="minor"/>
         </p:style>
         <p:txBody>
-          <a:bodyPr tIns="91440" bIns="91440" anchor="t">
+          <a:bodyPr lIns="90000" rIns="90000" tIns="91440" bIns="91440" anchor="t">
             <a:noAutofit/>
           </a:bodyPr>
           <a:p>
@@ -13320,18 +13390,18 @@
         <p:spPr>
           <a:xfrm>
             <a:off x="265680" y="1078920"/>
-            <a:ext cx="4044960" cy="1788840"/>
-          </a:xfrm>
-          <a:prstGeom prst="rect">
-            <a:avLst/>
-          </a:prstGeom>
-          <a:noFill/>
-          <a:ln w="0">
-            <a:noFill/>
-          </a:ln>
-        </p:spPr>
-        <p:txBody>
-          <a:bodyPr tIns="91440" bIns="91440" anchor="b">
+            <a:ext cx="4044600" cy="1788480"/>
+          </a:xfrm>
+          <a:prstGeom prst="rect">
+            <a:avLst/>
+          </a:prstGeom>
+          <a:noFill/>
+          <a:ln w="0">
+            <a:noFill/>
+          </a:ln>
+        </p:spPr>
+        <p:txBody>
+          <a:bodyPr lIns="90000" rIns="90000" tIns="91440" bIns="91440" anchor="b">
             <a:noAutofit/>
           </a:bodyPr>
           <a:p>
@@ -13389,18 +13459,18 @@
         <p:spPr>
           <a:xfrm>
             <a:off x="265680" y="2921400"/>
-            <a:ext cx="4044960" cy="1345320"/>
-          </a:xfrm>
-          <a:prstGeom prst="rect">
-            <a:avLst/>
-          </a:prstGeom>
-          <a:noFill/>
-          <a:ln w="0">
-            <a:noFill/>
-          </a:ln>
-        </p:spPr>
-        <p:txBody>
-          <a:bodyPr tIns="91440" bIns="91440" anchor="t">
+            <a:ext cx="4044600" cy="1344960"/>
+          </a:xfrm>
+          <a:prstGeom prst="rect">
+            <a:avLst/>
+          </a:prstGeom>
+          <a:noFill/>
+          <a:ln w="0">
+            <a:noFill/>
+          </a:ln>
+        </p:spPr>
+        <p:txBody>
+          <a:bodyPr lIns="90000" rIns="90000" tIns="91440" bIns="91440" anchor="t">
             <a:noAutofit/>
           </a:bodyPr>
           <a:p>
@@ -13448,18 +13518,18 @@
         <p:spPr>
           <a:xfrm>
             <a:off x="4939560" y="724320"/>
-            <a:ext cx="3836520" cy="3694680"/>
-          </a:xfrm>
-          <a:prstGeom prst="rect">
-            <a:avLst/>
-          </a:prstGeom>
-          <a:noFill/>
-          <a:ln w="0">
-            <a:noFill/>
-          </a:ln>
-        </p:spPr>
-        <p:txBody>
-          <a:bodyPr tIns="91440" bIns="91440" anchor="ctr">
+            <a:ext cx="3836160" cy="3694320"/>
+          </a:xfrm>
+          <a:prstGeom prst="rect">
+            <a:avLst/>
+          </a:prstGeom>
+          <a:noFill/>
+          <a:ln w="0">
+            <a:noFill/>
+          </a:ln>
+        </p:spPr>
+        <p:txBody>
+          <a:bodyPr lIns="90000" rIns="90000" tIns="91440" bIns="91440" anchor="ctr">
             <a:noAutofit/>
           </a:bodyPr>
           <a:p>
@@ -13468,6 +13538,9 @@
                 <a:spcPct val="115000"/>
               </a:lnSpc>
               <a:buNone/>
+              <a:tabLst>
+                <a:tab algn="l" pos="0"/>
+              </a:tabLst>
             </a:pPr>
             <a:r>
               <a:rPr b="0" lang="en-AU" sz="1400" spc="-1" strike="noStrike">
@@ -13480,10 +13553,9 @@
             </a:r>
             <a:endParaRPr b="0" lang="en-AU" sz="1400" spc="-1" strike="noStrike">
               <a:solidFill>
-                <a:schemeClr val="dk2"/>
-              </a:solidFill>
-              <a:latin typeface="Roboto"/>
-              <a:ea typeface="Roboto"/>
+                <a:srgbClr val="000000"/>
+              </a:solidFill>
+              <a:latin typeface="Arial"/>
             </a:endParaRPr>
           </a:p>
           <a:p>
@@ -13496,6 +13568,9 @@
               </a:buClr>
               <a:buFont typeface="Roboto"/>
               <a:buChar char="●"/>
+              <a:tabLst>
+                <a:tab algn="l" pos="0"/>
+              </a:tabLst>
             </a:pPr>
             <a:r>
               <a:rPr b="0" lang="en-AU" sz="1400" spc="-1" strike="noStrike">
@@ -13508,10 +13583,9 @@
             </a:r>
             <a:endParaRPr b="0" lang="en-AU" sz="1400" spc="-1" strike="noStrike">
               <a:solidFill>
-                <a:schemeClr val="dk2"/>
-              </a:solidFill>
-              <a:latin typeface="Roboto"/>
-              <a:ea typeface="Roboto"/>
+                <a:srgbClr val="000000"/>
+              </a:solidFill>
+              <a:latin typeface="Arial"/>
             </a:endParaRPr>
           </a:p>
           <a:p>
@@ -13524,6 +13598,9 @@
               </a:buClr>
               <a:buFont typeface="Roboto"/>
               <a:buChar char="●"/>
+              <a:tabLst>
+                <a:tab algn="l" pos="0"/>
+              </a:tabLst>
             </a:pPr>
             <a:r>
               <a:rPr b="0" lang="en-AU" sz="1400" spc="-1" strike="noStrike">
@@ -13536,10 +13613,9 @@
             </a:r>
             <a:endParaRPr b="0" lang="en-AU" sz="1400" spc="-1" strike="noStrike">
               <a:solidFill>
-                <a:schemeClr val="dk2"/>
-              </a:solidFill>
-              <a:latin typeface="Roboto"/>
-              <a:ea typeface="Roboto"/>
+                <a:srgbClr val="000000"/>
+              </a:solidFill>
+              <a:latin typeface="Arial"/>
             </a:endParaRPr>
           </a:p>
         </p:txBody>
@@ -13553,7 +13629,7 @@
         <p:spPr>
           <a:xfrm>
             <a:off x="6371280" y="4774320"/>
-            <a:ext cx="2772720" cy="369000"/>
+            <a:ext cx="2772360" cy="368640"/>
           </a:xfrm>
           <a:prstGeom prst="rect">
             <a:avLst/>
@@ -13570,7 +13646,7 @@
           <a:fontRef idx="minor"/>
         </p:style>
         <p:txBody>
-          <a:bodyPr tIns="91440" bIns="91440" anchor="t">
+          <a:bodyPr lIns="90000" rIns="90000" tIns="91440" bIns="91440" anchor="t">
             <a:noAutofit/>
           </a:bodyPr>
           <a:p>
@@ -13644,18 +13720,18 @@
         <p:spPr>
           <a:xfrm>
             <a:off x="265680" y="2921400"/>
-            <a:ext cx="4044960" cy="1345320"/>
-          </a:xfrm>
-          <a:prstGeom prst="rect">
-            <a:avLst/>
-          </a:prstGeom>
-          <a:noFill/>
-          <a:ln w="0">
-            <a:noFill/>
-          </a:ln>
-        </p:spPr>
-        <p:txBody>
-          <a:bodyPr tIns="91440" bIns="91440" anchor="t">
+            <a:ext cx="4044600" cy="1344960"/>
+          </a:xfrm>
+          <a:prstGeom prst="rect">
+            <a:avLst/>
+          </a:prstGeom>
+          <a:noFill/>
+          <a:ln w="0">
+            <a:noFill/>
+          </a:ln>
+        </p:spPr>
+        <p:txBody>
+          <a:bodyPr lIns="90000" rIns="90000" tIns="91440" bIns="91440" anchor="t">
             <a:noAutofit/>
           </a:bodyPr>
           <a:p>
@@ -13702,18 +13778,18 @@
         <p:spPr>
           <a:xfrm>
             <a:off x="4939560" y="724320"/>
-            <a:ext cx="3836520" cy="3694680"/>
-          </a:xfrm>
-          <a:prstGeom prst="rect">
-            <a:avLst/>
-          </a:prstGeom>
-          <a:noFill/>
-          <a:ln w="0">
-            <a:noFill/>
-          </a:ln>
-        </p:spPr>
-        <p:txBody>
-          <a:bodyPr tIns="91440" bIns="91440" anchor="ctr">
+            <a:ext cx="3836160" cy="3694320"/>
+          </a:xfrm>
+          <a:prstGeom prst="rect">
+            <a:avLst/>
+          </a:prstGeom>
+          <a:noFill/>
+          <a:ln w="0">
+            <a:noFill/>
+          </a:ln>
+        </p:spPr>
+        <p:txBody>
+          <a:bodyPr lIns="90000" rIns="90000" tIns="91440" bIns="91440" anchor="ctr">
             <a:noAutofit/>
           </a:bodyPr>
           <a:p>
@@ -13824,17 +13900,7 @@
                 <a:latin typeface="Roboto"/>
                 <a:ea typeface="Roboto"/>
               </a:rPr>
-              <a:t>microservice</a:t>
-            </a:r>
-            <a:r>
-              <a:rPr b="0" lang="en-GB" sz="1400" spc="-1" strike="noStrike">
-                <a:solidFill>
-                  <a:srgbClr val="434343"/>
-                </a:solidFill>
-                <a:latin typeface="Roboto"/>
-                <a:ea typeface="Roboto"/>
-              </a:rPr>
-              <a:t> visualisation and CI/CD monitoring tool.</a:t>
+              <a:t>microservice visualisation and CI/CD monitoring tool.</a:t>
             </a:r>
             <a:endParaRPr b="0" lang="en-AU" sz="1400" spc="-1" strike="noStrike">
               <a:solidFill>
@@ -13981,18 +14047,18 @@
         <p:spPr>
           <a:xfrm>
             <a:off x="265680" y="1078920"/>
-            <a:ext cx="4044960" cy="1788840"/>
-          </a:xfrm>
-          <a:prstGeom prst="rect">
-            <a:avLst/>
-          </a:prstGeom>
-          <a:noFill/>
-          <a:ln w="0">
-            <a:noFill/>
-          </a:ln>
-        </p:spPr>
-        <p:txBody>
-          <a:bodyPr tIns="91440" bIns="91440" anchor="b">
+            <a:ext cx="4044600" cy="1788480"/>
+          </a:xfrm>
+          <a:prstGeom prst="rect">
+            <a:avLst/>
+          </a:prstGeom>
+          <a:noFill/>
+          <a:ln w="0">
+            <a:noFill/>
+          </a:ln>
+        </p:spPr>
+        <p:txBody>
+          <a:bodyPr lIns="90000" rIns="90000" tIns="91440" bIns="91440" anchor="b">
             <a:noAutofit/>
           </a:bodyPr>
           <a:p>
@@ -14060,7 +14126,7 @@
         <p:spPr>
           <a:xfrm>
             <a:off x="6371280" y="4774320"/>
-            <a:ext cx="2772720" cy="369000"/>
+            <a:ext cx="2772360" cy="368640"/>
           </a:xfrm>
           <a:prstGeom prst="rect">
             <a:avLst/>
@@ -14077,7 +14143,7 @@
           <a:fontRef idx="minor"/>
         </p:style>
         <p:txBody>
-          <a:bodyPr tIns="91440" bIns="91440" anchor="t">
+          <a:bodyPr lIns="90000" rIns="90000" tIns="91440" bIns="91440" anchor="t">
             <a:noAutofit/>
           </a:bodyPr>
           <a:p>
@@ -14151,18 +14217,18 @@
         <p:spPr>
           <a:xfrm>
             <a:off x="265680" y="1078920"/>
-            <a:ext cx="4044960" cy="1788840"/>
-          </a:xfrm>
-          <a:prstGeom prst="rect">
-            <a:avLst/>
-          </a:prstGeom>
-          <a:noFill/>
-          <a:ln w="0">
-            <a:noFill/>
-          </a:ln>
-        </p:spPr>
-        <p:txBody>
-          <a:bodyPr tIns="91440" bIns="91440" anchor="b">
+            <a:ext cx="4044600" cy="1788480"/>
+          </a:xfrm>
+          <a:prstGeom prst="rect">
+            <a:avLst/>
+          </a:prstGeom>
+          <a:noFill/>
+          <a:ln w="0">
+            <a:noFill/>
+          </a:ln>
+        </p:spPr>
+        <p:txBody>
+          <a:bodyPr lIns="90000" rIns="90000" tIns="91440" bIns="91440" anchor="b">
             <a:noAutofit/>
           </a:bodyPr>
           <a:p>
@@ -14220,18 +14286,18 @@
         <p:spPr>
           <a:xfrm>
             <a:off x="265680" y="2921400"/>
-            <a:ext cx="4044960" cy="1345320"/>
-          </a:xfrm>
-          <a:prstGeom prst="rect">
-            <a:avLst/>
-          </a:prstGeom>
-          <a:noFill/>
-          <a:ln w="0">
-            <a:noFill/>
-          </a:ln>
-        </p:spPr>
-        <p:txBody>
-          <a:bodyPr tIns="91440" bIns="91440" anchor="t">
+            <a:ext cx="4044600" cy="1344960"/>
+          </a:xfrm>
+          <a:prstGeom prst="rect">
+            <a:avLst/>
+          </a:prstGeom>
+          <a:noFill/>
+          <a:ln w="0">
+            <a:noFill/>
+          </a:ln>
+        </p:spPr>
+        <p:txBody>
+          <a:bodyPr lIns="90000" rIns="90000" tIns="91440" bIns="91440" anchor="t">
             <a:noAutofit/>
           </a:bodyPr>
           <a:p>
@@ -14309,18 +14375,18 @@
         <p:spPr>
           <a:xfrm>
             <a:off x="4939560" y="724320"/>
-            <a:ext cx="3836520" cy="3694680"/>
-          </a:xfrm>
-          <a:prstGeom prst="rect">
-            <a:avLst/>
-          </a:prstGeom>
-          <a:noFill/>
-          <a:ln w="0">
-            <a:noFill/>
-          </a:ln>
-        </p:spPr>
-        <p:txBody>
-          <a:bodyPr tIns="91440" bIns="91440" anchor="ctr">
+            <a:ext cx="3836160" cy="3694320"/>
+          </a:xfrm>
+          <a:prstGeom prst="rect">
+            <a:avLst/>
+          </a:prstGeom>
+          <a:noFill/>
+          <a:ln w="0">
+            <a:noFill/>
+          </a:ln>
+        </p:spPr>
+        <p:txBody>
+          <a:bodyPr lIns="90000" rIns="90000" tIns="91440" bIns="91440" anchor="ctr">
             <a:noAutofit/>
           </a:bodyPr>
           <a:p>
@@ -14345,10 +14411,9 @@
             </a:r>
             <a:endParaRPr b="0" lang="en-AU" sz="1400" spc="-1" strike="noStrike">
               <a:solidFill>
-                <a:schemeClr val="dk2"/>
-              </a:solidFill>
-              <a:latin typeface="Roboto"/>
-              <a:ea typeface="Roboto"/>
+                <a:srgbClr val="000000"/>
+              </a:solidFill>
+              <a:latin typeface="Arial"/>
             </a:endParaRPr>
           </a:p>
           <a:p>
@@ -14373,10 +14438,9 @@
             </a:r>
             <a:endParaRPr b="0" lang="en-AU" sz="1400" spc="-1" strike="noStrike">
               <a:solidFill>
-                <a:schemeClr val="dk2"/>
-              </a:solidFill>
-              <a:latin typeface="Roboto"/>
-              <a:ea typeface="Roboto"/>
+                <a:srgbClr val="000000"/>
+              </a:solidFill>
+              <a:latin typeface="Arial"/>
             </a:endParaRPr>
           </a:p>
           <a:p>
@@ -14401,10 +14465,9 @@
             </a:r>
             <a:endParaRPr b="0" lang="en-AU" sz="1400" spc="-1" strike="noStrike">
               <a:solidFill>
-                <a:schemeClr val="dk2"/>
-              </a:solidFill>
-              <a:latin typeface="Roboto"/>
-              <a:ea typeface="Roboto"/>
+                <a:srgbClr val="000000"/>
+              </a:solidFill>
+              <a:latin typeface="Arial"/>
             </a:endParaRPr>
           </a:p>
           <a:p>
@@ -14413,6 +14476,9 @@
                 <a:spcPct val="115000"/>
               </a:lnSpc>
               <a:buNone/>
+              <a:tabLst>
+                <a:tab algn="l" pos="0"/>
+              </a:tabLst>
             </a:pPr>
             <a:r>
               <a:rPr b="0" lang="en-AU" sz="1400" spc="-1" strike="noStrike">
@@ -14425,10 +14491,9 @@
             </a:r>
             <a:endParaRPr b="0" lang="en-AU" sz="1400" spc="-1" strike="noStrike">
               <a:solidFill>
-                <a:schemeClr val="dk2"/>
-              </a:solidFill>
-              <a:latin typeface="Roboto"/>
-              <a:ea typeface="Roboto"/>
+                <a:srgbClr val="000000"/>
+              </a:solidFill>
+              <a:latin typeface="Arial"/>
             </a:endParaRPr>
           </a:p>
         </p:txBody>
@@ -14442,7 +14507,7 @@
         <p:spPr>
           <a:xfrm>
             <a:off x="6371280" y="4774320"/>
-            <a:ext cx="2772720" cy="369000"/>
+            <a:ext cx="2772360" cy="368640"/>
           </a:xfrm>
           <a:prstGeom prst="rect">
             <a:avLst/>
@@ -14459,7 +14524,7 @@
           <a:fontRef idx="minor"/>
         </p:style>
         <p:txBody>
-          <a:bodyPr tIns="91440" bIns="91440" anchor="t">
+          <a:bodyPr lIns="90000" rIns="90000" tIns="91440" bIns="91440" anchor="t">
             <a:noAutofit/>
           </a:bodyPr>
           <a:p>
@@ -14533,18 +14598,18 @@
         <p:spPr>
           <a:xfrm>
             <a:off x="265680" y="1078920"/>
-            <a:ext cx="4044960" cy="1788840"/>
-          </a:xfrm>
-          <a:prstGeom prst="rect">
-            <a:avLst/>
-          </a:prstGeom>
-          <a:noFill/>
-          <a:ln w="0">
-            <a:noFill/>
-          </a:ln>
-        </p:spPr>
-        <p:txBody>
-          <a:bodyPr tIns="91440" bIns="91440" anchor="b">
+            <a:ext cx="4044600" cy="1788480"/>
+          </a:xfrm>
+          <a:prstGeom prst="rect">
+            <a:avLst/>
+          </a:prstGeom>
+          <a:noFill/>
+          <a:ln w="0">
+            <a:noFill/>
+          </a:ln>
+        </p:spPr>
+        <p:txBody>
+          <a:bodyPr lIns="90000" rIns="90000" tIns="91440" bIns="91440" anchor="b">
             <a:noAutofit/>
           </a:bodyPr>
           <a:p>
@@ -14602,18 +14667,18 @@
         <p:spPr>
           <a:xfrm>
             <a:off x="265680" y="2921400"/>
-            <a:ext cx="4044960" cy="1345320"/>
-          </a:xfrm>
-          <a:prstGeom prst="rect">
-            <a:avLst/>
-          </a:prstGeom>
-          <a:noFill/>
-          <a:ln w="0">
-            <a:noFill/>
-          </a:ln>
-        </p:spPr>
-        <p:txBody>
-          <a:bodyPr tIns="91440" bIns="91440" anchor="t">
+            <a:ext cx="4044600" cy="1344960"/>
+          </a:xfrm>
+          <a:prstGeom prst="rect">
+            <a:avLst/>
+          </a:prstGeom>
+          <a:noFill/>
+          <a:ln w="0">
+            <a:noFill/>
+          </a:ln>
+        </p:spPr>
+        <p:txBody>
+          <a:bodyPr lIns="90000" rIns="90000" tIns="91440" bIns="91440" anchor="t">
             <a:noAutofit/>
           </a:bodyPr>
           <a:p>
@@ -14674,26 +14739,32 @@
         <p:spPr>
           <a:xfrm>
             <a:off x="4939560" y="724320"/>
-            <a:ext cx="3836520" cy="3694680"/>
-          </a:xfrm>
-          <a:prstGeom prst="rect">
-            <a:avLst/>
-          </a:prstGeom>
-          <a:noFill/>
-          <a:ln w="0">
-            <a:noFill/>
-          </a:ln>
-        </p:spPr>
-        <p:txBody>
-          <a:bodyPr tIns="91440" bIns="91440" anchor="ctr">
+            <a:ext cx="3836160" cy="3694320"/>
+          </a:xfrm>
+          <a:prstGeom prst="rect">
+            <a:avLst/>
+          </a:prstGeom>
+          <a:noFill/>
+          <a:ln w="0">
+            <a:noFill/>
+          </a:ln>
+        </p:spPr>
+        <p:txBody>
+          <a:bodyPr lIns="90000" rIns="90000" tIns="91440" bIns="91440" anchor="ctr">
             <a:noAutofit/>
           </a:bodyPr>
           <a:p>
             <a:pPr marL="432000" indent="0">
+              <a:lnSpc>
+                <a:spcPct val="100000"/>
+              </a:lnSpc>
               <a:spcBef>
                 <a:spcPts val="1417"/>
               </a:spcBef>
               <a:buNone/>
+              <a:tabLst>
+                <a:tab algn="l" pos="0"/>
+              </a:tabLst>
             </a:pPr>
             <a:r>
               <a:rPr b="0" lang="en-AU" sz="1400" spc="-1" strike="noStrike">
@@ -14713,10 +14784,16 @@
           </a:p>
           <a:p>
             <a:pPr marL="432000" indent="0">
+              <a:lnSpc>
+                <a:spcPct val="100000"/>
+              </a:lnSpc>
               <a:spcBef>
                 <a:spcPts val="1417"/>
               </a:spcBef>
               <a:buNone/>
+              <a:tabLst>
+                <a:tab algn="l" pos="0"/>
+              </a:tabLst>
             </a:pPr>
             <a:r>
               <a:rPr b="0" lang="en-AU" sz="1400" spc="-1" strike="noStrike">
@@ -14736,10 +14813,16 @@
           </a:p>
           <a:p>
             <a:pPr marL="432000" indent="0">
+              <a:lnSpc>
+                <a:spcPct val="100000"/>
+              </a:lnSpc>
               <a:spcBef>
                 <a:spcPts val="1417"/>
               </a:spcBef>
               <a:buNone/>
+              <a:tabLst>
+                <a:tab algn="l" pos="0"/>
+              </a:tabLst>
             </a:pPr>
             <a:r>
               <a:rPr b="0" lang="en-AU" sz="1400" spc="-1" strike="noStrike">
@@ -14768,7 +14851,7 @@
         <p:spPr>
           <a:xfrm>
             <a:off x="6371280" y="4774320"/>
-            <a:ext cx="2772720" cy="369000"/>
+            <a:ext cx="2772360" cy="368640"/>
           </a:xfrm>
           <a:prstGeom prst="rect">
             <a:avLst/>
@@ -14785,7 +14868,7 @@
           <a:fontRef idx="minor"/>
         </p:style>
         <p:txBody>
-          <a:bodyPr tIns="91440" bIns="91440" anchor="t">
+          <a:bodyPr lIns="90000" rIns="90000" tIns="91440" bIns="91440" anchor="t">
             <a:noAutofit/>
           </a:bodyPr>
           <a:p>
@@ -14855,7 +14938,7 @@
         <p:spPr>
           <a:xfrm>
             <a:off x="1031400" y="275400"/>
-            <a:ext cx="2768040" cy="3412080"/>
+            <a:ext cx="2767680" cy="3411720"/>
           </a:xfrm>
           <a:prstGeom prst="round2DiagRect">
             <a:avLst>
@@ -14878,7 +14961,7 @@
           <a:fontRef idx="minor"/>
         </p:style>
         <p:txBody>
-          <a:bodyPr tIns="91440" bIns="91440" anchor="t">
+          <a:bodyPr lIns="90000" rIns="90000" tIns="91440" bIns="91440" anchor="t">
             <a:noAutofit/>
           </a:bodyPr>
           <a:p>
@@ -14934,7 +15017,7 @@
         <p:spPr>
           <a:xfrm>
             <a:off x="4825440" y="273600"/>
-            <a:ext cx="2768040" cy="3412080"/>
+            <a:ext cx="2767680" cy="3411720"/>
           </a:xfrm>
           <a:prstGeom prst="round2DiagRect">
             <a:avLst>
@@ -14957,7 +15040,7 @@
           <a:fontRef idx="minor"/>
         </p:style>
         <p:txBody>
-          <a:bodyPr tIns="91440" bIns="91440" anchor="t">
+          <a:bodyPr lIns="90000" rIns="90000" tIns="91440" bIns="91440" anchor="t">
             <a:noAutofit/>
           </a:bodyPr>
           <a:p>
@@ -15029,7 +15112,7 @@
         <p:spPr>
           <a:xfrm>
             <a:off x="2222280" y="3975840"/>
-            <a:ext cx="4699080" cy="829800"/>
+            <a:ext cx="4698720" cy="829440"/>
           </a:xfrm>
           <a:prstGeom prst="round2DiagRect">
             <a:avLst>
@@ -15052,7 +15135,7 @@
           <a:fontRef idx="minor"/>
         </p:style>
         <p:txBody>
-          <a:bodyPr tIns="91440" bIns="91440" anchor="ctr">
+          <a:bodyPr lIns="90000" rIns="90000" tIns="91440" bIns="91440" anchor="ctr">
             <a:noAutofit/>
           </a:bodyPr>
           <a:p>
@@ -15118,27 +15201,38 @@
       <p:sp>
         <p:nvSpPr>
           <p:cNvPr id="192" name=""/>
-          <p:cNvSpPr txBox="1"/>
+          <p:cNvSpPr/>
           <p:nvPr/>
         </p:nvSpPr>
         <p:spPr>
           <a:xfrm>
             <a:off x="1260000" y="900000"/>
-            <a:ext cx="2160000" cy="1896120"/>
-          </a:xfrm>
-          <a:prstGeom prst="rect">
-            <a:avLst/>
-          </a:prstGeom>
-          <a:noFill/>
-          <a:ln w="0">
-            <a:noFill/>
-          </a:ln>
-        </p:spPr>
+            <a:ext cx="2159640" cy="1895760"/>
+          </a:xfrm>
+          <a:prstGeom prst="rect">
+            <a:avLst/>
+          </a:prstGeom>
+          <a:noFill/>
+          <a:ln w="0">
+            <a:noFill/>
+          </a:ln>
+        </p:spPr>
+        <p:style>
+          <a:lnRef idx="0"/>
+          <a:fillRef idx="0"/>
+          <a:effectRef idx="0"/>
+          <a:fontRef idx="minor"/>
+        </p:style>
         <p:txBody>
           <a:bodyPr lIns="90000" rIns="90000" tIns="45000" bIns="45000" anchor="t">
             <a:noAutofit/>
           </a:bodyPr>
           <a:p>
+            <a:pPr>
+              <a:lnSpc>
+                <a:spcPct val="100000"/>
+              </a:lnSpc>
+            </a:pPr>
             <a:r>
               <a:rPr b="0" lang="en-AU" sz="1600" spc="-1" strike="noStrike">
                 <a:solidFill>
@@ -15156,6 +15250,11 @@
             </a:endParaRPr>
           </a:p>
           <a:p>
+            <a:pPr>
+              <a:lnSpc>
+                <a:spcPct val="100000"/>
+              </a:lnSpc>
+            </a:pPr>
             <a:r>
               <a:rPr b="0" lang="en-AU" sz="1600" spc="-1" strike="noStrike">
                 <a:solidFill>
@@ -15173,6 +15272,11 @@
             </a:endParaRPr>
           </a:p>
           <a:p>
+            <a:pPr>
+              <a:lnSpc>
+                <a:spcPct val="100000"/>
+              </a:lnSpc>
+            </a:pPr>
             <a:r>
               <a:rPr b="0" lang="en-AU" sz="1600" spc="-1" strike="noStrike">
                 <a:solidFill>
@@ -15204,7 +15308,7 @@
         <p:spPr>
           <a:xfrm>
             <a:off x="1358280" y="2880000"/>
-            <a:ext cx="1881720" cy="714600"/>
+            <a:ext cx="1881360" cy="714240"/>
           </a:xfrm>
           <a:prstGeom prst="rect">
             <a:avLst/>
@@ -15217,27 +15321,38 @@
       <p:sp>
         <p:nvSpPr>
           <p:cNvPr id="194" name=""/>
-          <p:cNvSpPr txBox="1"/>
+          <p:cNvSpPr/>
           <p:nvPr/>
         </p:nvSpPr>
         <p:spPr>
           <a:xfrm>
             <a:off x="4860000" y="900000"/>
-            <a:ext cx="2700000" cy="346320"/>
-          </a:xfrm>
-          <a:prstGeom prst="rect">
-            <a:avLst/>
-          </a:prstGeom>
-          <a:noFill/>
-          <a:ln w="0">
-            <a:noFill/>
-          </a:ln>
-        </p:spPr>
+            <a:ext cx="2699640" cy="345960"/>
+          </a:xfrm>
+          <a:prstGeom prst="rect">
+            <a:avLst/>
+          </a:prstGeom>
+          <a:noFill/>
+          <a:ln w="0">
+            <a:noFill/>
+          </a:ln>
+        </p:spPr>
+        <p:style>
+          <a:lnRef idx="0"/>
+          <a:fillRef idx="0"/>
+          <a:effectRef idx="0"/>
+          <a:fontRef idx="minor"/>
+        </p:style>
         <p:txBody>
           <a:bodyPr lIns="90000" rIns="90000" tIns="45000" bIns="45000" anchor="t">
             <a:noAutofit/>
           </a:bodyPr>
           <a:p>
+            <a:pPr>
+              <a:lnSpc>
+                <a:spcPct val="100000"/>
+              </a:lnSpc>
+            </a:pPr>
             <a:r>
               <a:rPr b="0" lang="en-AU" sz="1800" spc="-1" strike="noStrike">
                 <a:solidFill>
@@ -15259,22 +15374,28 @@
       <p:sp>
         <p:nvSpPr>
           <p:cNvPr id="195" name=""/>
-          <p:cNvSpPr txBox="1"/>
+          <p:cNvSpPr/>
           <p:nvPr/>
         </p:nvSpPr>
         <p:spPr>
           <a:xfrm>
             <a:off x="4860000" y="900000"/>
-            <a:ext cx="2160000" cy="2481840"/>
-          </a:xfrm>
-          <a:prstGeom prst="rect">
-            <a:avLst/>
-          </a:prstGeom>
-          <a:noFill/>
-          <a:ln w="0">
-            <a:noFill/>
-          </a:ln>
-        </p:spPr>
+            <a:ext cx="2159640" cy="2481480"/>
+          </a:xfrm>
+          <a:prstGeom prst="rect">
+            <a:avLst/>
+          </a:prstGeom>
+          <a:noFill/>
+          <a:ln w="0">
+            <a:noFill/>
+          </a:ln>
+        </p:spPr>
+        <p:style>
+          <a:lnRef idx="0"/>
+          <a:fillRef idx="0"/>
+          <a:effectRef idx="0"/>
+          <a:fontRef idx="minor"/>
+        </p:style>
         <p:txBody>
           <a:bodyPr lIns="90000" rIns="90000" tIns="45000" bIns="45000" anchor="t">
             <a:noAutofit/>
@@ -15295,7 +15416,7 @@
               <a:buChar char=""/>
             </a:pPr>
             <a:r>
-              <a:rPr b="0" lang="en-AU" sz="1600" spc="-1" strike="noStrike">
+              <a:rPr b="0" lang="en-AU" sz="1400" spc="-1" strike="noStrike">
                 <a:solidFill>
                   <a:srgbClr val="000000"/>
                 </a:solidFill>
@@ -15303,7 +15424,7 @@
               </a:rPr>
               <a:t>- Host your workflows</a:t>
             </a:r>
-            <a:endParaRPr b="0" lang="en-AU" sz="1600" spc="-1" strike="noStrike">
+            <a:endParaRPr b="0" lang="en-AU" sz="1400" spc="-1" strike="noStrike">
               <a:solidFill>
                 <a:srgbClr val="000000"/>
               </a:solidFill>
@@ -15326,7 +15447,7 @@
               <a:buChar char=""/>
             </a:pPr>
             <a:r>
-              <a:rPr b="0" lang="en-AU" sz="1600" spc="-1" strike="noStrike">
+              <a:rPr b="0" lang="en-AU" sz="1400" spc="-1" strike="noStrike">
                 <a:solidFill>
                   <a:srgbClr val="000000"/>
                 </a:solidFill>
@@ -15334,7 +15455,7 @@
               </a:rPr>
               <a:t>- Add comments / annotations</a:t>
             </a:r>
-            <a:endParaRPr b="0" lang="en-AU" sz="1600" spc="-1" strike="noStrike">
+            <a:endParaRPr b="0" lang="en-AU" sz="1400" spc="-1" strike="noStrike">
               <a:solidFill>
                 <a:srgbClr val="000000"/>
               </a:solidFill>
@@ -15357,7 +15478,7 @@
               <a:buChar char=""/>
             </a:pPr>
             <a:r>
-              <a:rPr b="0" lang="en-AU" sz="1600" spc="-1" strike="noStrike">
+              <a:rPr b="0" lang="en-AU" sz="1400" spc="-1" strike="noStrike">
                 <a:solidFill>
                   <a:srgbClr val="000000"/>
                 </a:solidFill>
@@ -15365,7 +15486,38 @@
               </a:rPr>
               <a:t>- Autosave documents (not enough time this weekend)</a:t>
             </a:r>
-            <a:endParaRPr b="0" lang="en-AU" sz="1600" spc="-1" strike="noStrike">
+            <a:endParaRPr b="0" lang="en-AU" sz="1400" spc="-1" strike="noStrike">
+              <a:solidFill>
+                <a:srgbClr val="000000"/>
+              </a:solidFill>
+              <a:latin typeface="Arial"/>
+            </a:endParaRPr>
+          </a:p>
+          <a:p>
+            <a:pPr marL="432000" indent="-324000">
+              <a:lnSpc>
+                <a:spcPct val="100000"/>
+              </a:lnSpc>
+              <a:spcBef>
+                <a:spcPts val="1417"/>
+              </a:spcBef>
+              <a:buClr>
+                <a:srgbClr val="000000"/>
+              </a:buClr>
+              <a:buSzPct val="45000"/>
+              <a:buFont typeface="Wingdings" charset="2"/>
+              <a:buChar char=""/>
+            </a:pPr>
+            <a:r>
+              <a:rPr b="0" lang="en-AU" sz="1400" spc="-1" strike="noStrike">
+                <a:solidFill>
+                  <a:srgbClr val="000000"/>
+                </a:solidFill>
+                <a:latin typeface="Arial"/>
+              </a:rPr>
+              <a:t>- Graph workflows</a:t>
+            </a:r>
+            <a:endParaRPr b="0" lang="en-AU" sz="1400" spc="-1" strike="noStrike">
               <a:solidFill>
                 <a:srgbClr val="000000"/>
               </a:solidFill>
@@ -15417,18 +15569,18 @@
         <p:spPr>
           <a:xfrm>
             <a:off x="265680" y="1078920"/>
-            <a:ext cx="4044960" cy="1788840"/>
-          </a:xfrm>
-          <a:prstGeom prst="rect">
-            <a:avLst/>
-          </a:prstGeom>
-          <a:noFill/>
-          <a:ln w="0">
-            <a:noFill/>
-          </a:ln>
-        </p:spPr>
-        <p:txBody>
-          <a:bodyPr tIns="91440" bIns="91440" anchor="b">
+            <a:ext cx="4044600" cy="1788480"/>
+          </a:xfrm>
+          <a:prstGeom prst="rect">
+            <a:avLst/>
+          </a:prstGeom>
+          <a:noFill/>
+          <a:ln w="0">
+            <a:noFill/>
+          </a:ln>
+        </p:spPr>
+        <p:txBody>
+          <a:bodyPr lIns="90000" rIns="90000" tIns="91440" bIns="91440" anchor="b">
             <a:noAutofit/>
           </a:bodyPr>
           <a:p>
@@ -15473,18 +15625,18 @@
         <p:spPr>
           <a:xfrm>
             <a:off x="265680" y="2921400"/>
-            <a:ext cx="4044960" cy="1345320"/>
-          </a:xfrm>
-          <a:prstGeom prst="rect">
-            <a:avLst/>
-          </a:prstGeom>
-          <a:noFill/>
-          <a:ln w="0">
-            <a:noFill/>
-          </a:ln>
-        </p:spPr>
-        <p:txBody>
-          <a:bodyPr tIns="91440" bIns="91440" anchor="t">
+            <a:ext cx="4044600" cy="1344960"/>
+          </a:xfrm>
+          <a:prstGeom prst="rect">
+            <a:avLst/>
+          </a:prstGeom>
+          <a:noFill/>
+          <a:ln w="0">
+            <a:noFill/>
+          </a:ln>
+        </p:spPr>
+        <p:txBody>
+          <a:bodyPr lIns="90000" rIns="90000" tIns="91440" bIns="91440" anchor="t">
             <a:noAutofit/>
           </a:bodyPr>
           <a:p>
@@ -15541,7 +15693,7 @@
         <p:spPr>
           <a:xfrm>
             <a:off x="6371280" y="4774320"/>
-            <a:ext cx="2772720" cy="369000"/>
+            <a:ext cx="2772360" cy="368640"/>
           </a:xfrm>
           <a:prstGeom prst="rect">
             <a:avLst/>
@@ -15558,7 +15710,7 @@
           <a:fontRef idx="minor"/>
         </p:style>
         <p:txBody>
-          <a:bodyPr tIns="91440" bIns="91440" anchor="t">
+          <a:bodyPr lIns="90000" rIns="90000" tIns="91440" bIns="91440" anchor="t">
             <a:noAutofit/>
           </a:bodyPr>
           <a:p>
@@ -15598,7 +15750,7 @@
         <p:spPr>
           <a:xfrm>
             <a:off x="5888520" y="1283760"/>
-            <a:ext cx="2215080" cy="2575440"/>
+            <a:ext cx="2214720" cy="2575080"/>
           </a:xfrm>
           <a:prstGeom prst="round2DiagRect">
             <a:avLst>
@@ -15621,7 +15773,7 @@
           <a:fontRef idx="minor"/>
         </p:style>
         <p:txBody>
-          <a:bodyPr tIns="91440" bIns="91440" anchor="ctr">
+          <a:bodyPr lIns="90000" rIns="90000" tIns="91440" bIns="91440" anchor="ctr">
             <a:noAutofit/>
           </a:bodyPr>
           <a:p>
